--- a/1. PROJECT WARMUP PPT/Fire Rescuers.pptx
+++ b/1. PROJECT WARMUP PPT/Fire Rescuers.pptx
@@ -2,14 +2,16 @@
 <file path=ppt/presentation.xml><?xml version="1.0" encoding="utf-8"?>
 <p:presentation xmlns:a="http://schemas.openxmlformats.org/drawingml/2006/main" xmlns:r="http://schemas.openxmlformats.org/officeDocument/2006/relationships" xmlns:p="http://schemas.openxmlformats.org/presentationml/2006/main" saveSubsetFonts="1">
   <p:sldMasterIdLst>
-    <p:sldMasterId id="2147483660" r:id="rId1"/>
+    <p:sldMasterId id="2147483707" r:id="rId1"/>
   </p:sldMasterIdLst>
   <p:sldIdLst>
     <p:sldId id="258" r:id="rId2"/>
-    <p:sldId id="262" r:id="rId3"/>
-    <p:sldId id="257" r:id="rId4"/>
-    <p:sldId id="263" r:id="rId5"/>
-    <p:sldId id="264" r:id="rId6"/>
+    <p:sldId id="265" r:id="rId3"/>
+    <p:sldId id="262" r:id="rId4"/>
+    <p:sldId id="257" r:id="rId5"/>
+    <p:sldId id="263" r:id="rId6"/>
+    <p:sldId id="266" r:id="rId7"/>
+    <p:sldId id="264" r:id="rId8"/>
   </p:sldIdLst>
   <p:sldSz cx="12192000" cy="6858000"/>
   <p:notesSz cx="6858000" cy="9144000"/>
@@ -1074,7 +1076,7 @@
       <dgm:spPr/>
     </dgm:pt>
     <dgm:pt modelId="{06781D95-E50B-4BB1-8115-73A164F288DC}" type="pres">
-      <dgm:prSet presAssocID="{971897BA-1810-4AB9-A977-878A61167E4D}" presName="arrow" presStyleLbl="bgShp" presStyleIdx="0" presStyleCnt="1" custScaleX="117647" custLinFactNeighborX="0" custLinFactNeighborY="-1213"/>
+      <dgm:prSet presAssocID="{971897BA-1810-4AB9-A977-878A61167E4D}" presName="arrow" presStyleLbl="bgShp" presStyleIdx="0" presStyleCnt="1" custScaleX="110513" custLinFactNeighborX="4049" custLinFactNeighborY="-1201"/>
       <dgm:spPr>
         <a:solidFill>
           <a:schemeClr val="accent6">
@@ -1161,8 +1163,8 @@
       </dsp:nvSpPr>
       <dsp:spPr>
         <a:xfrm>
-          <a:off x="2" y="0"/>
-          <a:ext cx="8499671" cy="1361673"/>
+          <a:off x="515416" y="0"/>
+          <a:ext cx="7984259" cy="1361673"/>
         </a:xfrm>
         <a:prstGeom prst="rightArrow">
           <a:avLst/>
@@ -1206,7 +1208,7 @@
         <a:solidFill>
           <a:srgbClr val="00B0F0"/>
         </a:solidFill>
-        <a:ln w="15875" cap="flat" cmpd="sng" algn="ctr">
+        <a:ln w="12700" cap="flat" cmpd="sng" algn="ctr">
           <a:solidFill>
             <a:schemeClr val="lt1">
               <a:hueOff val="0"/>
@@ -1278,7 +1280,7 @@
         <a:solidFill>
           <a:srgbClr val="00B0F0"/>
         </a:solidFill>
-        <a:ln w="15875" cap="flat" cmpd="sng" algn="ctr">
+        <a:ln w="12700" cap="flat" cmpd="sng" algn="ctr">
           <a:solidFill>
             <a:schemeClr val="lt1">
               <a:hueOff val="0"/>
@@ -1350,7 +1352,7 @@
         <a:solidFill>
           <a:srgbClr val="00B0F0"/>
         </a:solidFill>
-        <a:ln w="15875" cap="flat" cmpd="sng" algn="ctr">
+        <a:ln w="12700" cap="flat" cmpd="sng" algn="ctr">
           <a:solidFill>
             <a:schemeClr val="lt1">
               <a:hueOff val="0"/>
@@ -2601,6 +2603,14 @@
 <file path=ppt/slideLayouts/slideLayout1.xml><?xml version="1.0" encoding="utf-8"?>
 <p:sldLayout xmlns:a="http://schemas.openxmlformats.org/drawingml/2006/main" xmlns:r="http://schemas.openxmlformats.org/officeDocument/2006/relationships" xmlns:p="http://schemas.openxmlformats.org/presentationml/2006/main" type="title" preserve="1">
   <p:cSld name="Title Slide">
+    <p:bg>
+      <p:bgPr>
+        <a:solidFill>
+          <a:schemeClr val="accent2"/>
+        </a:solidFill>
+        <a:effectLst/>
+      </p:bgPr>
+    </p:bg>
     <p:spTree>
       <p:nvGrpSpPr>
         <p:cNvPr id="1" name=""/>
@@ -2625,19 +2635,31 @@
             <p:ph type="ctrTitle"/>
           </p:nvPr>
         </p:nvSpPr>
-        <p:spPr>
+        <p:spPr bwMode="blackWhite">
           <a:xfrm>
-            <a:off x="2417779" y="802298"/>
-            <a:ext cx="8637073" cy="2541431"/>
+            <a:off x="1600200" y="2386744"/>
+            <a:ext cx="8991600" cy="1645920"/>
           </a:xfrm>
+          <a:solidFill>
+            <a:srgbClr val="FFFFFF"/>
+          </a:solidFill>
+          <a:ln w="38100">
+            <a:solidFill>
+              <a:srgbClr val="404040"/>
+            </a:solidFill>
+          </a:ln>
         </p:spPr>
         <p:txBody>
-          <a:bodyPr bIns="0" anchor="b">
+          <a:bodyPr lIns="274320" rIns="274320" anchor="ctr" anchorCtr="1">
             <a:normAutofit/>
           </a:bodyPr>
           <a:lstStyle>
-            <a:lvl1pPr algn="l">
-              <a:defRPr sz="6600"/>
+            <a:lvl1pPr algn="ctr">
+              <a:defRPr sz="3800">
+                <a:solidFill>
+                  <a:srgbClr val="262626"/>
+                </a:solidFill>
+              </a:defRPr>
             </a:lvl1pPr>
           </a:lstStyle>
           <a:p>
@@ -2661,26 +2683,30 @@
         </p:nvSpPr>
         <p:spPr>
           <a:xfrm>
-            <a:off x="2417780" y="3531204"/>
-            <a:ext cx="8637072" cy="977621"/>
+            <a:off x="2695194" y="4352544"/>
+            <a:ext cx="6801612" cy="1239894"/>
           </a:xfrm>
+          <a:noFill/>
         </p:spPr>
         <p:txBody>
-          <a:bodyPr tIns="91440" bIns="91440">
+          <a:bodyPr>
             <a:normAutofit/>
           </a:bodyPr>
           <a:lstStyle>
-            <a:lvl1pPr marL="0" indent="0" algn="l">
+            <a:lvl1pPr marL="0" indent="0" algn="ctr">
               <a:buNone/>
-              <a:defRPr sz="1800" b="0" cap="all" baseline="0">
+              <a:defRPr sz="2000">
                 <a:solidFill>
-                  <a:schemeClr val="tx1"/>
+                  <a:schemeClr val="tx1">
+                    <a:lumMod val="75000"/>
+                    <a:lumOff val="25000"/>
+                  </a:schemeClr>
                 </a:solidFill>
               </a:defRPr>
             </a:lvl1pPr>
             <a:lvl2pPr marL="457200" indent="0" algn="ctr">
               <a:buNone/>
-              <a:defRPr sz="1800"/>
+              <a:defRPr sz="2000"/>
             </a:lvl2pPr>
             <a:lvl3pPr marL="914400" indent="0" algn="ctr">
               <a:buNone/>
@@ -2722,7 +2748,7 @@
       </p:sp>
       <p:sp>
         <p:nvSpPr>
-          <p:cNvPr id="4" name="Date Placeholder 3"/>
+          <p:cNvPr id="7" name="Date Placeholder 6"/>
           <p:cNvSpPr>
             <a:spLocks noGrp="1"/>
           </p:cNvSpPr>
@@ -2737,7 +2763,7 @@
           <a:p>
             <a:fld id="{F59A9BFA-631A-44F6-986D-A4B26F366105}" type="datetimeFigureOut">
               <a:rPr lang="en-US" smtClean="0"/>
-              <a:t>1/15/2021</a:t>
+              <a:t>1/31/2021</a:t>
             </a:fld>
             <a:endParaRPr lang="en-US"/>
           </a:p>
@@ -2745,7 +2771,7 @@
       </p:sp>
       <p:sp>
         <p:nvSpPr>
-          <p:cNvPr id="5" name="Footer Placeholder 4"/>
+          <p:cNvPr id="8" name="Footer Placeholder 7"/>
           <p:cNvSpPr>
             <a:spLocks noGrp="1"/>
           </p:cNvSpPr>
@@ -2753,12 +2779,7 @@
             <p:ph type="ftr" sz="quarter" idx="11"/>
           </p:nvPr>
         </p:nvSpPr>
-        <p:spPr>
-          <a:xfrm>
-            <a:off x="2416500" y="329307"/>
-            <a:ext cx="4973915" cy="309201"/>
-          </a:xfrm>
-        </p:spPr>
+        <p:spPr/>
         <p:txBody>
           <a:bodyPr/>
           <a:lstStyle/>
@@ -2769,7 +2790,7 @@
       </p:sp>
       <p:sp>
         <p:nvSpPr>
-          <p:cNvPr id="6" name="Slide Number Placeholder 5"/>
+          <p:cNvPr id="9" name="Slide Number Placeholder 8"/>
           <p:cNvSpPr>
             <a:spLocks noGrp="1"/>
           </p:cNvSpPr>
@@ -2777,12 +2798,7 @@
             <p:ph type="sldNum" sz="quarter" idx="12"/>
           </p:nvPr>
         </p:nvSpPr>
-        <p:spPr>
-          <a:xfrm>
-            <a:off x="1437664" y="798973"/>
-            <a:ext cx="811019" cy="503578"/>
-          </a:xfrm>
-        </p:spPr>
+        <p:spPr/>
         <p:txBody>
           <a:bodyPr/>
           <a:lstStyle/>
@@ -2795,46 +2811,15 @@
           </a:p>
         </p:txBody>
       </p:sp>
-      <p:cxnSp>
-        <p:nvCxnSpPr>
-          <p:cNvPr id="15" name="Straight Connector 14"/>
-          <p:cNvCxnSpPr/>
-          <p:nvPr/>
-        </p:nvCxnSpPr>
-        <p:spPr>
-          <a:xfrm>
-            <a:off x="2417780" y="3528542"/>
-            <a:ext cx="8637072" cy="0"/>
-          </a:xfrm>
-          <a:prstGeom prst="line">
-            <a:avLst/>
-          </a:prstGeom>
-          <a:ln w="31750"/>
-        </p:spPr>
-        <p:style>
-          <a:lnRef idx="3">
-            <a:schemeClr val="accent1"/>
-          </a:lnRef>
-          <a:fillRef idx="0">
-            <a:schemeClr val="accent1"/>
-          </a:fillRef>
-          <a:effectRef idx="2">
-            <a:schemeClr val="accent1"/>
-          </a:effectRef>
-          <a:fontRef idx="minor">
-            <a:schemeClr val="tx1"/>
-          </a:fontRef>
-        </p:style>
-      </p:cxnSp>
     </p:spTree>
     <p:extLst>
       <p:ext uri="{BB962C8B-B14F-4D97-AF65-F5344CB8AC3E}">
-        <p14:creationId xmlns:p14="http://schemas.microsoft.com/office/powerpoint/2010/main" val="3067613857"/>
+        <p14:creationId xmlns:p14="http://schemas.microsoft.com/office/powerpoint/2010/main" val="4100793249"/>
       </p:ext>
     </p:extLst>
   </p:cSld>
   <p:clrMapOvr>
-    <a:masterClrMapping/>
+    <a:overrideClrMapping bg1="dk1" tx1="lt1" bg2="dk2" tx2="lt2" accent1="accent1" accent2="accent2" accent3="accent3" accent4="accent4" accent5="accent5" accent6="accent6" hlink="hlink" folHlink="folHlink"/>
   </p:clrMapOvr>
 </p:sldLayout>
 </file>
@@ -2948,7 +2933,7 @@
           <a:p>
             <a:fld id="{F59A9BFA-631A-44F6-986D-A4B26F366105}" type="datetimeFigureOut">
               <a:rPr lang="en-US" smtClean="0"/>
-              <a:t>1/15/2021</a:t>
+              <a:t>1/31/2021</a:t>
             </a:fld>
             <a:endParaRPr lang="en-US"/>
           </a:p>
@@ -2996,41 +2981,10 @@
           </a:p>
         </p:txBody>
       </p:sp>
-      <p:cxnSp>
-        <p:nvCxnSpPr>
-          <p:cNvPr id="26" name="Straight Connector 25"/>
-          <p:cNvCxnSpPr/>
-          <p:nvPr/>
-        </p:nvCxnSpPr>
-        <p:spPr>
-          <a:xfrm>
-            <a:off x="1453896" y="1847088"/>
-            <a:ext cx="9607522" cy="0"/>
-          </a:xfrm>
-          <a:prstGeom prst="line">
-            <a:avLst/>
-          </a:prstGeom>
-          <a:ln w="31750"/>
-        </p:spPr>
-        <p:style>
-          <a:lnRef idx="3">
-            <a:schemeClr val="accent1"/>
-          </a:lnRef>
-          <a:fillRef idx="0">
-            <a:schemeClr val="accent1"/>
-          </a:fillRef>
-          <a:effectRef idx="2">
-            <a:schemeClr val="accent1"/>
-          </a:effectRef>
-          <a:fontRef idx="minor">
-            <a:schemeClr val="tx1"/>
-          </a:fontRef>
-        </p:style>
-      </p:cxnSp>
     </p:spTree>
     <p:extLst>
       <p:ext uri="{BB962C8B-B14F-4D97-AF65-F5344CB8AC3E}">
-        <p14:creationId xmlns:p14="http://schemas.microsoft.com/office/powerpoint/2010/main" val="837902219"/>
+        <p14:creationId xmlns:p14="http://schemas.microsoft.com/office/powerpoint/2010/main" val="2935190912"/>
       </p:ext>
     </p:extLst>
   </p:cSld>
@@ -3069,17 +3023,13 @@
         </p:nvSpPr>
         <p:spPr>
           <a:xfrm>
-            <a:off x="9439111" y="798973"/>
-            <a:ext cx="1615742" cy="4659889"/>
+            <a:off x="8653112" y="937260"/>
+            <a:ext cx="1298608" cy="4983480"/>
           </a:xfrm>
         </p:spPr>
         <p:txBody>
           <a:bodyPr vert="eaVert"/>
-          <a:lstStyle>
-            <a:lvl1pPr algn="l">
-              <a:defRPr/>
-            </a:lvl1pPr>
-          </a:lstStyle>
+          <a:lstStyle/>
           <a:p>
             <a:r>
               <a:rPr lang="en-US"/>
@@ -3101,8 +3051,8 @@
         </p:nvSpPr>
         <p:spPr>
           <a:xfrm>
-            <a:off x="1444672" y="798973"/>
-            <a:ext cx="7828830" cy="4659889"/>
+            <a:off x="2231136" y="937260"/>
+            <a:ext cx="6198489" cy="4983480"/>
           </a:xfrm>
         </p:spPr>
         <p:txBody>
@@ -3163,7 +3113,7 @@
           <a:p>
             <a:fld id="{F59A9BFA-631A-44F6-986D-A4B26F366105}" type="datetimeFigureOut">
               <a:rPr lang="en-US" smtClean="0"/>
-              <a:t>1/15/2021</a:t>
+              <a:t>1/31/2021</a:t>
             </a:fld>
             <a:endParaRPr lang="en-US"/>
           </a:p>
@@ -3211,41 +3161,10 @@
           </a:p>
         </p:txBody>
       </p:sp>
-      <p:cxnSp>
-        <p:nvCxnSpPr>
-          <p:cNvPr id="15" name="Straight Connector 14"/>
-          <p:cNvCxnSpPr/>
-          <p:nvPr/>
-        </p:nvCxnSpPr>
-        <p:spPr>
-          <a:xfrm>
-            <a:off x="9439111" y="798973"/>
-            <a:ext cx="0" cy="4659889"/>
-          </a:xfrm>
-          <a:prstGeom prst="line">
-            <a:avLst/>
-          </a:prstGeom>
-          <a:ln w="31750"/>
-        </p:spPr>
-        <p:style>
-          <a:lnRef idx="3">
-            <a:schemeClr val="accent1"/>
-          </a:lnRef>
-          <a:fillRef idx="0">
-            <a:schemeClr val="accent1"/>
-          </a:fillRef>
-          <a:effectRef idx="2">
-            <a:schemeClr val="accent1"/>
-          </a:effectRef>
-          <a:fontRef idx="minor">
-            <a:schemeClr val="tx1"/>
-          </a:fontRef>
-        </p:style>
-      </p:cxnSp>
     </p:spTree>
     <p:extLst>
       <p:ext uri="{BB962C8B-B14F-4D97-AF65-F5344CB8AC3E}">
-        <p14:creationId xmlns:p14="http://schemas.microsoft.com/office/powerpoint/2010/main" val="2026827983"/>
+        <p14:creationId xmlns:p14="http://schemas.microsoft.com/office/powerpoint/2010/main" val="1566728340"/>
       </p:ext>
     </p:extLst>
   </p:cSld>
@@ -3307,7 +3226,7 @@
         </p:nvSpPr>
         <p:spPr/>
         <p:txBody>
-          <a:bodyPr anchor="t"/>
+          <a:bodyPr/>
           <a:lstStyle/>
           <a:p>
             <a:pPr lvl="0"/>
@@ -3349,7 +3268,7 @@
       </p:sp>
       <p:sp>
         <p:nvSpPr>
-          <p:cNvPr id="4" name="Date Placeholder 3"/>
+          <p:cNvPr id="7" name="Date Placeholder 6"/>
           <p:cNvSpPr>
             <a:spLocks noGrp="1"/>
           </p:cNvSpPr>
@@ -3364,7 +3283,7 @@
           <a:p>
             <a:fld id="{F59A9BFA-631A-44F6-986D-A4B26F366105}" type="datetimeFigureOut">
               <a:rPr lang="en-US" smtClean="0"/>
-              <a:t>1/15/2021</a:t>
+              <a:t>1/31/2021</a:t>
             </a:fld>
             <a:endParaRPr lang="en-US"/>
           </a:p>
@@ -3372,7 +3291,7 @@
       </p:sp>
       <p:sp>
         <p:nvSpPr>
-          <p:cNvPr id="5" name="Footer Placeholder 4"/>
+          <p:cNvPr id="8" name="Footer Placeholder 7"/>
           <p:cNvSpPr>
             <a:spLocks noGrp="1"/>
           </p:cNvSpPr>
@@ -3391,7 +3310,7 @@
       </p:sp>
       <p:sp>
         <p:nvSpPr>
-          <p:cNvPr id="6" name="Slide Number Placeholder 5"/>
+          <p:cNvPr id="9" name="Slide Number Placeholder 8"/>
           <p:cNvSpPr>
             <a:spLocks noGrp="1"/>
           </p:cNvSpPr>
@@ -3412,41 +3331,10 @@
           </a:p>
         </p:txBody>
       </p:sp>
-      <p:cxnSp>
-        <p:nvCxnSpPr>
-          <p:cNvPr id="33" name="Straight Connector 32"/>
-          <p:cNvCxnSpPr/>
-          <p:nvPr/>
-        </p:nvCxnSpPr>
-        <p:spPr>
-          <a:xfrm>
-            <a:off x="1453896" y="1847088"/>
-            <a:ext cx="9607522" cy="0"/>
-          </a:xfrm>
-          <a:prstGeom prst="line">
-            <a:avLst/>
-          </a:prstGeom>
-          <a:ln w="31750"/>
-        </p:spPr>
-        <p:style>
-          <a:lnRef idx="3">
-            <a:schemeClr val="accent1"/>
-          </a:lnRef>
-          <a:fillRef idx="0">
-            <a:schemeClr val="accent1"/>
-          </a:fillRef>
-          <a:effectRef idx="2">
-            <a:schemeClr val="accent1"/>
-          </a:effectRef>
-          <a:fontRef idx="minor">
-            <a:schemeClr val="tx1"/>
-          </a:fontRef>
-        </p:style>
-      </p:cxnSp>
     </p:spTree>
     <p:extLst>
       <p:ext uri="{BB962C8B-B14F-4D97-AF65-F5344CB8AC3E}">
-        <p14:creationId xmlns:p14="http://schemas.microsoft.com/office/powerpoint/2010/main" val="345727879"/>
+        <p14:creationId xmlns:p14="http://schemas.microsoft.com/office/powerpoint/2010/main" val="1819845175"/>
       </p:ext>
     </p:extLst>
   </p:cSld>
@@ -3459,6 +3347,14 @@
 <file path=ppt/slideLayouts/slideLayout3.xml><?xml version="1.0" encoding="utf-8"?>
 <p:sldLayout xmlns:a="http://schemas.openxmlformats.org/drawingml/2006/main" xmlns:r="http://schemas.openxmlformats.org/officeDocument/2006/relationships" xmlns:p="http://schemas.openxmlformats.org/presentationml/2006/main" type="secHead" preserve="1">
   <p:cSld name="Section Header">
+    <p:bg>
+      <p:bgPr>
+        <a:solidFill>
+          <a:schemeClr val="accent1"/>
+        </a:solidFill>
+        <a:effectLst/>
+      </p:bgPr>
+    </p:bg>
     <p:spTree>
       <p:nvGrpSpPr>
         <p:cNvPr id="1" name=""/>
@@ -3483,19 +3379,31 @@
             <p:ph type="title"/>
           </p:nvPr>
         </p:nvSpPr>
-        <p:spPr>
+        <p:spPr bwMode="blackWhite">
           <a:xfrm>
-            <a:off x="1454239" y="1756130"/>
-            <a:ext cx="8643154" cy="1887950"/>
+            <a:off x="1600200" y="2386744"/>
+            <a:ext cx="8991600" cy="1645920"/>
           </a:xfrm>
+          <a:solidFill>
+            <a:srgbClr val="FFFFFF"/>
+          </a:solidFill>
+          <a:ln w="38100">
+            <a:solidFill>
+              <a:srgbClr val="404040"/>
+            </a:solidFill>
+          </a:ln>
         </p:spPr>
         <p:txBody>
-          <a:bodyPr anchor="b">
+          <a:bodyPr lIns="274320" rIns="274320" anchor="ctr" anchorCtr="1">
             <a:normAutofit/>
           </a:bodyPr>
           <a:lstStyle>
-            <a:lvl1pPr algn="l">
-              <a:defRPr sz="3600"/>
+            <a:lvl1pPr>
+              <a:defRPr sz="3800">
+                <a:solidFill>
+                  <a:srgbClr val="262626"/>
+                </a:solidFill>
+              </a:defRPr>
             </a:lvl1pPr>
           </a:lstStyle>
           <a:p>
@@ -3519,18 +3427,18 @@
         </p:nvSpPr>
         <p:spPr>
           <a:xfrm>
-            <a:off x="1454239" y="3806195"/>
-            <a:ext cx="8630446" cy="1012929"/>
+            <a:off x="2695194" y="4352465"/>
+            <a:ext cx="6801612" cy="1265082"/>
           </a:xfrm>
         </p:spPr>
         <p:txBody>
-          <a:bodyPr tIns="91440">
+          <a:bodyPr anchor="t" anchorCtr="1">
             <a:normAutofit/>
           </a:bodyPr>
           <a:lstStyle>
-            <a:lvl1pPr marL="0" indent="0" algn="l">
+            <a:lvl1pPr marL="0" indent="0">
               <a:buNone/>
-              <a:defRPr sz="1800">
+              <a:defRPr sz="2000">
                 <a:solidFill>
                   <a:schemeClr val="tx1"/>
                 </a:solidFill>
@@ -3538,7 +3446,7 @@
             </a:lvl1pPr>
             <a:lvl2pPr marL="457200" indent="0">
               <a:buNone/>
-              <a:defRPr sz="1800">
+              <a:defRPr sz="2000">
                 <a:solidFill>
                   <a:schemeClr val="tx1">
                     <a:tint val="75000"/>
@@ -3628,7 +3536,7 @@
       </p:sp>
       <p:sp>
         <p:nvSpPr>
-          <p:cNvPr id="4" name="Date Placeholder 3"/>
+          <p:cNvPr id="7" name="Date Placeholder 6"/>
           <p:cNvSpPr>
             <a:spLocks noGrp="1"/>
           </p:cNvSpPr>
@@ -3643,7 +3551,7 @@
           <a:p>
             <a:fld id="{F59A9BFA-631A-44F6-986D-A4B26F366105}" type="datetimeFigureOut">
               <a:rPr lang="en-US" smtClean="0"/>
-              <a:t>1/15/2021</a:t>
+              <a:t>1/31/2021</a:t>
             </a:fld>
             <a:endParaRPr lang="en-US"/>
           </a:p>
@@ -3651,7 +3559,7 @@
       </p:sp>
       <p:sp>
         <p:nvSpPr>
-          <p:cNvPr id="5" name="Footer Placeholder 4"/>
+          <p:cNvPr id="8" name="Footer Placeholder 7"/>
           <p:cNvSpPr>
             <a:spLocks noGrp="1"/>
           </p:cNvSpPr>
@@ -3670,7 +3578,7 @@
       </p:sp>
       <p:sp>
         <p:nvSpPr>
-          <p:cNvPr id="6" name="Slide Number Placeholder 5"/>
+          <p:cNvPr id="9" name="Slide Number Placeholder 8"/>
           <p:cNvSpPr>
             <a:spLocks noGrp="1"/>
           </p:cNvSpPr>
@@ -3691,46 +3599,15 @@
           </a:p>
         </p:txBody>
       </p:sp>
-      <p:cxnSp>
-        <p:nvCxnSpPr>
-          <p:cNvPr id="15" name="Straight Connector 14"/>
-          <p:cNvCxnSpPr/>
-          <p:nvPr/>
-        </p:nvCxnSpPr>
-        <p:spPr>
-          <a:xfrm>
-            <a:off x="1454239" y="3804985"/>
-            <a:ext cx="8630446" cy="0"/>
-          </a:xfrm>
-          <a:prstGeom prst="line">
-            <a:avLst/>
-          </a:prstGeom>
-          <a:ln w="31750"/>
-        </p:spPr>
-        <p:style>
-          <a:lnRef idx="3">
-            <a:schemeClr val="accent1"/>
-          </a:lnRef>
-          <a:fillRef idx="0">
-            <a:schemeClr val="accent1"/>
-          </a:fillRef>
-          <a:effectRef idx="2">
-            <a:schemeClr val="accent1"/>
-          </a:effectRef>
-          <a:fontRef idx="minor">
-            <a:schemeClr val="tx1"/>
-          </a:fontRef>
-        </p:style>
-      </p:cxnSp>
     </p:spTree>
     <p:extLst>
       <p:ext uri="{BB962C8B-B14F-4D97-AF65-F5344CB8AC3E}">
-        <p14:creationId xmlns:p14="http://schemas.microsoft.com/office/powerpoint/2010/main" val="1004404867"/>
+        <p14:creationId xmlns:p14="http://schemas.microsoft.com/office/powerpoint/2010/main" val="470651883"/>
       </p:ext>
     </p:extLst>
   </p:cSld>
   <p:clrMapOvr>
-    <a:masterClrMapping/>
+    <a:overrideClrMapping bg1="dk1" tx1="lt1" bg2="dk2" tx2="lt2" accent1="accent1" accent2="accent2" accent3="accent3" accent4="accent4" accent5="accent5" accent6="accent6" hlink="hlink" folHlink="folHlink"/>
   </p:clrMapOvr>
 </p:sldLayout>
 </file>
@@ -3762,12 +3639,7 @@
             <p:ph type="title"/>
           </p:nvPr>
         </p:nvSpPr>
-        <p:spPr>
-          <a:xfrm>
-            <a:off x="1449217" y="804889"/>
-            <a:ext cx="9605635" cy="1059305"/>
-          </a:xfrm>
-        </p:spPr>
+        <p:spPr/>
         <p:txBody>
           <a:bodyPr/>
           <a:lstStyle/>
@@ -3792,8 +3664,8 @@
         </p:nvSpPr>
         <p:spPr>
           <a:xfrm>
-            <a:off x="1447331" y="2010878"/>
-            <a:ext cx="4645152" cy="3448595"/>
+            <a:off x="1581912" y="2638044"/>
+            <a:ext cx="4271771" cy="3101982"/>
           </a:xfrm>
         </p:spPr>
         <p:txBody>
@@ -3849,8 +3721,8 @@
         </p:nvSpPr>
         <p:spPr>
           <a:xfrm>
-            <a:off x="6413771" y="2017343"/>
-            <a:ext cx="4645152" cy="3441520"/>
+            <a:off x="6338315" y="2638044"/>
+            <a:ext cx="4270247" cy="3101982"/>
           </a:xfrm>
         </p:spPr>
         <p:txBody>
@@ -3896,7 +3768,7 @@
       </p:sp>
       <p:sp>
         <p:nvSpPr>
-          <p:cNvPr id="5" name="Date Placeholder 4"/>
+          <p:cNvPr id="8" name="Date Placeholder 7"/>
           <p:cNvSpPr>
             <a:spLocks noGrp="1"/>
           </p:cNvSpPr>
@@ -3911,7 +3783,7 @@
           <a:p>
             <a:fld id="{F59A9BFA-631A-44F6-986D-A4B26F366105}" type="datetimeFigureOut">
               <a:rPr lang="en-US" smtClean="0"/>
-              <a:t>1/15/2021</a:t>
+              <a:t>1/31/2021</a:t>
             </a:fld>
             <a:endParaRPr lang="en-US"/>
           </a:p>
@@ -3919,7 +3791,7 @@
       </p:sp>
       <p:sp>
         <p:nvSpPr>
-          <p:cNvPr id="6" name="Footer Placeholder 5"/>
+          <p:cNvPr id="9" name="Footer Placeholder 8"/>
           <p:cNvSpPr>
             <a:spLocks noGrp="1"/>
           </p:cNvSpPr>
@@ -3938,7 +3810,7 @@
       </p:sp>
       <p:sp>
         <p:nvSpPr>
-          <p:cNvPr id="7" name="Slide Number Placeholder 6"/>
+          <p:cNvPr id="10" name="Slide Number Placeholder 9"/>
           <p:cNvSpPr>
             <a:spLocks noGrp="1"/>
           </p:cNvSpPr>
@@ -3959,41 +3831,10 @@
           </a:p>
         </p:txBody>
       </p:sp>
-      <p:cxnSp>
-        <p:nvCxnSpPr>
-          <p:cNvPr id="35" name="Straight Connector 34"/>
-          <p:cNvCxnSpPr/>
-          <p:nvPr/>
-        </p:nvCxnSpPr>
-        <p:spPr>
-          <a:xfrm>
-            <a:off x="1453896" y="1847088"/>
-            <a:ext cx="9607522" cy="0"/>
-          </a:xfrm>
-          <a:prstGeom prst="line">
-            <a:avLst/>
-          </a:prstGeom>
-          <a:ln w="31750"/>
-        </p:spPr>
-        <p:style>
-          <a:lnRef idx="3">
-            <a:schemeClr val="accent1"/>
-          </a:lnRef>
-          <a:fillRef idx="0">
-            <a:schemeClr val="accent1"/>
-          </a:fillRef>
-          <a:effectRef idx="2">
-            <a:schemeClr val="accent1"/>
-          </a:effectRef>
-          <a:fontRef idx="minor">
-            <a:schemeClr val="tx1"/>
-          </a:fontRef>
-        </p:style>
-      </p:cxnSp>
     </p:spTree>
     <p:extLst>
       <p:ext uri="{BB962C8B-B14F-4D97-AF65-F5344CB8AC3E}">
-        <p14:creationId xmlns:p14="http://schemas.microsoft.com/office/powerpoint/2010/main" val="838301830"/>
+        <p14:creationId xmlns:p14="http://schemas.microsoft.com/office/powerpoint/2010/main" val="3248841143"/>
       </p:ext>
     </p:extLst>
   </p:cSld>
@@ -4022,34 +3863,6 @@
       </p:grpSpPr>
       <p:sp>
         <p:nvSpPr>
-          <p:cNvPr id="2" name="Title 1"/>
-          <p:cNvSpPr>
-            <a:spLocks noGrp="1"/>
-          </p:cNvSpPr>
-          <p:nvPr>
-            <p:ph type="title"/>
-          </p:nvPr>
-        </p:nvSpPr>
-        <p:spPr>
-          <a:xfrm>
-            <a:off x="1447191" y="804163"/>
-            <a:ext cx="9607661" cy="1056319"/>
-          </a:xfrm>
-        </p:spPr>
-        <p:txBody>
-          <a:bodyPr/>
-          <a:lstStyle/>
-          <a:p>
-            <a:r>
-              <a:rPr lang="en-US"/>
-              <a:t>Click to edit Master title style</a:t>
-            </a:r>
-            <a:endParaRPr lang="en-US" dirty="0"/>
-          </a:p>
-        </p:txBody>
-      </p:sp>
-      <p:sp>
-        <p:nvSpPr>
           <p:cNvPr id="3" name="Text Placeholder 2"/>
           <p:cNvSpPr>
             <a:spLocks noGrp="1"/>
@@ -4060,29 +3873,28 @@
         </p:nvSpPr>
         <p:spPr>
           <a:xfrm>
-            <a:off x="1447191" y="2019549"/>
-            <a:ext cx="4645152" cy="801943"/>
+            <a:off x="1583436" y="2313433"/>
+            <a:ext cx="4270248" cy="704087"/>
           </a:xfrm>
         </p:spPr>
         <p:txBody>
-          <a:bodyPr anchor="b">
+          <a:bodyPr anchor="b" anchorCtr="1">
             <a:normAutofit/>
           </a:bodyPr>
           <a:lstStyle>
-            <a:lvl1pPr marL="0" indent="0">
-              <a:lnSpc>
-                <a:spcPct val="100000"/>
-              </a:lnSpc>
+            <a:lvl1pPr marL="0" indent="0" algn="ctr">
               <a:buNone/>
-              <a:defRPr sz="2200" b="0" cap="all" baseline="0">
+              <a:defRPr sz="1900" b="0" cap="all" spc="100" baseline="0">
                 <a:solidFill>
-                  <a:schemeClr val="accent1"/>
+                  <a:schemeClr val="accent2">
+                    <a:lumMod val="75000"/>
+                  </a:schemeClr>
                 </a:solidFill>
               </a:defRPr>
             </a:lvl1pPr>
             <a:lvl2pPr marL="457200" indent="0">
               <a:buNone/>
-              <a:defRPr sz="2000" b="1"/>
+              <a:defRPr sz="1900" b="1"/>
             </a:lvl2pPr>
             <a:lvl3pPr marL="914400" indent="0">
               <a:buNone/>
@@ -4134,8 +3946,8 @@
         </p:nvSpPr>
         <p:spPr>
           <a:xfrm>
-            <a:off x="1447191" y="2824269"/>
-            <a:ext cx="4645152" cy="2644457"/>
+            <a:off x="1583436" y="3143250"/>
+            <a:ext cx="4270248" cy="2596776"/>
           </a:xfrm>
         </p:spPr>
         <p:txBody>
@@ -4181,39 +3993,99 @@
       </p:sp>
       <p:sp>
         <p:nvSpPr>
-          <p:cNvPr id="5" name="Text Placeholder 4"/>
+          <p:cNvPr id="6" name="Content Placeholder 5"/>
           <p:cNvSpPr>
             <a:spLocks noGrp="1"/>
           </p:cNvSpPr>
           <p:nvPr>
-            <p:ph type="body" sz="quarter" idx="3"/>
+            <p:ph sz="quarter" idx="4"/>
           </p:nvPr>
         </p:nvSpPr>
         <p:spPr>
           <a:xfrm>
-            <a:off x="6412362" y="2023003"/>
-            <a:ext cx="4645152" cy="802237"/>
+            <a:off x="6338316" y="3143250"/>
+            <a:ext cx="4253484" cy="2596776"/>
           </a:xfrm>
         </p:spPr>
         <p:txBody>
-          <a:bodyPr anchor="b">
+          <a:bodyPr/>
+          <a:lstStyle>
+            <a:lvl5pPr>
+              <a:defRPr/>
+            </a:lvl5pPr>
+          </a:lstStyle>
+          <a:p>
+            <a:pPr lvl="0"/>
+            <a:r>
+              <a:rPr lang="en-US"/>
+              <a:t>Click to edit Master text styles</a:t>
+            </a:r>
+          </a:p>
+          <a:p>
+            <a:pPr lvl="1"/>
+            <a:r>
+              <a:rPr lang="en-US"/>
+              <a:t>Second level</a:t>
+            </a:r>
+          </a:p>
+          <a:p>
+            <a:pPr lvl="2"/>
+            <a:r>
+              <a:rPr lang="en-US"/>
+              <a:t>Third level</a:t>
+            </a:r>
+          </a:p>
+          <a:p>
+            <a:pPr lvl="3"/>
+            <a:r>
+              <a:rPr lang="en-US"/>
+              <a:t>Fourth level</a:t>
+            </a:r>
+          </a:p>
+          <a:p>
+            <a:pPr lvl="4"/>
+            <a:r>
+              <a:rPr lang="en-US"/>
+              <a:t>Fifth level</a:t>
+            </a:r>
+            <a:endParaRPr lang="en-US" dirty="0"/>
+          </a:p>
+        </p:txBody>
+      </p:sp>
+      <p:sp>
+        <p:nvSpPr>
+          <p:cNvPr id="11" name="Text Placeholder 4"/>
+          <p:cNvSpPr>
+            <a:spLocks noGrp="1"/>
+          </p:cNvSpPr>
+          <p:nvPr>
+            <p:ph type="body" sz="quarter" idx="13"/>
+          </p:nvPr>
+        </p:nvSpPr>
+        <p:spPr>
+          <a:xfrm>
+            <a:off x="6338316" y="2313433"/>
+            <a:ext cx="4270248" cy="704087"/>
+          </a:xfrm>
+        </p:spPr>
+        <p:txBody>
+          <a:bodyPr anchor="b" anchorCtr="1">
             <a:normAutofit/>
           </a:bodyPr>
           <a:lstStyle>
-            <a:lvl1pPr marL="0" indent="0">
-              <a:lnSpc>
-                <a:spcPct val="100000"/>
-              </a:lnSpc>
+            <a:lvl1pPr marL="0" indent="0" algn="ctr">
               <a:buNone/>
-              <a:defRPr sz="2200" b="0" cap="all" baseline="0">
+              <a:defRPr sz="1900" b="0" cap="all" spc="100" baseline="0">
                 <a:solidFill>
-                  <a:schemeClr val="accent1"/>
+                  <a:schemeClr val="accent2">
+                    <a:lumMod val="75000"/>
+                  </a:schemeClr>
                 </a:solidFill>
               </a:defRPr>
             </a:lvl1pPr>
             <a:lvl2pPr marL="457200" indent="0">
               <a:buNone/>
-              <a:defRPr sz="2000" b="1"/>
+              <a:defRPr sz="1900" b="1"/>
             </a:lvl2pPr>
             <a:lvl3pPr marL="914400" indent="0">
               <a:buNone/>
@@ -4255,63 +4127,6 @@
       </p:sp>
       <p:sp>
         <p:nvSpPr>
-          <p:cNvPr id="6" name="Content Placeholder 5"/>
-          <p:cNvSpPr>
-            <a:spLocks noGrp="1"/>
-          </p:cNvSpPr>
-          <p:nvPr>
-            <p:ph sz="quarter" idx="4"/>
-          </p:nvPr>
-        </p:nvSpPr>
-        <p:spPr>
-          <a:xfrm>
-            <a:off x="6412362" y="2821491"/>
-            <a:ext cx="4645152" cy="2637371"/>
-          </a:xfrm>
-        </p:spPr>
-        <p:txBody>
-          <a:bodyPr/>
-          <a:lstStyle/>
-          <a:p>
-            <a:pPr lvl="0"/>
-            <a:r>
-              <a:rPr lang="en-US"/>
-              <a:t>Click to edit Master text styles</a:t>
-            </a:r>
-          </a:p>
-          <a:p>
-            <a:pPr lvl="1"/>
-            <a:r>
-              <a:rPr lang="en-US"/>
-              <a:t>Second level</a:t>
-            </a:r>
-          </a:p>
-          <a:p>
-            <a:pPr lvl="2"/>
-            <a:r>
-              <a:rPr lang="en-US"/>
-              <a:t>Third level</a:t>
-            </a:r>
-          </a:p>
-          <a:p>
-            <a:pPr lvl="3"/>
-            <a:r>
-              <a:rPr lang="en-US"/>
-              <a:t>Fourth level</a:t>
-            </a:r>
-          </a:p>
-          <a:p>
-            <a:pPr lvl="4"/>
-            <a:r>
-              <a:rPr lang="en-US"/>
-              <a:t>Fifth level</a:t>
-            </a:r>
-            <a:endParaRPr lang="en-US" dirty="0"/>
-          </a:p>
-        </p:txBody>
-      </p:sp>
-      <p:sp>
-        <p:nvSpPr>
           <p:cNvPr id="7" name="Date Placeholder 6"/>
           <p:cNvSpPr>
             <a:spLocks noGrp="1"/>
@@ -4327,7 +4142,7 @@
           <a:p>
             <a:fld id="{F59A9BFA-631A-44F6-986D-A4B26F366105}" type="datetimeFigureOut">
               <a:rPr lang="en-US" smtClean="0"/>
-              <a:t>1/15/2021</a:t>
+              <a:t>1/31/2021</a:t>
             </a:fld>
             <a:endParaRPr lang="en-US"/>
           </a:p>
@@ -4375,41 +4190,33 @@
           </a:p>
         </p:txBody>
       </p:sp>
-      <p:cxnSp>
-        <p:nvCxnSpPr>
-          <p:cNvPr id="29" name="Straight Connector 28"/>
-          <p:cNvCxnSpPr/>
-          <p:nvPr/>
-        </p:nvCxnSpPr>
-        <p:spPr>
-          <a:xfrm>
-            <a:off x="1453896" y="1847088"/>
-            <a:ext cx="9607522" cy="0"/>
-          </a:xfrm>
-          <a:prstGeom prst="line">
-            <a:avLst/>
-          </a:prstGeom>
-          <a:ln w="31750"/>
-        </p:spPr>
-        <p:style>
-          <a:lnRef idx="3">
-            <a:schemeClr val="accent1"/>
-          </a:lnRef>
-          <a:fillRef idx="0">
-            <a:schemeClr val="accent1"/>
-          </a:fillRef>
-          <a:effectRef idx="2">
-            <a:schemeClr val="accent1"/>
-          </a:effectRef>
-          <a:fontRef idx="minor">
-            <a:schemeClr val="tx1"/>
-          </a:fontRef>
-        </p:style>
-      </p:cxnSp>
+      <p:sp>
+        <p:nvSpPr>
+          <p:cNvPr id="10" name="Title 9"/>
+          <p:cNvSpPr>
+            <a:spLocks noGrp="1"/>
+          </p:cNvSpPr>
+          <p:nvPr>
+            <p:ph type="title"/>
+          </p:nvPr>
+        </p:nvSpPr>
+        <p:spPr/>
+        <p:txBody>
+          <a:bodyPr/>
+          <a:lstStyle/>
+          <a:p>
+            <a:r>
+              <a:rPr lang="en-US"/>
+              <a:t>Click to edit Master title style</a:t>
+            </a:r>
+            <a:endParaRPr lang="en-US" dirty="0"/>
+          </a:p>
+        </p:txBody>
+      </p:sp>
     </p:spTree>
     <p:extLst>
       <p:ext uri="{BB962C8B-B14F-4D97-AF65-F5344CB8AC3E}">
-        <p14:creationId xmlns:p14="http://schemas.microsoft.com/office/powerpoint/2010/main" val="1507503370"/>
+        <p14:creationId xmlns:p14="http://schemas.microsoft.com/office/powerpoint/2010/main" val="2437645985"/>
       </p:ext>
     </p:extLst>
   </p:cSld>
@@ -4476,7 +4283,7 @@
           <a:p>
             <a:fld id="{F59A9BFA-631A-44F6-986D-A4B26F366105}" type="datetimeFigureOut">
               <a:rPr lang="en-US" smtClean="0"/>
-              <a:t>1/15/2021</a:t>
+              <a:t>1/31/2021</a:t>
             </a:fld>
             <a:endParaRPr lang="en-US"/>
           </a:p>
@@ -4524,41 +4331,10 @@
           </a:p>
         </p:txBody>
       </p:sp>
-      <p:cxnSp>
-        <p:nvCxnSpPr>
-          <p:cNvPr id="25" name="Straight Connector 24"/>
-          <p:cNvCxnSpPr/>
-          <p:nvPr/>
-        </p:nvCxnSpPr>
-        <p:spPr>
-          <a:xfrm>
-            <a:off x="1453896" y="1847088"/>
-            <a:ext cx="9607522" cy="0"/>
-          </a:xfrm>
-          <a:prstGeom prst="line">
-            <a:avLst/>
-          </a:prstGeom>
-          <a:ln w="31750"/>
-        </p:spPr>
-        <p:style>
-          <a:lnRef idx="3">
-            <a:schemeClr val="accent1"/>
-          </a:lnRef>
-          <a:fillRef idx="0">
-            <a:schemeClr val="accent1"/>
-          </a:fillRef>
-          <a:effectRef idx="2">
-            <a:schemeClr val="accent1"/>
-          </a:effectRef>
-          <a:fontRef idx="minor">
-            <a:schemeClr val="tx1"/>
-          </a:fontRef>
-        </p:style>
-      </p:cxnSp>
     </p:spTree>
     <p:extLst>
       <p:ext uri="{BB962C8B-B14F-4D97-AF65-F5344CB8AC3E}">
-        <p14:creationId xmlns:p14="http://schemas.microsoft.com/office/powerpoint/2010/main" val="608767821"/>
+        <p14:creationId xmlns:p14="http://schemas.microsoft.com/office/powerpoint/2010/main" val="1178111661"/>
       </p:ext>
     </p:extLst>
   </p:cSld>
@@ -4602,7 +4378,7 @@
           <a:p>
             <a:fld id="{F59A9BFA-631A-44F6-986D-A4B26F366105}" type="datetimeFigureOut">
               <a:rPr lang="en-US" smtClean="0"/>
-              <a:t>1/15/2021</a:t>
+              <a:t>1/31/2021</a:t>
             </a:fld>
             <a:endParaRPr lang="en-US"/>
           </a:p>
@@ -4653,7 +4429,7 @@
     </p:spTree>
     <p:extLst>
       <p:ext uri="{BB962C8B-B14F-4D97-AF65-F5344CB8AC3E}">
-        <p14:creationId xmlns:p14="http://schemas.microsoft.com/office/powerpoint/2010/main" val="3118542854"/>
+        <p14:creationId xmlns:p14="http://schemas.microsoft.com/office/powerpoint/2010/main" val="4197279224"/>
       </p:ext>
     </p:extLst>
   </p:cSld>
@@ -4682,6 +4458,44 @@
       </p:grpSpPr>
       <p:sp>
         <p:nvSpPr>
+          <p:cNvPr id="26" name="Rectangle 25"/>
+          <p:cNvSpPr/>
+          <p:nvPr/>
+        </p:nvSpPr>
+        <p:spPr>
+          <a:xfrm>
+            <a:off x="0" y="0"/>
+            <a:ext cx="6096000" cy="6858000"/>
+          </a:xfrm>
+          <a:prstGeom prst="rect">
+            <a:avLst/>
+          </a:prstGeom>
+          <a:solidFill>
+            <a:schemeClr val="accent2"/>
+          </a:solidFill>
+          <a:ln>
+            <a:noFill/>
+          </a:ln>
+        </p:spPr>
+        <p:style>
+          <a:lnRef idx="2">
+            <a:schemeClr val="accent1">
+              <a:shade val="50000"/>
+            </a:schemeClr>
+          </a:lnRef>
+          <a:fillRef idx="1">
+            <a:schemeClr val="accent1"/>
+          </a:fillRef>
+          <a:effectRef idx="0">
+            <a:schemeClr val="accent1"/>
+          </a:effectRef>
+          <a:fontRef idx="minor">
+            <a:schemeClr val="lt1"/>
+          </a:fontRef>
+        </p:style>
+      </p:sp>
+      <p:sp>
+        <p:nvSpPr>
           <p:cNvPr id="2" name="Title 1"/>
           <p:cNvSpPr>
             <a:spLocks noGrp="1"/>
@@ -4690,19 +4504,31 @@
             <p:ph type="title"/>
           </p:nvPr>
         </p:nvSpPr>
-        <p:spPr>
+        <p:spPr bwMode="blackWhite">
           <a:xfrm>
-            <a:off x="1444671" y="798973"/>
-            <a:ext cx="3273099" cy="2247117"/>
+            <a:off x="804672" y="2243828"/>
+            <a:ext cx="4486656" cy="1141497"/>
           </a:xfrm>
+          <a:solidFill>
+            <a:srgbClr val="FFFFFF"/>
+          </a:solidFill>
+          <a:ln>
+            <a:solidFill>
+              <a:srgbClr val="404040"/>
+            </a:solidFill>
+          </a:ln>
         </p:spPr>
         <p:txBody>
-          <a:bodyPr anchor="b">
+          <a:bodyPr anchor="ctr" anchorCtr="1">
             <a:normAutofit/>
           </a:bodyPr>
           <a:lstStyle>
-            <a:lvl1pPr algn="l">
-              <a:defRPr sz="2400"/>
+            <a:lvl1pPr>
+              <a:defRPr sz="2200">
+                <a:solidFill>
+                  <a:srgbClr val="262626"/>
+                </a:solidFill>
+              </a:defRPr>
             </a:lvl1pPr>
           </a:lstStyle>
           <a:p>
@@ -4726,13 +4552,63 @@
         </p:nvSpPr>
         <p:spPr>
           <a:xfrm>
-            <a:off x="5043714" y="798974"/>
-            <a:ext cx="6012470" cy="4658826"/>
+            <a:off x="6736080" y="804672"/>
+            <a:ext cx="4815840" cy="5248656"/>
           </a:xfrm>
         </p:spPr>
         <p:txBody>
-          <a:bodyPr anchor="ctr"/>
-          <a:lstStyle/>
+          <a:bodyPr>
+            <a:normAutofit/>
+          </a:bodyPr>
+          <a:lstStyle>
+            <a:lvl1pPr>
+              <a:defRPr sz="1900">
+                <a:solidFill>
+                  <a:schemeClr val="tx1"/>
+                </a:solidFill>
+              </a:defRPr>
+            </a:lvl1pPr>
+            <a:lvl2pPr>
+              <a:defRPr sz="1600">
+                <a:solidFill>
+                  <a:schemeClr val="tx1"/>
+                </a:solidFill>
+              </a:defRPr>
+            </a:lvl2pPr>
+            <a:lvl3pPr>
+              <a:defRPr sz="1600">
+                <a:solidFill>
+                  <a:schemeClr val="tx1"/>
+                </a:solidFill>
+              </a:defRPr>
+            </a:lvl3pPr>
+            <a:lvl4pPr>
+              <a:defRPr sz="1600">
+                <a:solidFill>
+                  <a:schemeClr val="tx1"/>
+                </a:solidFill>
+              </a:defRPr>
+            </a:lvl4pPr>
+            <a:lvl5pPr>
+              <a:defRPr sz="1600">
+                <a:solidFill>
+                  <a:schemeClr val="tx1"/>
+                </a:solidFill>
+              </a:defRPr>
+            </a:lvl5pPr>
+            <a:lvl6pPr>
+              <a:defRPr sz="1600"/>
+            </a:lvl6pPr>
+            <a:lvl7pPr>
+              <a:defRPr sz="1600"/>
+            </a:lvl7pPr>
+            <a:lvl8pPr>
+              <a:defRPr sz="1600"/>
+            </a:lvl8pPr>
+            <a:lvl9pPr>
+              <a:defRPr sz="1600"/>
+            </a:lvl9pPr>
+          </a:lstStyle>
           <a:p>
             <a:pPr lvl="0"/>
             <a:r>
@@ -4783,16 +4659,22 @@
         </p:nvSpPr>
         <p:spPr>
           <a:xfrm>
-            <a:off x="1444671" y="3205491"/>
-            <a:ext cx="3275013" cy="2248181"/>
+            <a:off x="1115568" y="3549918"/>
+            <a:ext cx="3794760" cy="2194036"/>
           </a:xfrm>
         </p:spPr>
         <p:txBody>
-          <a:bodyPr/>
+          <a:bodyPr anchor="t" anchorCtr="1">
+            <a:normAutofit/>
+          </a:bodyPr>
           <a:lstStyle>
-            <a:lvl1pPr marL="0" indent="0" algn="l">
+            <a:lvl1pPr marL="0" indent="0" algn="ctr">
               <a:buNone/>
-              <a:defRPr sz="1600"/>
+              <a:defRPr sz="1500">
+                <a:solidFill>
+                  <a:srgbClr val="FFFFFF"/>
+                </a:solidFill>
+              </a:defRPr>
             </a:lvl1pPr>
             <a:lvl2pPr marL="457200" indent="0">
               <a:buNone/>
@@ -4838,7 +4720,7 @@
       </p:sp>
       <p:sp>
         <p:nvSpPr>
-          <p:cNvPr id="5" name="Date Placeholder 4"/>
+          <p:cNvPr id="9" name="Date Placeholder 8"/>
           <p:cNvSpPr>
             <a:spLocks noGrp="1"/>
           </p:cNvSpPr>
@@ -4853,7 +4735,7 @@
           <a:p>
             <a:fld id="{F59A9BFA-631A-44F6-986D-A4B26F366105}" type="datetimeFigureOut">
               <a:rPr lang="en-US" smtClean="0"/>
-              <a:t>1/15/2021</a:t>
+              <a:t>1/31/2021</a:t>
             </a:fld>
             <a:endParaRPr lang="en-US"/>
           </a:p>
@@ -4861,7 +4743,7 @@
       </p:sp>
       <p:sp>
         <p:nvSpPr>
-          <p:cNvPr id="6" name="Footer Placeholder 5"/>
+          <p:cNvPr id="10" name="Footer Placeholder 9"/>
           <p:cNvSpPr>
             <a:spLocks noGrp="1"/>
           </p:cNvSpPr>
@@ -4869,10 +4751,25 @@
             <p:ph type="ftr" sz="quarter" idx="11"/>
           </p:nvPr>
         </p:nvSpPr>
-        <p:spPr/>
+        <p:spPr>
+          <a:xfrm>
+            <a:off x="804672" y="6236208"/>
+            <a:ext cx="5124797" cy="320040"/>
+          </a:xfrm>
+        </p:spPr>
         <p:txBody>
           <a:bodyPr/>
-          <a:lstStyle/>
+          <a:lstStyle>
+            <a:lvl1pPr>
+              <a:defRPr>
+                <a:solidFill>
+                  <a:srgbClr val="FFFFFF">
+                    <a:alpha val="70000"/>
+                  </a:srgbClr>
+                </a:solidFill>
+              </a:defRPr>
+            </a:lvl1pPr>
+          </a:lstStyle>
           <a:p>
             <a:endParaRPr lang="en-US"/>
           </a:p>
@@ -4880,7 +4777,7 @@
       </p:sp>
       <p:sp>
         <p:nvSpPr>
-          <p:cNvPr id="7" name="Slide Number Placeholder 6"/>
+          <p:cNvPr id="11" name="Slide Number Placeholder 10"/>
           <p:cNvSpPr>
             <a:spLocks noGrp="1"/>
           </p:cNvSpPr>
@@ -4901,41 +4798,10 @@
           </a:p>
         </p:txBody>
       </p:sp>
-      <p:cxnSp>
-        <p:nvCxnSpPr>
-          <p:cNvPr id="17" name="Straight Connector 16"/>
-          <p:cNvCxnSpPr/>
-          <p:nvPr/>
-        </p:nvCxnSpPr>
-        <p:spPr>
-          <a:xfrm>
-            <a:off x="1448280" y="3205491"/>
-            <a:ext cx="3269490" cy="0"/>
-          </a:xfrm>
-          <a:prstGeom prst="line">
-            <a:avLst/>
-          </a:prstGeom>
-          <a:ln w="31750"/>
-        </p:spPr>
-        <p:style>
-          <a:lnRef idx="3">
-            <a:schemeClr val="accent1"/>
-          </a:lnRef>
-          <a:fillRef idx="0">
-            <a:schemeClr val="accent1"/>
-          </a:fillRef>
-          <a:effectRef idx="2">
-            <a:schemeClr val="accent1"/>
-          </a:effectRef>
-          <a:fontRef idx="minor">
-            <a:schemeClr val="tx1"/>
-          </a:fontRef>
-        </p:style>
-      </p:cxnSp>
     </p:spTree>
     <p:extLst>
       <p:ext uri="{BB962C8B-B14F-4D97-AF65-F5344CB8AC3E}">
-        <p14:creationId xmlns:p14="http://schemas.microsoft.com/office/powerpoint/2010/main" val="2644361912"/>
+        <p14:creationId xmlns:p14="http://schemas.microsoft.com/office/powerpoint/2010/main" val="2388282966"/>
       </p:ext>
     </p:extLst>
   </p:cSld>
@@ -4962,140 +4828,44 @@
           <a:chExt cx="0" cy="0"/>
         </a:xfrm>
       </p:grpSpPr>
-      <p:grpSp>
-        <p:nvGrpSpPr>
-          <p:cNvPr id="8" name="Group 7"/>
-          <p:cNvGrpSpPr/>
+      <p:sp>
+        <p:nvSpPr>
+          <p:cNvPr id="18" name="Rectangle 17"/>
+          <p:cNvSpPr/>
           <p:nvPr/>
-        </p:nvGrpSpPr>
-        <p:grpSpPr>
+        </p:nvSpPr>
+        <p:spPr>
           <a:xfrm>
-            <a:off x="7477387" y="482170"/>
-            <a:ext cx="4074533" cy="5149101"/>
-            <a:chOff x="7477387" y="482170"/>
-            <a:chExt cx="4074533" cy="5149101"/>
+            <a:off x="0" y="0"/>
+            <a:ext cx="6095999" cy="6858000"/>
           </a:xfrm>
-        </p:grpSpPr>
-        <p:sp>
-          <p:nvSpPr>
-            <p:cNvPr id="18" name="Rectangle 17"/>
-            <p:cNvSpPr/>
-            <p:nvPr/>
-          </p:nvSpPr>
-          <p:spPr bwMode="black">
-            <a:xfrm>
-              <a:off x="7477387" y="482170"/>
-              <a:ext cx="4074533" cy="5149101"/>
-            </a:xfrm>
-            <a:prstGeom prst="rect">
-              <a:avLst/>
-            </a:prstGeom>
-            <a:gradFill>
-              <a:gsLst>
-                <a:gs pos="0">
-                  <a:srgbClr val="000001"/>
-                </a:gs>
-                <a:gs pos="100000">
-                  <a:srgbClr val="191919"/>
-                </a:gs>
-              </a:gsLst>
-            </a:gradFill>
-            <a:ln w="76200" cmpd="sng">
-              <a:noFill/>
-              <a:miter lim="800000"/>
-            </a:ln>
-            <a:effectLst>
-              <a:outerShdw blurRad="127000" dist="228600" dir="4740000" sx="98000" sy="98000" algn="tl" rotWithShape="0">
-                <a:srgbClr val="000000">
-                  <a:alpha val="34000"/>
-                </a:srgbClr>
-              </a:outerShdw>
-            </a:effectLst>
-            <a:scene3d>
-              <a:camera prst="orthographicFront"/>
-              <a:lightRig rig="threePt" dir="t"/>
-            </a:scene3d>
-            <a:sp3d>
-              <a:bevelT w="152400" h="50800" prst="softRound"/>
-            </a:sp3d>
-          </p:spPr>
-          <p:style>
-            <a:lnRef idx="1">
-              <a:schemeClr val="accent1"/>
-            </a:lnRef>
-            <a:fillRef idx="3">
-              <a:schemeClr val="accent1"/>
-            </a:fillRef>
-            <a:effectRef idx="2">
-              <a:schemeClr val="accent1"/>
-            </a:effectRef>
-            <a:fontRef idx="minor">
-              <a:schemeClr val="lt1"/>
-            </a:fontRef>
-          </p:style>
-        </p:sp>
-        <p:sp>
-          <p:nvSpPr>
-            <p:cNvPr id="19" name="Rectangle 18"/>
-            <p:cNvSpPr/>
-            <p:nvPr/>
-          </p:nvSpPr>
-          <p:spPr bwMode="blackWhite">
-            <a:xfrm>
-              <a:off x="7790446" y="812506"/>
-              <a:ext cx="3450289" cy="4466452"/>
-            </a:xfrm>
-            <a:prstGeom prst="rect">
-              <a:avLst/>
-            </a:prstGeom>
-            <a:gradFill>
-              <a:gsLst>
-                <a:gs pos="0">
-                  <a:srgbClr val="DADADA"/>
-                </a:gs>
-                <a:gs pos="100000">
-                  <a:srgbClr val="FFFFFE"/>
-                </a:gs>
-              </a:gsLst>
-              <a:lin ang="16200000" scaled="0"/>
-            </a:gradFill>
-            <a:ln w="50800" cmpd="sng">
-              <a:solidFill>
-                <a:srgbClr val="191919"/>
-              </a:solidFill>
-              <a:miter lim="800000"/>
-            </a:ln>
-            <a:effectLst>
-              <a:innerShdw blurRad="63500" dist="88900" dir="14100000">
-                <a:srgbClr val="000000">
-                  <a:alpha val="30000"/>
-                </a:srgbClr>
-              </a:innerShdw>
-            </a:effectLst>
-            <a:scene3d>
-              <a:camera prst="orthographicFront"/>
-              <a:lightRig rig="threePt" dir="t"/>
-            </a:scene3d>
-            <a:sp3d>
-              <a:bevelT prst="relaxedInset"/>
-            </a:sp3d>
-          </p:spPr>
-          <p:style>
-            <a:lnRef idx="1">
-              <a:schemeClr val="accent1"/>
-            </a:lnRef>
-            <a:fillRef idx="3">
-              <a:schemeClr val="accent1"/>
-            </a:fillRef>
-            <a:effectRef idx="2">
-              <a:schemeClr val="accent1"/>
-            </a:effectRef>
-            <a:fontRef idx="minor">
-              <a:schemeClr val="lt1"/>
-            </a:fontRef>
-          </p:style>
-        </p:sp>
-      </p:grpSp>
+          <a:prstGeom prst="rect">
+            <a:avLst/>
+          </a:prstGeom>
+          <a:solidFill>
+            <a:schemeClr val="accent2"/>
+          </a:solidFill>
+          <a:ln>
+            <a:noFill/>
+          </a:ln>
+        </p:spPr>
+        <p:style>
+          <a:lnRef idx="2">
+            <a:schemeClr val="accent1">
+              <a:shade val="50000"/>
+            </a:schemeClr>
+          </a:lnRef>
+          <a:fillRef idx="1">
+            <a:schemeClr val="accent1"/>
+          </a:fillRef>
+          <a:effectRef idx="0">
+            <a:schemeClr val="accent1"/>
+          </a:effectRef>
+          <a:fontRef idx="minor">
+            <a:schemeClr val="lt1"/>
+          </a:fontRef>
+        </p:style>
+      </p:sp>
       <p:sp>
         <p:nvSpPr>
           <p:cNvPr id="2" name="Title 1"/>
@@ -5106,19 +4876,31 @@
             <p:ph type="title"/>
           </p:nvPr>
         </p:nvSpPr>
-        <p:spPr>
+        <p:spPr bwMode="blackWhite">
           <a:xfrm>
-            <a:off x="1451206" y="1129513"/>
-            <a:ext cx="5532328" cy="1830584"/>
+            <a:off x="808523" y="2243828"/>
+            <a:ext cx="4494998" cy="1134640"/>
           </a:xfrm>
+          <a:solidFill>
+            <a:srgbClr val="FFFFFF"/>
+          </a:solidFill>
+          <a:ln>
+            <a:solidFill>
+              <a:srgbClr val="404040"/>
+            </a:solidFill>
+          </a:ln>
         </p:spPr>
         <p:txBody>
-          <a:bodyPr anchor="b">
-            <a:normAutofit/>
+          <a:bodyPr anchor="ctr" anchorCtr="1">
+            <a:noAutofit/>
           </a:bodyPr>
           <a:lstStyle>
             <a:lvl1pPr>
-              <a:defRPr sz="3200"/>
+              <a:defRPr sz="2200">
+                <a:solidFill>
+                  <a:srgbClr val="262626"/>
+                </a:solidFill>
+              </a:defRPr>
             </a:lvl1pPr>
           </a:lstStyle>
           <a:p>
@@ -5142,26 +4924,28 @@
         </p:nvSpPr>
         <p:spPr>
           <a:xfrm>
-            <a:off x="8124389" y="1122542"/>
-            <a:ext cx="2791171" cy="3866327"/>
+            <a:off x="6095999" y="0"/>
+            <a:ext cx="6102097" cy="6858000"/>
           </a:xfrm>
           <a:solidFill>
             <a:schemeClr val="bg1">
-              <a:lumMod val="85000"/>
+              <a:lumMod val="75000"/>
             </a:schemeClr>
           </a:solidFill>
-          <a:ln w="9525" cap="sq">
-            <a:noFill/>
-            <a:miter lim="800000"/>
-          </a:ln>
-          <a:effectLst/>
         </p:spPr>
         <p:txBody>
           <a:bodyPr anchor="t"/>
           <a:lstStyle>
-            <a:lvl1pPr marL="0" indent="0" algn="ctr">
+            <a:lvl1pPr marL="0" indent="0">
               <a:buNone/>
-              <a:defRPr sz="3200"/>
+              <a:defRPr sz="3200">
+                <a:solidFill>
+                  <a:schemeClr val="bg1">
+                    <a:lumMod val="85000"/>
+                    <a:lumOff val="15000"/>
+                  </a:schemeClr>
+                </a:solidFill>
+              </a:defRPr>
             </a:lvl1pPr>
             <a:lvl2pPr marL="457200" indent="0">
               <a:buNone/>
@@ -5217,18 +5001,22 @@
         </p:nvSpPr>
         <p:spPr>
           <a:xfrm>
-            <a:off x="1450329" y="3145992"/>
-            <a:ext cx="5524404" cy="2003742"/>
+            <a:off x="1115568" y="3549918"/>
+            <a:ext cx="3794760" cy="2194037"/>
           </a:xfrm>
         </p:spPr>
         <p:txBody>
-          <a:bodyPr>
+          <a:bodyPr anchor="t" anchorCtr="1">
             <a:normAutofit/>
           </a:bodyPr>
           <a:lstStyle>
-            <a:lvl1pPr marL="0" indent="0" algn="l">
+            <a:lvl1pPr marL="0" indent="0" algn="ctr">
               <a:buNone/>
-              <a:defRPr sz="1800"/>
+              <a:defRPr sz="1500">
+                <a:solidFill>
+                  <a:srgbClr val="FFFFFF"/>
+                </a:solidFill>
+              </a:defRPr>
             </a:lvl1pPr>
             <a:lvl2pPr marL="457200" indent="0">
               <a:buNone/>
@@ -5274,7 +5062,7 @@
       </p:sp>
       <p:sp>
         <p:nvSpPr>
-          <p:cNvPr id="5" name="Date Placeholder 4"/>
+          <p:cNvPr id="8" name="Date Placeholder 7"/>
           <p:cNvSpPr>
             <a:spLocks noGrp="1"/>
           </p:cNvSpPr>
@@ -5282,23 +5070,29 @@
             <p:ph type="dt" sz="half" idx="10"/>
           </p:nvPr>
         </p:nvSpPr>
-        <p:spPr>
-          <a:xfrm>
-            <a:off x="1447382" y="5469856"/>
-            <a:ext cx="5527351" cy="320123"/>
-          </a:xfrm>
-        </p:spPr>
+        <p:spPr/>
         <p:txBody>
           <a:bodyPr/>
           <a:lstStyle>
-            <a:lvl1pPr algn="l">
-              <a:defRPr/>
+            <a:lvl1pPr>
+              <a:defRPr>
+                <a:solidFill>
+                  <a:srgbClr val="FFFFFF"/>
+                </a:solidFill>
+                <a:effectLst>
+                  <a:outerShdw blurRad="50800" dist="38100" dir="2700000" algn="tl" rotWithShape="0">
+                    <a:prstClr val="black">
+                      <a:alpha val="43000"/>
+                    </a:prstClr>
+                  </a:outerShdw>
+                </a:effectLst>
+              </a:defRPr>
             </a:lvl1pPr>
           </a:lstStyle>
           <a:p>
             <a:fld id="{F59A9BFA-631A-44F6-986D-A4B26F366105}" type="datetimeFigureOut">
               <a:rPr lang="en-US" smtClean="0"/>
-              <a:t>1/15/2021</a:t>
+              <a:t>1/31/2021</a:t>
             </a:fld>
             <a:endParaRPr lang="en-US"/>
           </a:p>
@@ -5306,7 +5100,7 @@
       </p:sp>
       <p:sp>
         <p:nvSpPr>
-          <p:cNvPr id="6" name="Footer Placeholder 5"/>
+          <p:cNvPr id="9" name="Footer Placeholder 8"/>
           <p:cNvSpPr>
             <a:spLocks noGrp="1"/>
           </p:cNvSpPr>
@@ -5316,13 +5110,23 @@
         </p:nvSpPr>
         <p:spPr>
           <a:xfrm>
-            <a:off x="1447382" y="318640"/>
-            <a:ext cx="5541004" cy="320931"/>
+            <a:off x="804672" y="6236208"/>
+            <a:ext cx="5124797" cy="320040"/>
           </a:xfrm>
         </p:spPr>
         <p:txBody>
           <a:bodyPr/>
-          <a:lstStyle/>
+          <a:lstStyle>
+            <a:lvl1pPr>
+              <a:defRPr>
+                <a:solidFill>
+                  <a:srgbClr val="FFFFFF">
+                    <a:alpha val="70000"/>
+                  </a:srgbClr>
+                </a:solidFill>
+              </a:defRPr>
+            </a:lvl1pPr>
+          </a:lstStyle>
           <a:p>
             <a:endParaRPr lang="en-US"/>
           </a:p>
@@ -5330,7 +5134,7 @@
       </p:sp>
       <p:sp>
         <p:nvSpPr>
-          <p:cNvPr id="7" name="Slide Number Placeholder 6"/>
+          <p:cNvPr id="10" name="Slide Number Placeholder 9"/>
           <p:cNvSpPr>
             <a:spLocks noGrp="1"/>
           </p:cNvSpPr>
@@ -5351,41 +5155,10 @@
           </a:p>
         </p:txBody>
       </p:sp>
-      <p:cxnSp>
-        <p:nvCxnSpPr>
-          <p:cNvPr id="31" name="Straight Connector 30"/>
-          <p:cNvCxnSpPr/>
-          <p:nvPr/>
-        </p:nvCxnSpPr>
-        <p:spPr>
-          <a:xfrm>
-            <a:off x="1447382" y="3143605"/>
-            <a:ext cx="5527351" cy="0"/>
-          </a:xfrm>
-          <a:prstGeom prst="line">
-            <a:avLst/>
-          </a:prstGeom>
-          <a:ln w="31750"/>
-        </p:spPr>
-        <p:style>
-          <a:lnRef idx="3">
-            <a:schemeClr val="accent1"/>
-          </a:lnRef>
-          <a:fillRef idx="0">
-            <a:schemeClr val="accent1"/>
-          </a:fillRef>
-          <a:effectRef idx="2">
-            <a:schemeClr val="accent1"/>
-          </a:effectRef>
-          <a:fontRef idx="minor">
-            <a:schemeClr val="tx1"/>
-          </a:fontRef>
-        </p:style>
-      </p:cxnSp>
     </p:spTree>
     <p:extLst>
       <p:ext uri="{BB962C8B-B14F-4D97-AF65-F5344CB8AC3E}">
-        <p14:creationId xmlns:p14="http://schemas.microsoft.com/office/powerpoint/2010/main" val="1885447718"/>
+        <p14:creationId xmlns:p14="http://schemas.microsoft.com/office/powerpoint/2010/main" val="2724172985"/>
       </p:ext>
     </p:extLst>
   </p:cSld>
@@ -5399,9 +5172,14 @@
 <p:sldMaster xmlns:a="http://schemas.openxmlformats.org/drawingml/2006/main" xmlns:r="http://schemas.openxmlformats.org/officeDocument/2006/relationships" xmlns:p="http://schemas.openxmlformats.org/presentationml/2006/main">
   <p:cSld>
     <p:bg>
-      <p:bgRef idx="1003">
-        <a:schemeClr val="bg2"/>
-      </p:bgRef>
+      <p:bgPr>
+        <a:solidFill>
+          <a:schemeClr val="bg1">
+            <a:lumMod val="95000"/>
+          </a:schemeClr>
+        </a:solidFill>
+        <a:effectLst/>
+      </p:bgPr>
     </p:bg>
     <p:spTree>
       <p:nvGrpSpPr>
@@ -5419,84 +5197,6 @@
       </p:grpSpPr>
       <p:sp>
         <p:nvSpPr>
-          <p:cNvPr id="8" name="Rectangle 7"/>
-          <p:cNvSpPr/>
-          <p:nvPr/>
-        </p:nvSpPr>
-        <p:spPr>
-          <a:xfrm>
-            <a:off x="0" y="2019476"/>
-            <a:ext cx="12192000" cy="4105941"/>
-          </a:xfrm>
-          <a:prstGeom prst="rect">
-            <a:avLst/>
-          </a:prstGeom>
-          <a:gradFill flip="none" rotWithShape="1">
-            <a:gsLst>
-              <a:gs pos="0">
-                <a:schemeClr val="bg2">
-                  <a:alpha val="0"/>
-                </a:schemeClr>
-              </a:gs>
-              <a:gs pos="100000">
-                <a:schemeClr val="bg2"/>
-              </a:gs>
-            </a:gsLst>
-            <a:lin ang="5400000" scaled="0"/>
-            <a:tileRect/>
-          </a:gradFill>
-          <a:ln>
-            <a:noFill/>
-          </a:ln>
-        </p:spPr>
-        <p:style>
-          <a:lnRef idx="2">
-            <a:schemeClr val="accent1">
-              <a:shade val="50000"/>
-            </a:schemeClr>
-          </a:lnRef>
-          <a:fillRef idx="1">
-            <a:schemeClr val="accent1"/>
-          </a:fillRef>
-          <a:effectRef idx="0">
-            <a:schemeClr val="accent1"/>
-          </a:effectRef>
-          <a:fontRef idx="minor">
-            <a:schemeClr val="lt1"/>
-          </a:fontRef>
-        </p:style>
-      </p:sp>
-      <p:pic>
-        <p:nvPicPr>
-          <p:cNvPr id="7" name="Picture 6"/>
-          <p:cNvPicPr>
-            <a:picLocks noChangeAspect="1"/>
-          </p:cNvPicPr>
-          <p:nvPr/>
-        </p:nvPicPr>
-        <p:blipFill rotWithShape="1">
-          <a:blip r:embed="rId13">
-            <a:extLst>
-              <a:ext uri="{28A0092B-C50C-407E-A947-70E740481C1C}">
-                <a14:useLocalDpi xmlns:a14="http://schemas.microsoft.com/office/drawing/2010/main" val="0"/>
-              </a:ext>
-            </a:extLst>
-          </a:blip>
-          <a:srcRect t="1538" b="-1538"/>
-          <a:stretch/>
-        </p:blipFill>
-        <p:spPr bwMode="black">
-          <a:xfrm>
-            <a:off x="0" y="6126480"/>
-            <a:ext cx="12192000" cy="742950"/>
-          </a:xfrm>
-          <a:prstGeom prst="rect">
-            <a:avLst/>
-          </a:prstGeom>
-        </p:spPr>
-      </p:pic>
-      <p:sp>
-        <p:nvSpPr>
           <p:cNvPr id="2" name="Title Placeholder 1"/>
           <p:cNvSpPr>
             <a:spLocks noGrp="1"/>
@@ -5505,17 +5205,26 @@
             <p:ph type="title"/>
           </p:nvPr>
         </p:nvSpPr>
-        <p:spPr>
+        <p:spPr bwMode="black">
           <a:xfrm>
-            <a:off x="1451579" y="804519"/>
-            <a:ext cx="9603275" cy="1049235"/>
+            <a:off x="2231136" y="964692"/>
+            <a:ext cx="7729728" cy="1188720"/>
           </a:xfrm>
           <a:prstGeom prst="rect">
             <a:avLst/>
           </a:prstGeom>
+          <a:solidFill>
+            <a:srgbClr val="FFFFFF"/>
+          </a:solidFill>
+          <a:ln w="31750" cap="sq">
+            <a:solidFill>
+              <a:srgbClr val="404040"/>
+            </a:solidFill>
+            <a:miter lim="800000"/>
+          </a:ln>
         </p:spPr>
         <p:txBody>
-          <a:bodyPr vert="horz" lIns="91440" tIns="45720" rIns="91440" bIns="45720" rtlCol="0" anchor="t">
+          <a:bodyPr vert="horz" lIns="182880" tIns="182880" rIns="182880" bIns="182880" rtlCol="0" anchor="ctr">
             <a:normAutofit/>
           </a:bodyPr>
           <a:lstStyle/>
@@ -5540,8 +5249,8 @@
         </p:nvSpPr>
         <p:spPr>
           <a:xfrm>
-            <a:off x="1451579" y="2015732"/>
-            <a:ext cx="9603275" cy="3450613"/>
+            <a:off x="2231136" y="2638044"/>
+            <a:ext cx="7729728" cy="3101983"/>
           </a:xfrm>
           <a:prstGeom prst="rect">
             <a:avLst/>
@@ -5602,8 +5311,8 @@
         </p:nvSpPr>
         <p:spPr>
           <a:xfrm>
-            <a:off x="7554138" y="330370"/>
-            <a:ext cx="3500715" cy="309201"/>
+            <a:off x="7821429" y="6238816"/>
+            <a:ext cx="2753746" cy="323968"/>
           </a:xfrm>
           <a:prstGeom prst="rect">
             <a:avLst/>
@@ -5613,10 +5322,10 @@
           <a:bodyPr vert="horz" lIns="91440" tIns="45720" rIns="91440" bIns="45720" rtlCol="0" anchor="ctr"/>
           <a:lstStyle>
             <a:lvl1pPr algn="r">
-              <a:defRPr sz="1000">
+              <a:defRPr sz="1050">
                 <a:solidFill>
                   <a:schemeClr val="tx1">
-                    <a:tint val="75000"/>
+                    <a:alpha val="70000"/>
                   </a:schemeClr>
                 </a:solidFill>
               </a:defRPr>
@@ -5625,7 +5334,7 @@
           <a:p>
             <a:fld id="{F59A9BFA-631A-44F6-986D-A4B26F366105}" type="datetimeFigureOut">
               <a:rPr lang="en-US" smtClean="0"/>
-              <a:t>1/15/2021</a:t>
+              <a:t>1/31/2021</a:t>
             </a:fld>
             <a:endParaRPr lang="en-US"/>
           </a:p>
@@ -5643,8 +5352,8 @@
         </p:nvSpPr>
         <p:spPr>
           <a:xfrm>
-            <a:off x="1451579" y="329307"/>
-            <a:ext cx="5938836" cy="309201"/>
+            <a:off x="1600200" y="6236208"/>
+            <a:ext cx="5901189" cy="320040"/>
           </a:xfrm>
           <a:prstGeom prst="rect">
             <a:avLst/>
@@ -5654,10 +5363,10 @@
           <a:bodyPr vert="horz" lIns="91440" tIns="45720" rIns="91440" bIns="45720" rtlCol="0" anchor="ctr"/>
           <a:lstStyle>
             <a:lvl1pPr algn="l">
-              <a:defRPr sz="1000">
+              <a:defRPr sz="1050">
                 <a:solidFill>
                   <a:schemeClr val="tx1">
-                    <a:tint val="75000"/>
+                    <a:alpha val="70000"/>
                   </a:schemeClr>
                 </a:solidFill>
               </a:defRPr>
@@ -5680,20 +5389,27 @@
         </p:nvSpPr>
         <p:spPr>
           <a:xfrm>
-            <a:off x="480060" y="798973"/>
-            <a:ext cx="811019" cy="503578"/>
+            <a:off x="10758922" y="6217920"/>
+            <a:ext cx="365760" cy="365760"/>
           </a:xfrm>
-          <a:prstGeom prst="rect">
+          <a:prstGeom prst="ellipse">
             <a:avLst/>
           </a:prstGeom>
+          <a:solidFill>
+            <a:srgbClr val="1D1D1D">
+              <a:alpha val="70000"/>
+            </a:srgbClr>
+          </a:solidFill>
         </p:spPr>
         <p:txBody>
-          <a:bodyPr vert="horz" lIns="91440" tIns="45720" rIns="91440" bIns="45720" rtlCol="0" anchor="t"/>
+          <a:bodyPr vert="horz" lIns="18288" tIns="45720" rIns="18288" bIns="45720" rtlCol="0" anchor="ctr">
+            <a:noAutofit/>
+          </a:bodyPr>
           <a:lstStyle>
-            <a:lvl1pPr algn="r">
-              <a:defRPr sz="2800">
+            <a:lvl1pPr algn="ctr">
+              <a:defRPr sz="1100" spc="0" baseline="0">
                 <a:solidFill>
-                  <a:schemeClr val="accent1"/>
+                  <a:srgbClr val="FFFFFF"/>
                 </a:solidFill>
               </a:defRPr>
             </a:lvl1pPr>
@@ -5707,67 +5423,30 @@
           </a:p>
         </p:txBody>
       </p:sp>
-      <p:cxnSp>
-        <p:nvCxnSpPr>
-          <p:cNvPr id="10" name="Straight Connector 9"/>
-          <p:cNvCxnSpPr/>
-          <p:nvPr/>
-        </p:nvCxnSpPr>
-        <p:spPr>
-          <a:xfrm>
-            <a:off x="0" y="6128413"/>
-            <a:ext cx="12192000" cy="0"/>
-          </a:xfrm>
-          <a:prstGeom prst="line">
-            <a:avLst/>
-          </a:prstGeom>
-          <a:ln w="12700">
-            <a:solidFill>
-              <a:srgbClr val="000001">
-                <a:alpha val="20000"/>
-              </a:srgbClr>
-            </a:solidFill>
-          </a:ln>
-        </p:spPr>
-        <p:style>
-          <a:lnRef idx="1">
-            <a:schemeClr val="accent1"/>
-          </a:lnRef>
-          <a:fillRef idx="0">
-            <a:schemeClr val="accent1"/>
-          </a:fillRef>
-          <a:effectRef idx="0">
-            <a:schemeClr val="accent1"/>
-          </a:effectRef>
-          <a:fontRef idx="minor">
-            <a:schemeClr val="tx1"/>
-          </a:fontRef>
-        </p:style>
-      </p:cxnSp>
     </p:spTree>
     <p:extLst>
       <p:ext uri="{BB962C8B-B14F-4D97-AF65-F5344CB8AC3E}">
-        <p14:creationId xmlns:p14="http://schemas.microsoft.com/office/powerpoint/2010/main" val="194947820"/>
+        <p14:creationId xmlns:p14="http://schemas.microsoft.com/office/powerpoint/2010/main" val="1760794580"/>
       </p:ext>
     </p:extLst>
   </p:cSld>
   <p:clrMap bg1="lt1" tx1="dk1" bg2="lt2" tx2="dk2" accent1="accent1" accent2="accent2" accent3="accent3" accent4="accent4" accent5="accent5" accent6="accent6" hlink="hlink" folHlink="folHlink"/>
   <p:sldLayoutIdLst>
-    <p:sldLayoutId id="2147483661" r:id="rId1"/>
-    <p:sldLayoutId id="2147483662" r:id="rId2"/>
-    <p:sldLayoutId id="2147483663" r:id="rId3"/>
-    <p:sldLayoutId id="2147483664" r:id="rId4"/>
-    <p:sldLayoutId id="2147483665" r:id="rId5"/>
-    <p:sldLayoutId id="2147483666" r:id="rId6"/>
-    <p:sldLayoutId id="2147483667" r:id="rId7"/>
-    <p:sldLayoutId id="2147483668" r:id="rId8"/>
-    <p:sldLayoutId id="2147483669" r:id="rId9"/>
-    <p:sldLayoutId id="2147483670" r:id="rId10"/>
-    <p:sldLayoutId id="2147483671" r:id="rId11"/>
+    <p:sldLayoutId id="2147483708" r:id="rId1"/>
+    <p:sldLayoutId id="2147483709" r:id="rId2"/>
+    <p:sldLayoutId id="2147483710" r:id="rId3"/>
+    <p:sldLayoutId id="2147483711" r:id="rId4"/>
+    <p:sldLayoutId id="2147483712" r:id="rId5"/>
+    <p:sldLayoutId id="2147483713" r:id="rId6"/>
+    <p:sldLayoutId id="2147483714" r:id="rId7"/>
+    <p:sldLayoutId id="2147483715" r:id="rId8"/>
+    <p:sldLayoutId id="2147483716" r:id="rId9"/>
+    <p:sldLayoutId id="2147483717" r:id="rId10"/>
+    <p:sldLayoutId id="2147483718" r:id="rId11"/>
   </p:sldLayoutIdLst>
   <p:txStyles>
     <p:titleStyle>
-      <a:lvl1pPr algn="l" defTabSz="914400" rtl="0" eaLnBrk="1" latinLnBrk="0" hangingPunct="1">
+      <a:lvl1pPr algn="ctr" defTabSz="914400" rtl="0" eaLnBrk="1" latinLnBrk="0" hangingPunct="1">
         <a:lnSpc>
           <a:spcPct val="90000"/>
         </a:lnSpc>
@@ -5775,11 +5454,10 @@
           <a:spcPct val="0"/>
         </a:spcBef>
         <a:buNone/>
-        <a:defRPr sz="3200" b="0" i="0" kern="1200" cap="all">
+        <a:defRPr sz="2800" kern="1200" cap="all" spc="200" baseline="0">
           <a:solidFill>
-            <a:schemeClr val="tx1"/>
+            <a:srgbClr val="262626"/>
           </a:solidFill>
-          <a:effectLst/>
           <a:latin typeface="+mj-lt"/>
           <a:ea typeface="+mj-ea"/>
           <a:cs typeface="+mj-cs"/>
@@ -5789,206 +5467,203 @@
     <p:bodyStyle>
       <a:lvl1pPr marL="228600" indent="-228600" algn="l" defTabSz="914400" rtl="0" eaLnBrk="1" latinLnBrk="0" hangingPunct="1">
         <a:lnSpc>
-          <a:spcPct val="120000"/>
+          <a:spcPct val="100000"/>
         </a:lnSpc>
         <a:spcBef>
           <a:spcPts val="1000"/>
         </a:spcBef>
         <a:buClr>
-          <a:schemeClr val="accent1"/>
+          <a:schemeClr val="accent2"/>
         </a:buClr>
-        <a:buSzPct val="100000"/>
         <a:buFont typeface="Arial" panose="020B0604020202020204" pitchFamily="34" charset="0"/>
         <a:buChar char="•"/>
-        <a:defRPr sz="2000" kern="1200">
+        <a:defRPr sz="1800" kern="1200">
           <a:solidFill>
-            <a:schemeClr val="tx1"/>
+            <a:schemeClr val="tx1">
+              <a:lumMod val="85000"/>
+              <a:lumOff val="15000"/>
+            </a:schemeClr>
           </a:solidFill>
-          <a:effectLst/>
           <a:latin typeface="+mn-lt"/>
           <a:ea typeface="+mn-ea"/>
           <a:cs typeface="+mn-cs"/>
         </a:defRPr>
       </a:lvl1pPr>
-      <a:lvl2pPr marL="685800" indent="-228600" algn="l" defTabSz="914400" rtl="0" eaLnBrk="1" latinLnBrk="0" hangingPunct="1">
+      <a:lvl2pPr marL="457200" indent="-228600" algn="l" defTabSz="914400" rtl="0" eaLnBrk="1" latinLnBrk="0" hangingPunct="1">
         <a:lnSpc>
-          <a:spcPct val="120000"/>
+          <a:spcPct val="100000"/>
         </a:lnSpc>
         <a:spcBef>
-          <a:spcPts val="500"/>
+          <a:spcPts val="1000"/>
         </a:spcBef>
         <a:buClr>
-          <a:schemeClr val="accent1"/>
+          <a:schemeClr val="accent2"/>
         </a:buClr>
-        <a:buSzPct val="100000"/>
         <a:buFont typeface="Arial" panose="020B0604020202020204" pitchFamily="34" charset="0"/>
         <a:buChar char="•"/>
-        <a:defRPr sz="1800" kern="1200" cap="none" baseline="0">
+        <a:defRPr sz="1600" kern="1200">
           <a:solidFill>
-            <a:schemeClr val="tx1"/>
+            <a:schemeClr val="tx1">
+              <a:lumMod val="85000"/>
+              <a:lumOff val="15000"/>
+            </a:schemeClr>
           </a:solidFill>
-          <a:effectLst/>
           <a:latin typeface="+mn-lt"/>
           <a:ea typeface="+mn-ea"/>
           <a:cs typeface="+mn-cs"/>
         </a:defRPr>
       </a:lvl2pPr>
-      <a:lvl3pPr marL="1143000" indent="-228600" algn="l" defTabSz="914400" rtl="0" eaLnBrk="1" latinLnBrk="0" hangingPunct="1">
+      <a:lvl3pPr marL="685800" indent="-228600" algn="l" defTabSz="914400" rtl="0" eaLnBrk="1" latinLnBrk="0" hangingPunct="1">
         <a:lnSpc>
-          <a:spcPct val="120000"/>
+          <a:spcPct val="100000"/>
         </a:lnSpc>
         <a:spcBef>
-          <a:spcPts val="500"/>
+          <a:spcPts val="1000"/>
         </a:spcBef>
         <a:buClr>
-          <a:schemeClr val="accent1"/>
+          <a:schemeClr val="accent2"/>
         </a:buClr>
-        <a:buSzPct val="100000"/>
+        <a:buFont typeface="Arial" panose="020B0604020202020204" pitchFamily="34" charset="0"/>
+        <a:buChar char="•"/>
+        <a:defRPr sz="1600" kern="1200">
+          <a:solidFill>
+            <a:schemeClr val="tx1">
+              <a:lumMod val="85000"/>
+              <a:lumOff val="15000"/>
+            </a:schemeClr>
+          </a:solidFill>
+          <a:latin typeface="+mn-lt"/>
+          <a:ea typeface="+mn-ea"/>
+          <a:cs typeface="+mn-cs"/>
+        </a:defRPr>
+      </a:lvl3pPr>
+      <a:lvl4pPr marL="914400" indent="-228600" algn="l" defTabSz="914400" rtl="0" eaLnBrk="1" latinLnBrk="0" hangingPunct="1">
+        <a:lnSpc>
+          <a:spcPct val="100000"/>
+        </a:lnSpc>
+        <a:spcBef>
+          <a:spcPts val="1000"/>
+        </a:spcBef>
+        <a:buClr>
+          <a:schemeClr val="accent2"/>
+        </a:buClr>
+        <a:buFont typeface="Arial" panose="020B0604020202020204" pitchFamily="34" charset="0"/>
+        <a:buChar char="•"/>
+        <a:defRPr sz="1600" kern="1200">
+          <a:solidFill>
+            <a:schemeClr val="tx1">
+              <a:lumMod val="85000"/>
+              <a:lumOff val="15000"/>
+            </a:schemeClr>
+          </a:solidFill>
+          <a:latin typeface="+mn-lt"/>
+          <a:ea typeface="+mn-ea"/>
+          <a:cs typeface="+mn-cs"/>
+        </a:defRPr>
+      </a:lvl4pPr>
+      <a:lvl5pPr marL="1143000" indent="-228600" algn="l" defTabSz="914400" rtl="0" eaLnBrk="1" latinLnBrk="0" hangingPunct="1">
+        <a:lnSpc>
+          <a:spcPct val="100000"/>
+        </a:lnSpc>
+        <a:spcBef>
+          <a:spcPts val="1000"/>
+        </a:spcBef>
+        <a:buClr>
+          <a:schemeClr val="accent2"/>
+        </a:buClr>
+        <a:buFont typeface="Arial" panose="020B0604020202020204" pitchFamily="34" charset="0"/>
+        <a:buChar char="•"/>
+        <a:defRPr sz="1600" kern="1200">
+          <a:solidFill>
+            <a:schemeClr val="tx1">
+              <a:lumMod val="85000"/>
+              <a:lumOff val="15000"/>
+            </a:schemeClr>
+          </a:solidFill>
+          <a:latin typeface="+mn-lt"/>
+          <a:ea typeface="+mn-ea"/>
+          <a:cs typeface="+mn-cs"/>
+        </a:defRPr>
+      </a:lvl5pPr>
+      <a:lvl6pPr marL="1312863" indent="-228600" algn="l" defTabSz="914400" rtl="0" eaLnBrk="1" latinLnBrk="0" hangingPunct="1">
+        <a:lnSpc>
+          <a:spcPct val="100000"/>
+        </a:lnSpc>
+        <a:spcBef>
+          <a:spcPts val="1000"/>
+        </a:spcBef>
+        <a:buClr>
+          <a:schemeClr val="accent2"/>
+        </a:buClr>
         <a:buFont typeface="Arial" panose="020B0604020202020204" pitchFamily="34" charset="0"/>
         <a:buChar char="•"/>
         <a:defRPr sz="1600" kern="1200">
           <a:solidFill>
             <a:schemeClr val="tx1"/>
           </a:solidFill>
-          <a:effectLst/>
-          <a:latin typeface="+mn-lt"/>
-          <a:ea typeface="+mn-ea"/>
-          <a:cs typeface="+mn-cs"/>
-        </a:defRPr>
-      </a:lvl3pPr>
-      <a:lvl4pPr marL="1600200" indent="-228600" algn="l" defTabSz="914400" rtl="0" eaLnBrk="1" latinLnBrk="0" hangingPunct="1">
-        <a:lnSpc>
-          <a:spcPct val="120000"/>
-        </a:lnSpc>
-        <a:spcBef>
-          <a:spcPts val="500"/>
-        </a:spcBef>
-        <a:buClr>
-          <a:schemeClr val="accent1"/>
-        </a:buClr>
-        <a:buSzPct val="100000"/>
-        <a:buFont typeface="Arial" panose="020B0604020202020204" pitchFamily="34" charset="0"/>
-        <a:buChar char="•"/>
-        <a:defRPr sz="1400" kern="1200" cap="none" baseline="0">
-          <a:solidFill>
-            <a:schemeClr val="tx1"/>
-          </a:solidFill>
-          <a:effectLst/>
-          <a:latin typeface="+mn-lt"/>
-          <a:ea typeface="+mn-ea"/>
-          <a:cs typeface="+mn-cs"/>
-        </a:defRPr>
-      </a:lvl4pPr>
-      <a:lvl5pPr marL="2057400" indent="-228600" algn="l" defTabSz="914400" rtl="0" eaLnBrk="1" latinLnBrk="0" hangingPunct="1">
-        <a:lnSpc>
-          <a:spcPct val="120000"/>
-        </a:lnSpc>
-        <a:spcBef>
-          <a:spcPts val="500"/>
-        </a:spcBef>
-        <a:buClr>
-          <a:schemeClr val="accent1"/>
-        </a:buClr>
-        <a:buSzPct val="100000"/>
-        <a:buFont typeface="Arial" panose="020B0604020202020204" pitchFamily="34" charset="0"/>
-        <a:buChar char="•"/>
-        <a:defRPr sz="1200" kern="1200">
-          <a:solidFill>
-            <a:schemeClr val="tx1"/>
-          </a:solidFill>
-          <a:effectLst/>
-          <a:latin typeface="+mn-lt"/>
-          <a:ea typeface="+mn-ea"/>
-          <a:cs typeface="+mn-cs"/>
-        </a:defRPr>
-      </a:lvl5pPr>
-      <a:lvl6pPr marL="2514600" indent="-228600" algn="l" defTabSz="914400" rtl="0" eaLnBrk="1" latinLnBrk="0" hangingPunct="1">
-        <a:lnSpc>
-          <a:spcPct val="120000"/>
-        </a:lnSpc>
-        <a:spcBef>
-          <a:spcPts val="500"/>
-        </a:spcBef>
-        <a:buClr>
-          <a:schemeClr val="accent1"/>
-        </a:buClr>
-        <a:buSzPct val="100000"/>
-        <a:buFont typeface="Arial" panose="020B0604020202020204" pitchFamily="34" charset="0"/>
-        <a:buChar char="•"/>
-        <a:defRPr sz="1200" kern="1200">
-          <a:solidFill>
-            <a:schemeClr val="tx1"/>
-          </a:solidFill>
-          <a:effectLst/>
           <a:latin typeface="+mn-lt"/>
           <a:ea typeface="+mn-ea"/>
           <a:cs typeface="+mn-cs"/>
         </a:defRPr>
       </a:lvl6pPr>
-      <a:lvl7pPr marL="2971800" indent="-228600" algn="l" defTabSz="914400" rtl="0" eaLnBrk="1" latinLnBrk="0" hangingPunct="1">
+      <a:lvl7pPr marL="1484313" indent="-228600" algn="l" defTabSz="914400" rtl="0" eaLnBrk="1" latinLnBrk="0" hangingPunct="1">
         <a:lnSpc>
-          <a:spcPct val="120000"/>
+          <a:spcPct val="100000"/>
         </a:lnSpc>
         <a:spcBef>
-          <a:spcPts val="500"/>
+          <a:spcPts val="1000"/>
         </a:spcBef>
         <a:buClr>
-          <a:schemeClr val="accent1"/>
+          <a:schemeClr val="accent2"/>
         </a:buClr>
-        <a:buSzPct val="100000"/>
         <a:buFont typeface="Arial" panose="020B0604020202020204" pitchFamily="34" charset="0"/>
         <a:buChar char="•"/>
-        <a:defRPr sz="1200" kern="1200">
+        <a:defRPr sz="1600" kern="1200">
           <a:solidFill>
             <a:schemeClr val="tx1"/>
           </a:solidFill>
-          <a:effectLst/>
           <a:latin typeface="+mn-lt"/>
           <a:ea typeface="+mn-ea"/>
           <a:cs typeface="+mn-cs"/>
         </a:defRPr>
       </a:lvl7pPr>
-      <a:lvl8pPr marL="3429000" indent="-228600" algn="l" defTabSz="914400" rtl="0" eaLnBrk="1" latinLnBrk="0" hangingPunct="1">
+      <a:lvl8pPr marL="1657350" indent="-228600" algn="l" defTabSz="914400" rtl="0" eaLnBrk="1" latinLnBrk="0" hangingPunct="1">
         <a:lnSpc>
-          <a:spcPct val="120000"/>
+          <a:spcPct val="100000"/>
         </a:lnSpc>
         <a:spcBef>
-          <a:spcPts val="500"/>
+          <a:spcPts val="1000"/>
         </a:spcBef>
         <a:buClr>
-          <a:schemeClr val="accent1"/>
+          <a:schemeClr val="accent2"/>
         </a:buClr>
-        <a:buSzPct val="100000"/>
         <a:buFont typeface="Arial" panose="020B0604020202020204" pitchFamily="34" charset="0"/>
         <a:buChar char="•"/>
-        <a:defRPr sz="1200" kern="1200" baseline="0">
+        <a:defRPr sz="1600" kern="1200" baseline="0">
           <a:solidFill>
             <a:schemeClr val="tx1"/>
           </a:solidFill>
-          <a:effectLst/>
           <a:latin typeface="+mn-lt"/>
           <a:ea typeface="+mn-ea"/>
           <a:cs typeface="+mn-cs"/>
         </a:defRPr>
       </a:lvl8pPr>
-      <a:lvl9pPr marL="3886200" indent="-228600" algn="l" defTabSz="914400" rtl="0" eaLnBrk="1" latinLnBrk="0" hangingPunct="1">
+      <a:lvl9pPr marL="1882775" indent="-228600" algn="l" defTabSz="914400" rtl="0" eaLnBrk="1" latinLnBrk="0" hangingPunct="1">
         <a:lnSpc>
-          <a:spcPct val="120000"/>
+          <a:spcPct val="100000"/>
         </a:lnSpc>
         <a:spcBef>
-          <a:spcPts val="500"/>
+          <a:spcPts val="1000"/>
         </a:spcBef>
         <a:buClr>
-          <a:schemeClr val="accent1"/>
+          <a:schemeClr val="accent2"/>
         </a:buClr>
-        <a:buSzPct val="100000"/>
         <a:buFont typeface="Arial" panose="020B0604020202020204" pitchFamily="34" charset="0"/>
         <a:buChar char="•"/>
-        <a:defRPr sz="1200" kern="1200" baseline="0">
+        <a:defRPr sz="1600" kern="1200" baseline="0">
           <a:solidFill>
             <a:schemeClr val="tx1"/>
           </a:solidFill>
-          <a:effectLst/>
           <a:latin typeface="+mn-lt"/>
           <a:ea typeface="+mn-ea"/>
           <a:cs typeface="+mn-cs"/>
@@ -6099,25 +5774,16 @@
   <p:cSld>
     <p:bg>
       <p:bgPr>
-        <a:gradFill rotWithShape="1">
-          <a:gsLst>
-            <a:gs pos="0">
-              <a:schemeClr val="bg2">
-                <a:tint val="94000"/>
-                <a:satMod val="80000"/>
-                <a:lumMod val="106000"/>
-              </a:schemeClr>
-            </a:gs>
-            <a:gs pos="100000">
-              <a:schemeClr val="bg2">
-                <a:shade val="80000"/>
-              </a:schemeClr>
-            </a:gs>
-          </a:gsLst>
-          <a:path path="circle">
-            <a:fillToRect l="50000" t="50000" r="50000" b="50000"/>
-          </a:path>
-        </a:gradFill>
+        <a:pattFill prst="pct5">
+          <a:fgClr>
+            <a:srgbClr val="FFFF00"/>
+          </a:fgClr>
+          <a:bgClr>
+            <a:schemeClr val="accent4">
+              <a:lumMod val="75000"/>
+            </a:schemeClr>
+          </a:bgClr>
+        </a:pattFill>
         <a:effectLst/>
       </p:bgPr>
     </p:bg>
@@ -6135,12 +5801,12 @@
           <a:chExt cx="0" cy="0"/>
         </a:xfrm>
       </p:grpSpPr>
-      <p:sp useBgFill="1">
+      <p:sp>
         <p:nvSpPr>
-          <p:cNvPr id="7" name="Rectangle 6">
+          <p:cNvPr id="23" name="Rectangle 15">
             <a:extLst>
               <a:ext uri="{FF2B5EF4-FFF2-40B4-BE49-F238E27FC236}">
-                <a16:creationId xmlns:a16="http://schemas.microsoft.com/office/drawing/2014/main" id="{1BF0792A-0F2B-4A2E-AB38-0A4F18A3072D}"/>
+                <a16:creationId xmlns:a16="http://schemas.microsoft.com/office/drawing/2014/main" id="{AEE70035-2E4E-4F9F-A4A6-77B0B9FBD8DC}"/>
               </a:ext>
               <a:ext uri="{C183D7F6-B498-43B3-948B-1728B52AA6E4}">
                 <adec:decorative xmlns:adec="http://schemas.microsoft.com/office/drawing/2017/decorative" val="1"/>
@@ -6160,8 +5826,254 @@
         </p:nvSpPr>
         <p:spPr>
           <a:xfrm>
-            <a:off x="2" y="0"/>
-            <a:ext cx="12191695" cy="6858000"/>
+            <a:off x="0" y="0"/>
+            <a:ext cx="1438656" cy="6858000"/>
+          </a:xfrm>
+          <a:prstGeom prst="rect">
+            <a:avLst/>
+          </a:prstGeom>
+          <a:solidFill>
+            <a:schemeClr val="bg2">
+              <a:lumMod val="75000"/>
+              <a:alpha val="50000"/>
+            </a:schemeClr>
+          </a:solidFill>
+          <a:ln>
+            <a:noFill/>
+          </a:ln>
+        </p:spPr>
+        <p:style>
+          <a:lnRef idx="2">
+            <a:schemeClr val="accent1">
+              <a:shade val="50000"/>
+            </a:schemeClr>
+          </a:lnRef>
+          <a:fillRef idx="1003">
+            <a:schemeClr val="lt1"/>
+          </a:fillRef>
+          <a:effectRef idx="0">
+            <a:schemeClr val="accent1"/>
+          </a:effectRef>
+          <a:fontRef idx="minor">
+            <a:schemeClr val="lt1"/>
+          </a:fontRef>
+        </p:style>
+        <p:txBody>
+          <a:bodyPr rtlCol="0" anchor="ctr"/>
+          <a:lstStyle/>
+          <a:p>
+            <a:pPr algn="ctr"/>
+            <a:endParaRPr lang="en-US">
+              <a:solidFill>
+                <a:schemeClr val="bg2">
+                  <a:lumMod val="60000"/>
+                  <a:lumOff val="40000"/>
+                </a:schemeClr>
+              </a:solidFill>
+            </a:endParaRPr>
+          </a:p>
+        </p:txBody>
+      </p:sp>
+      <p:sp>
+        <p:nvSpPr>
+          <p:cNvPr id="24" name="Rectangle 17">
+            <a:extLst>
+              <a:ext uri="{FF2B5EF4-FFF2-40B4-BE49-F238E27FC236}">
+                <a16:creationId xmlns:a16="http://schemas.microsoft.com/office/drawing/2014/main" id="{48FDCBF5-07B8-49C5-BD1E-0DD5E1DB29DF}"/>
+              </a:ext>
+              <a:ext uri="{C183D7F6-B498-43B3-948B-1728B52AA6E4}">
+                <adec:decorative xmlns:adec="http://schemas.microsoft.com/office/drawing/2017/decorative" val="1"/>
+              </a:ext>
+            </a:extLst>
+          </p:cNvPr>
+          <p:cNvSpPr>
+            <a:spLocks noGrp="1" noRot="1" noChangeAspect="1" noMove="1" noResize="1" noEditPoints="1" noAdjustHandles="1" noChangeArrowheads="1" noChangeShapeType="1" noTextEdit="1"/>
+          </p:cNvSpPr>
+          <p:nvPr>
+            <p:extLst>
+              <p:ext uri="{386F3935-93C4-4BCD-93E2-E3B085C9AB24}">
+                <p16:designElem xmlns:p16="http://schemas.microsoft.com/office/powerpoint/2015/main" val="1"/>
+              </p:ext>
+            </p:extLst>
+          </p:nvPr>
+        </p:nvSpPr>
+        <p:spPr>
+          <a:xfrm>
+            <a:off x="1438656" y="0"/>
+            <a:ext cx="10753344" cy="6858000"/>
+          </a:xfrm>
+          <a:prstGeom prst="rect">
+            <a:avLst/>
+          </a:prstGeom>
+          <a:solidFill>
+            <a:schemeClr val="tx2"/>
+          </a:solidFill>
+          <a:ln>
+            <a:noFill/>
+          </a:ln>
+        </p:spPr>
+        <p:style>
+          <a:lnRef idx="2">
+            <a:schemeClr val="accent1">
+              <a:shade val="50000"/>
+            </a:schemeClr>
+          </a:lnRef>
+          <a:fillRef idx="1">
+            <a:schemeClr val="accent1"/>
+          </a:fillRef>
+          <a:effectRef idx="0">
+            <a:schemeClr val="accent1"/>
+          </a:effectRef>
+          <a:fontRef idx="minor">
+            <a:schemeClr val="lt1"/>
+          </a:fontRef>
+        </p:style>
+        <p:txBody>
+          <a:bodyPr rtlCol="0" anchor="ctr"/>
+          <a:lstStyle/>
+          <a:p>
+            <a:pPr algn="ctr"/>
+            <a:endParaRPr lang="en-US"/>
+          </a:p>
+        </p:txBody>
+      </p:sp>
+      <p:sp>
+        <p:nvSpPr>
+          <p:cNvPr id="2" name="Title 1">
+            <a:extLst>
+              <a:ext uri="{FF2B5EF4-FFF2-40B4-BE49-F238E27FC236}">
+                <a16:creationId xmlns:a16="http://schemas.microsoft.com/office/drawing/2014/main" id="{48164643-5684-48E7-B253-F71D7DB13C16}"/>
+              </a:ext>
+            </a:extLst>
+          </p:cNvPr>
+          <p:cNvSpPr>
+            <a:spLocks noGrp="1"/>
+          </p:cNvSpPr>
+          <p:nvPr>
+            <p:ph type="ctrTitle"/>
+          </p:nvPr>
+        </p:nvSpPr>
+        <p:spPr>
+          <a:xfrm>
+            <a:off x="6735899" y="405114"/>
+            <a:ext cx="4812634" cy="5393048"/>
+          </a:xfrm>
+          <a:noFill/>
+          <a:ln>
+            <a:noFill/>
+          </a:ln>
+        </p:spPr>
+        <p:txBody>
+          <a:bodyPr vert="horz" lIns="182880" tIns="182880" rIns="182880" bIns="182880" rtlCol="0" anchor="ctr">
+            <a:normAutofit fontScale="90000"/>
+          </a:bodyPr>
+          <a:lstStyle/>
+          <a:p>
+            <a:br>
+              <a:rPr lang="en-US" sz="1900" kern="1200" cap="none" spc="200" baseline="0" dirty="0">
+                <a:solidFill>
+                  <a:schemeClr val="bg1">
+                    <a:lumMod val="85000"/>
+                    <a:lumOff val="15000"/>
+                  </a:schemeClr>
+                </a:solidFill>
+                <a:latin typeface="+mj-lt"/>
+                <a:ea typeface="+mj-ea"/>
+                <a:cs typeface="+mj-cs"/>
+              </a:rPr>
+            </a:br>
+            <a:r>
+              <a:rPr lang="en-US" sz="2200" kern="1200" cap="none" spc="200" baseline="0" dirty="0">
+                <a:solidFill>
+                  <a:schemeClr val="bg1">
+                    <a:lumMod val="85000"/>
+                    <a:lumOff val="15000"/>
+                  </a:schemeClr>
+                </a:solidFill>
+                <a:latin typeface="Arial Nova Light" panose="020B0304020202020204" pitchFamily="34" charset="0"/>
+              </a:rPr>
+              <a:t>AI solution for creating fire detection system. Using smart cameras, you can identify various suspicious incidents such as collisions, medical emergencies, and </a:t>
+            </a:r>
+            <a:r>
+              <a:rPr lang="en-US" sz="6700" kern="1200" cap="none" spc="200" baseline="0" dirty="0">
+                <a:solidFill>
+                  <a:srgbClr val="FF0000"/>
+                </a:solidFill>
+                <a:latin typeface="Arial Nova Light" panose="020B0304020202020204" pitchFamily="34" charset="0"/>
+              </a:rPr>
+              <a:t>FIRES</a:t>
+            </a:r>
+            <a:r>
+              <a:rPr lang="en-US" sz="6000" kern="1200" cap="none" spc="200" baseline="0" dirty="0">
+                <a:solidFill>
+                  <a:srgbClr val="FF0000"/>
+                </a:solidFill>
+                <a:latin typeface="Arial Nova Light" panose="020B0304020202020204" pitchFamily="34" charset="0"/>
+              </a:rPr>
+              <a:t>. </a:t>
+            </a:r>
+            <a:br>
+              <a:rPr lang="en-US" sz="2200" kern="1200" cap="none" spc="200" baseline="0" dirty="0">
+                <a:solidFill>
+                  <a:schemeClr val="bg1">
+                    <a:lumMod val="85000"/>
+                    <a:lumOff val="15000"/>
+                  </a:schemeClr>
+                </a:solidFill>
+                <a:latin typeface="Arial Nova Light" panose="020B0304020202020204" pitchFamily="34" charset="0"/>
+              </a:rPr>
+            </a:br>
+            <a:r>
+              <a:rPr lang="en-US" sz="2200" kern="1200" cap="none" spc="200" baseline="0" dirty="0">
+                <a:solidFill>
+                  <a:schemeClr val="bg1">
+                    <a:lumMod val="85000"/>
+                    <a:lumOff val="15000"/>
+                  </a:schemeClr>
+                </a:solidFill>
+                <a:latin typeface="Arial Nova Light" panose="020B0304020202020204" pitchFamily="34" charset="0"/>
+              </a:rPr>
+              <a:t>Of such, fire is the most dangerous abnormal occurrence, because failure to control it at an early stage can lead to huge disasters, leading to human, ecological and economic losses.</a:t>
+            </a:r>
+            <a:endParaRPr lang="en-US" sz="1900" kern="1200" cap="none" spc="200" baseline="0" dirty="0">
+              <a:solidFill>
+                <a:schemeClr val="bg1">
+                  <a:lumMod val="85000"/>
+                  <a:lumOff val="15000"/>
+                </a:schemeClr>
+              </a:solidFill>
+              <a:latin typeface="Arial Nova Light" panose="020B0304020202020204" pitchFamily="34" charset="0"/>
+            </a:endParaRPr>
+          </a:p>
+        </p:txBody>
+      </p:sp>
+      <p:sp useBgFill="1">
+        <p:nvSpPr>
+          <p:cNvPr id="25" name="Rectangle 19">
+            <a:extLst>
+              <a:ext uri="{FF2B5EF4-FFF2-40B4-BE49-F238E27FC236}">
+                <a16:creationId xmlns:a16="http://schemas.microsoft.com/office/drawing/2014/main" id="{4EFB64A5-5FD5-4748-BC76-137C0DEB6A09}"/>
+              </a:ext>
+              <a:ext uri="{C183D7F6-B498-43B3-948B-1728B52AA6E4}">
+                <adec:decorative xmlns:adec="http://schemas.microsoft.com/office/drawing/2017/decorative" val="1"/>
+              </a:ext>
+            </a:extLst>
+          </p:cNvPr>
+          <p:cNvSpPr>
+            <a:spLocks noGrp="1" noRot="1" noChangeAspect="1" noMove="1" noResize="1" noEditPoints="1" noAdjustHandles="1" noChangeArrowheads="1" noChangeShapeType="1" noTextEdit="1"/>
+          </p:cNvSpPr>
+          <p:nvPr>
+            <p:extLst>
+              <p:ext uri="{386F3935-93C4-4BCD-93E2-E3B085C9AB24}">
+                <p16:designElem xmlns:p16="http://schemas.microsoft.com/office/powerpoint/2015/main" val="1"/>
+              </p:ext>
+            </p:extLst>
+          </p:nvPr>
+        </p:nvSpPr>
+        <p:spPr>
+          <a:xfrm>
+            <a:off x="1438656" y="0"/>
+            <a:ext cx="4653776" cy="6858000"/>
           </a:xfrm>
           <a:prstGeom prst="rect">
             <a:avLst/>
@@ -6197,479 +6109,6 @@
       </p:sp>
       <p:sp>
         <p:nvSpPr>
-          <p:cNvPr id="20" name="Rectangle 8">
-            <a:extLst>
-              <a:ext uri="{FF2B5EF4-FFF2-40B4-BE49-F238E27FC236}">
-                <a16:creationId xmlns:a16="http://schemas.microsoft.com/office/drawing/2014/main" id="{F57DB18D-C2F1-4C8C-8808-9C01ECE6834E}"/>
-              </a:ext>
-              <a:ext uri="{C183D7F6-B498-43B3-948B-1728B52AA6E4}">
-                <adec:decorative xmlns:adec="http://schemas.microsoft.com/office/drawing/2017/decorative" val="1"/>
-              </a:ext>
-            </a:extLst>
-          </p:cNvPr>
-          <p:cNvSpPr>
-            <a:spLocks noGrp="1" noRot="1" noChangeAspect="1" noMove="1" noResize="1" noEditPoints="1" noAdjustHandles="1" noChangeArrowheads="1" noChangeShapeType="1" noTextEdit="1"/>
-          </p:cNvSpPr>
-          <p:nvPr>
-            <p:extLst>
-              <p:ext uri="{386F3935-93C4-4BCD-93E2-E3B085C9AB24}">
-                <p16:designElem xmlns:p16="http://schemas.microsoft.com/office/powerpoint/2015/main" val="1"/>
-              </p:ext>
-            </p:extLst>
-          </p:nvPr>
-        </p:nvSpPr>
-        <p:spPr>
-          <a:xfrm>
-            <a:off x="0" y="2019476"/>
-            <a:ext cx="12192000" cy="4105941"/>
-          </a:xfrm>
-          <a:prstGeom prst="rect">
-            <a:avLst/>
-          </a:prstGeom>
-          <a:gradFill flip="none" rotWithShape="1">
-            <a:gsLst>
-              <a:gs pos="0">
-                <a:schemeClr val="bg2">
-                  <a:alpha val="0"/>
-                </a:schemeClr>
-              </a:gs>
-              <a:gs pos="100000">
-                <a:schemeClr val="bg2"/>
-              </a:gs>
-            </a:gsLst>
-            <a:lin ang="5400000" scaled="0"/>
-            <a:tileRect/>
-          </a:gradFill>
-          <a:ln>
-            <a:noFill/>
-          </a:ln>
-        </p:spPr>
-        <p:style>
-          <a:lnRef idx="2">
-            <a:schemeClr val="accent1">
-              <a:shade val="50000"/>
-            </a:schemeClr>
-          </a:lnRef>
-          <a:fillRef idx="1">
-            <a:schemeClr val="accent1"/>
-          </a:fillRef>
-          <a:effectRef idx="0">
-            <a:schemeClr val="accent1"/>
-          </a:effectRef>
-          <a:fontRef idx="minor">
-            <a:schemeClr val="lt1"/>
-          </a:fontRef>
-        </p:style>
-        <p:txBody>
-          <a:bodyPr rtlCol="0" anchor="ctr"/>
-          <a:lstStyle/>
-          <a:p>
-            <a:pPr lvl="0" algn="ctr"/>
-            <a:endParaRPr lang="en-US"/>
-          </a:p>
-        </p:txBody>
-      </p:sp>
-      <p:grpSp>
-        <p:nvGrpSpPr>
-          <p:cNvPr id="21" name="Group 10">
-            <a:extLst>
-              <a:ext uri="{FF2B5EF4-FFF2-40B4-BE49-F238E27FC236}">
-                <a16:creationId xmlns:a16="http://schemas.microsoft.com/office/drawing/2014/main" id="{E5D935FA-3336-4941-9214-E250A5727F40}"/>
-              </a:ext>
-              <a:ext uri="{C183D7F6-B498-43B3-948B-1728B52AA6E4}">
-                <adec:decorative xmlns:adec="http://schemas.microsoft.com/office/drawing/2017/decorative" val="1"/>
-              </a:ext>
-            </a:extLst>
-          </p:cNvPr>
-          <p:cNvGrpSpPr>
-            <a:grpSpLocks noGrp="1" noUngrp="1" noRot="1" noChangeAspect="1" noMove="1" noResize="1"/>
-          </p:cNvGrpSpPr>
-          <p:nvPr>
-            <p:extLst>
-              <p:ext uri="{386F3935-93C4-4BCD-93E2-E3B085C9AB24}">
-                <p16:designElem xmlns:p16="http://schemas.microsoft.com/office/powerpoint/2015/main" val="1"/>
-              </p:ext>
-            </p:extLst>
-          </p:nvPr>
-        </p:nvGrpSpPr>
-        <p:grpSpPr>
-          <a:xfrm>
-            <a:off x="1445671" y="644327"/>
-            <a:ext cx="9299965" cy="4811366"/>
-            <a:chOff x="7639235" y="600024"/>
-            <a:chExt cx="3898557" cy="6878929"/>
-          </a:xfrm>
-        </p:grpSpPr>
-        <p:sp>
-          <p:nvSpPr>
-            <p:cNvPr id="12" name="Rectangle 11">
-              <a:extLst>
-                <a:ext uri="{FF2B5EF4-FFF2-40B4-BE49-F238E27FC236}">
-                  <a16:creationId xmlns:a16="http://schemas.microsoft.com/office/drawing/2014/main" id="{45D9E2ED-FF90-4200-A7EE-6D41D6526F27}"/>
-                </a:ext>
-                <a:ext uri="{C183D7F6-B498-43B3-948B-1728B52AA6E4}">
-                  <adec:decorative xmlns:adec="http://schemas.microsoft.com/office/drawing/2017/decorative" val="1"/>
-                </a:ext>
-              </a:extLst>
-            </p:cNvPr>
-            <p:cNvSpPr/>
-            <p:nvPr>
-              <p:extLst>
-                <p:ext uri="{386F3935-93C4-4BCD-93E2-E3B085C9AB24}">
-                  <p16:designElem xmlns:p16="http://schemas.microsoft.com/office/powerpoint/2015/main" val="1"/>
-                </p:ext>
-              </p:extLst>
-            </p:nvPr>
-          </p:nvSpPr>
-          <p:spPr>
-            <a:xfrm>
-              <a:off x="7639235" y="600024"/>
-              <a:ext cx="3898557" cy="6878929"/>
-            </a:xfrm>
-            <a:prstGeom prst="rect">
-              <a:avLst/>
-            </a:prstGeom>
-            <a:gradFill>
-              <a:gsLst>
-                <a:gs pos="0">
-                  <a:srgbClr val="000001"/>
-                </a:gs>
-                <a:gs pos="100000">
-                  <a:srgbClr val="191919"/>
-                </a:gs>
-              </a:gsLst>
-            </a:gradFill>
-            <a:ln w="76200" cmpd="sng">
-              <a:noFill/>
-              <a:miter lim="800000"/>
-            </a:ln>
-            <a:effectLst>
-              <a:outerShdw blurRad="127000" dist="228600" dir="4740000" sx="98000" sy="98000" algn="tl" rotWithShape="0">
-                <a:srgbClr val="000000">
-                  <a:alpha val="34000"/>
-                </a:srgbClr>
-              </a:outerShdw>
-            </a:effectLst>
-            <a:scene3d>
-              <a:camera prst="orthographicFront"/>
-              <a:lightRig rig="threePt" dir="t"/>
-            </a:scene3d>
-            <a:sp3d>
-              <a:bevelT w="152400" h="50800" prst="softRound"/>
-            </a:sp3d>
-          </p:spPr>
-          <p:style>
-            <a:lnRef idx="1">
-              <a:schemeClr val="accent1"/>
-            </a:lnRef>
-            <a:fillRef idx="3">
-              <a:schemeClr val="accent1"/>
-            </a:fillRef>
-            <a:effectRef idx="2">
-              <a:schemeClr val="accent1"/>
-            </a:effectRef>
-            <a:fontRef idx="minor">
-              <a:schemeClr val="lt1"/>
-            </a:fontRef>
-          </p:style>
-          <p:txBody>
-            <a:bodyPr rtlCol="0" anchor="ctr"/>
-            <a:lstStyle/>
-            <a:p>
-              <a:pPr algn="ctr"/>
-              <a:endParaRPr lang="en-US"/>
-            </a:p>
-          </p:txBody>
-        </p:sp>
-        <p:sp>
-          <p:nvSpPr>
-            <p:cNvPr id="22" name="Rectangle 12">
-              <a:extLst>
-                <a:ext uri="{FF2B5EF4-FFF2-40B4-BE49-F238E27FC236}">
-                  <a16:creationId xmlns:a16="http://schemas.microsoft.com/office/drawing/2014/main" id="{3A4BEB8D-68AD-4314-8A2B-F8DC85A5301F}"/>
-                </a:ext>
-                <a:ext uri="{C183D7F6-B498-43B3-948B-1728B52AA6E4}">
-                  <adec:decorative xmlns:adec="http://schemas.microsoft.com/office/drawing/2017/decorative" val="1"/>
-                </a:ext>
-              </a:extLst>
-            </p:cNvPr>
-            <p:cNvSpPr/>
-            <p:nvPr>
-              <p:extLst>
-                <p:ext uri="{386F3935-93C4-4BCD-93E2-E3B085C9AB24}">
-                  <p16:designElem xmlns:p16="http://schemas.microsoft.com/office/powerpoint/2015/main" val="1"/>
-                </p:ext>
-              </p:extLst>
-            </p:nvPr>
-          </p:nvSpPr>
-          <p:spPr>
-            <a:xfrm>
-              <a:off x="7770263" y="1062693"/>
-              <a:ext cx="3635738" cy="5954752"/>
-            </a:xfrm>
-            <a:prstGeom prst="rect">
-              <a:avLst/>
-            </a:prstGeom>
-            <a:gradFill>
-              <a:gsLst>
-                <a:gs pos="0">
-                  <a:srgbClr val="DADADA"/>
-                </a:gs>
-                <a:gs pos="100000">
-                  <a:srgbClr val="FFFFFE"/>
-                </a:gs>
-              </a:gsLst>
-              <a:lin ang="16200000" scaled="0"/>
-            </a:gradFill>
-            <a:ln w="50800" cmpd="sng">
-              <a:solidFill>
-                <a:srgbClr val="191919"/>
-              </a:solidFill>
-              <a:miter lim="800000"/>
-            </a:ln>
-            <a:effectLst>
-              <a:innerShdw blurRad="63500" dist="88900" dir="14100000">
-                <a:srgbClr val="000000">
-                  <a:alpha val="30000"/>
-                </a:srgbClr>
-              </a:innerShdw>
-            </a:effectLst>
-            <a:scene3d>
-              <a:camera prst="orthographicFront"/>
-              <a:lightRig rig="threePt" dir="t"/>
-            </a:scene3d>
-            <a:sp3d>
-              <a:bevelT prst="relaxedInset"/>
-            </a:sp3d>
-          </p:spPr>
-          <p:style>
-            <a:lnRef idx="1">
-              <a:schemeClr val="accent1"/>
-            </a:lnRef>
-            <a:fillRef idx="3">
-              <a:schemeClr val="accent1"/>
-            </a:fillRef>
-            <a:effectRef idx="2">
-              <a:schemeClr val="accent1"/>
-            </a:effectRef>
-            <a:fontRef idx="minor">
-              <a:schemeClr val="lt1"/>
-            </a:fontRef>
-          </p:style>
-          <p:txBody>
-            <a:bodyPr rtlCol="0" anchor="ctr"/>
-            <a:lstStyle/>
-            <a:p>
-              <a:pPr algn="ctr"/>
-              <a:endParaRPr lang="en-US"/>
-            </a:p>
-          </p:txBody>
-        </p:sp>
-      </p:grpSp>
-      <p:sp>
-        <p:nvSpPr>
-          <p:cNvPr id="2" name="Title 1">
-            <a:extLst>
-              <a:ext uri="{FF2B5EF4-FFF2-40B4-BE49-F238E27FC236}">
-                <a16:creationId xmlns:a16="http://schemas.microsoft.com/office/drawing/2014/main" id="{48164643-5684-48E7-B253-F71D7DB13C16}"/>
-              </a:ext>
-            </a:extLst>
-          </p:cNvPr>
-          <p:cNvSpPr>
-            <a:spLocks noGrp="1"/>
-          </p:cNvSpPr>
-          <p:nvPr>
-            <p:ph type="ctrTitle"/>
-          </p:nvPr>
-        </p:nvSpPr>
-        <p:spPr>
-          <a:xfrm>
-            <a:off x="2275661" y="2256461"/>
-            <a:ext cx="7405874" cy="2063071"/>
-          </a:xfrm>
-          <a:solidFill>
-            <a:schemeClr val="bg2"/>
-          </a:solidFill>
-        </p:spPr>
-        <p:txBody>
-          <a:bodyPr anchor="ctr">
-            <a:normAutofit/>
-          </a:bodyPr>
-          <a:lstStyle/>
-          <a:p>
-            <a:r>
-              <a:rPr lang="en-US" sz="2000" dirty="0">
-                <a:solidFill>
-                  <a:schemeClr val="tx2"/>
-                </a:solidFill>
-              </a:rPr>
-              <a:t>Introduction</a:t>
-            </a:r>
-            <a:br>
-              <a:rPr lang="en-US" sz="3200" dirty="0">
-                <a:solidFill>
-                  <a:schemeClr val="tx2"/>
-                </a:solidFill>
-              </a:rPr>
-            </a:br>
-            <a:r>
-              <a:rPr lang="en-US" sz="1800" cap="none" dirty="0">
-                <a:solidFill>
-                  <a:schemeClr val="tx2"/>
-                </a:solidFill>
-              </a:rPr>
-              <a:t>AI solution for creating fire detection System. Using smart cameras, you can identify various suspicious incidents such as collisions, medical emergencies, and fires. Of such, fire is the most dangerous abnormal occurrence, because failure to control it at an early stage can lead to huge disasters, leading to human, ecological and economic losses.</a:t>
-            </a:r>
-            <a:endParaRPr lang="en-US" sz="3200" dirty="0">
-              <a:solidFill>
-                <a:schemeClr val="tx2"/>
-              </a:solidFill>
-            </a:endParaRPr>
-          </a:p>
-        </p:txBody>
-      </p:sp>
-      <p:cxnSp>
-        <p:nvCxnSpPr>
-          <p:cNvPr id="23" name="Straight Connector 14">
-            <a:extLst>
-              <a:ext uri="{FF2B5EF4-FFF2-40B4-BE49-F238E27FC236}">
-                <a16:creationId xmlns:a16="http://schemas.microsoft.com/office/drawing/2014/main" id="{87F797D1-251E-41FE-9FF8-AD487DEF28AC}"/>
-              </a:ext>
-              <a:ext uri="{C183D7F6-B498-43B3-948B-1728B52AA6E4}">
-                <adec:decorative xmlns:adec="http://schemas.microsoft.com/office/drawing/2017/decorative" val="1"/>
-              </a:ext>
-            </a:extLst>
-          </p:cNvPr>
-          <p:cNvCxnSpPr>
-            <a:cxnSpLocks noGrp="1" noRot="1" noChangeAspect="1" noMove="1" noResize="1" noEditPoints="1" noAdjustHandles="1" noChangeArrowheads="1" noChangeShapeType="1"/>
-          </p:cNvCxnSpPr>
-          <p:nvPr>
-            <p:extLst>
-              <p:ext uri="{386F3935-93C4-4BCD-93E2-E3B085C9AB24}">
-                <p16:designElem xmlns:p16="http://schemas.microsoft.com/office/powerpoint/2015/main" val="1"/>
-              </p:ext>
-            </p:extLst>
-          </p:nvPr>
-        </p:nvCxnSpPr>
-        <p:spPr>
-          <a:xfrm>
-            <a:off x="2391407" y="1416139"/>
-            <a:ext cx="7405874" cy="0"/>
-          </a:xfrm>
-          <a:prstGeom prst="line">
-            <a:avLst/>
-          </a:prstGeom>
-          <a:ln w="31750"/>
-        </p:spPr>
-        <p:style>
-          <a:lnRef idx="3">
-            <a:schemeClr val="accent1"/>
-          </a:lnRef>
-          <a:fillRef idx="0">
-            <a:schemeClr val="accent1"/>
-          </a:fillRef>
-          <a:effectRef idx="2">
-            <a:schemeClr val="accent1"/>
-          </a:effectRef>
-          <a:fontRef idx="minor">
-            <a:schemeClr val="tx1"/>
-          </a:fontRef>
-        </p:style>
-      </p:cxnSp>
-      <p:cxnSp>
-        <p:nvCxnSpPr>
-          <p:cNvPr id="24" name="Straight Connector 16">
-            <a:extLst>
-              <a:ext uri="{FF2B5EF4-FFF2-40B4-BE49-F238E27FC236}">
-                <a16:creationId xmlns:a16="http://schemas.microsoft.com/office/drawing/2014/main" id="{09A0CE28-0E59-4F4D-9855-8A8DCE9A8EFE}"/>
-              </a:ext>
-              <a:ext uri="{C183D7F6-B498-43B3-948B-1728B52AA6E4}">
-                <adec:decorative xmlns:adec="http://schemas.microsoft.com/office/drawing/2017/decorative" val="1"/>
-              </a:ext>
-            </a:extLst>
-          </p:cNvPr>
-          <p:cNvCxnSpPr>
-            <a:cxnSpLocks noGrp="1" noRot="1" noChangeAspect="1" noMove="1" noResize="1" noEditPoints="1" noAdjustHandles="1" noChangeArrowheads="1" noChangeShapeType="1"/>
-          </p:cNvCxnSpPr>
-          <p:nvPr>
-            <p:extLst>
-              <p:ext uri="{386F3935-93C4-4BCD-93E2-E3B085C9AB24}">
-                <p16:designElem xmlns:p16="http://schemas.microsoft.com/office/powerpoint/2015/main" val="1"/>
-              </p:ext>
-            </p:extLst>
-          </p:nvPr>
-        </p:nvCxnSpPr>
-        <p:spPr>
-          <a:xfrm>
-            <a:off x="2391407" y="4285341"/>
-            <a:ext cx="7405874" cy="0"/>
-          </a:xfrm>
-          <a:prstGeom prst="line">
-            <a:avLst/>
-          </a:prstGeom>
-          <a:ln w="31750"/>
-        </p:spPr>
-        <p:style>
-          <a:lnRef idx="3">
-            <a:schemeClr val="accent1"/>
-          </a:lnRef>
-          <a:fillRef idx="0">
-            <a:schemeClr val="accent1"/>
-          </a:fillRef>
-          <a:effectRef idx="2">
-            <a:schemeClr val="accent1"/>
-          </a:effectRef>
-          <a:fontRef idx="minor">
-            <a:schemeClr val="tx1"/>
-          </a:fontRef>
-        </p:style>
-      </p:cxnSp>
-      <p:pic>
-        <p:nvPicPr>
-          <p:cNvPr id="19" name="Picture 18">
-            <a:extLst>
-              <a:ext uri="{FF2B5EF4-FFF2-40B4-BE49-F238E27FC236}">
-                <a16:creationId xmlns:a16="http://schemas.microsoft.com/office/drawing/2014/main" id="{75CC23F7-9F20-4C4B-8608-BD4DE9728FA5}"/>
-              </a:ext>
-              <a:ext uri="{C183D7F6-B498-43B3-948B-1728B52AA6E4}">
-                <adec:decorative xmlns:adec="http://schemas.microsoft.com/office/drawing/2017/decorative" val="1"/>
-              </a:ext>
-            </a:extLst>
-          </p:cNvPr>
-          <p:cNvPicPr>
-            <a:picLocks noGrp="1" noRot="1" noChangeAspect="1" noMove="1" noResize="1" noEditPoints="1" noAdjustHandles="1" noChangeArrowheads="1" noChangeShapeType="1" noCrop="1"/>
-          </p:cNvPicPr>
-          <p:nvPr>
-            <p:extLst>
-              <p:ext uri="{386F3935-93C4-4BCD-93E2-E3B085C9AB24}">
-                <p16:designElem xmlns:p16="http://schemas.microsoft.com/office/powerpoint/2015/main" val="1"/>
-              </p:ext>
-            </p:extLst>
-          </p:nvPr>
-        </p:nvPicPr>
-        <p:blipFill rotWithShape="1">
-          <a:blip r:embed="rId2">
-            <a:extLst>
-              <a:ext uri="{28A0092B-C50C-407E-A947-70E740481C1C}">
-                <a14:useLocalDpi xmlns:a14="http://schemas.microsoft.com/office/drawing/2010/main" val="0"/>
-              </a:ext>
-            </a:extLst>
-          </a:blip>
-          <a:srcRect t="1538" b="-1538"/>
-          <a:stretch/>
-        </p:blipFill>
-        <p:spPr bwMode="black">
-          <a:xfrm>
-            <a:off x="0" y="6126480"/>
-            <a:ext cx="12192000" cy="742950"/>
-          </a:xfrm>
-          <a:prstGeom prst="rect">
-            <a:avLst/>
-          </a:prstGeom>
-        </p:spPr>
-      </p:pic>
-      <p:sp>
-        <p:nvSpPr>
           <p:cNvPr id="11" name="Title 1">
             <a:extLst>
               <a:ext uri="{FF2B5EF4-FFF2-40B4-BE49-F238E27FC236}">
@@ -6684,19 +6123,24 @@
         </p:nvSpPr>
         <p:spPr>
           <a:xfrm>
-            <a:off x="2275661" y="1384024"/>
-            <a:ext cx="7405874" cy="840322"/>
+            <a:off x="104172" y="405114"/>
+            <a:ext cx="5988260" cy="5721368"/>
           </a:xfrm>
           <a:prstGeom prst="rect">
             <a:avLst/>
           </a:prstGeom>
-          <a:solidFill>
-            <a:schemeClr val="bg2"/>
-          </a:solidFill>
+          <a:noFill/>
+          <a:scene3d>
+            <a:camera prst="orthographicFront"/>
+            <a:lightRig rig="threePt" dir="t"/>
+          </a:scene3d>
+          <a:sp3d>
+            <a:bevelT w="101600" prst="riblet"/>
+          </a:sp3d>
         </p:spPr>
         <p:txBody>
-          <a:bodyPr vert="horz" lIns="91440" tIns="45720" rIns="91440" bIns="0" rtlCol="0" anchor="ctr">
-            <a:normAutofit fontScale="92500" lnSpcReduction="10000"/>
+          <a:bodyPr vert="horz" lIns="91440" tIns="45720" rIns="91440" bIns="45720" rtlCol="0" anchor="ctr">
+            <a:normAutofit/>
           </a:bodyPr>
           <a:lstStyle>
             <a:lvl1pPr algn="l" defTabSz="914400" rtl="0" eaLnBrk="1" latinLnBrk="0" hangingPunct="1">
@@ -6719,23 +6163,43 @@
             </a:lvl1pPr>
           </a:lstStyle>
           <a:p>
-            <a:pPr algn="ctr"/>
-            <a:r>
-              <a:rPr lang="en-US" sz="3200" dirty="0">
+            <a:pPr algn="ctr">
+              <a:spcBef>
+                <a:spcPts val="1000"/>
+              </a:spcBef>
+              <a:buClr>
+                <a:schemeClr val="accent2"/>
+              </a:buClr>
+            </a:pPr>
+            <a:r>
+              <a:rPr lang="en-US" dirty="0">
                 <a:solidFill>
-                  <a:schemeClr val="tx2"/>
+                  <a:srgbClr val="FFFF00"/>
                 </a:solidFill>
+                <a:latin typeface="+mn-lt"/>
+                <a:ea typeface="+mn-ea"/>
+                <a:cs typeface="+mn-cs"/>
               </a:rPr>
               <a:t>fire detection SYSTEM:</a:t>
             </a:r>
           </a:p>
           <a:p>
-            <a:pPr algn="ctr"/>
-            <a:r>
-              <a:rPr lang="en-US" sz="3200" dirty="0">
+            <a:pPr algn="ctr">
+              <a:spcBef>
+                <a:spcPts val="1000"/>
+              </a:spcBef>
+              <a:buClr>
+                <a:schemeClr val="accent2"/>
+              </a:buClr>
+            </a:pPr>
+            <a:r>
+              <a:rPr lang="en-US" dirty="0">
                 <a:solidFill>
-                  <a:schemeClr val="tx2"/>
+                  <a:srgbClr val="FFFF00"/>
                 </a:solidFill>
+                <a:latin typeface="+mn-lt"/>
+                <a:ea typeface="+mn-ea"/>
+                <a:cs typeface="+mn-cs"/>
               </a:rPr>
               <a:t>Ai Solution</a:t>
             </a:r>
@@ -6774,6 +6238,709 @@
       </p:grpSpPr>
       <p:sp>
         <p:nvSpPr>
+          <p:cNvPr id="2" name="Title 1">
+            <a:extLst>
+              <a:ext uri="{FF2B5EF4-FFF2-40B4-BE49-F238E27FC236}">
+                <a16:creationId xmlns:a16="http://schemas.microsoft.com/office/drawing/2014/main" id="{0E5373EC-7B1F-4BC0-9199-54E6A7EDA737}"/>
+              </a:ext>
+            </a:extLst>
+          </p:cNvPr>
+          <p:cNvSpPr>
+            <a:spLocks noGrp="1"/>
+          </p:cNvSpPr>
+          <p:nvPr>
+            <p:ph type="title"/>
+          </p:nvPr>
+        </p:nvSpPr>
+        <p:spPr>
+          <a:xfrm>
+            <a:off x="1348161" y="308959"/>
+            <a:ext cx="4308560" cy="884642"/>
+          </a:xfrm>
+        </p:spPr>
+        <p:txBody>
+          <a:bodyPr>
+            <a:normAutofit fontScale="90000"/>
+          </a:bodyPr>
+          <a:lstStyle/>
+          <a:p>
+            <a:r>
+              <a:rPr lang="en-CA" dirty="0"/>
+              <a:t>Fire Detection-</a:t>
+            </a:r>
+            <a:br>
+              <a:rPr lang="en-CA" dirty="0"/>
+            </a:br>
+            <a:r>
+              <a:rPr lang="en-CA" dirty="0"/>
+              <a:t>Ai Agent</a:t>
+            </a:r>
+          </a:p>
+        </p:txBody>
+      </p:sp>
+      <p:pic>
+        <p:nvPicPr>
+          <p:cNvPr id="5" name="Content Placeholder 4">
+            <a:extLst>
+              <a:ext uri="{FF2B5EF4-FFF2-40B4-BE49-F238E27FC236}">
+                <a16:creationId xmlns:a16="http://schemas.microsoft.com/office/drawing/2014/main" id="{2AED4714-BAB3-4DC2-843C-477EADB4D166}"/>
+              </a:ext>
+            </a:extLst>
+          </p:cNvPr>
+          <p:cNvPicPr>
+            <a:picLocks noGrp="1" noChangeAspect="1"/>
+          </p:cNvPicPr>
+          <p:nvPr>
+            <p:ph idx="1"/>
+          </p:nvPr>
+        </p:nvPicPr>
+        <p:blipFill rotWithShape="1">
+          <a:blip r:embed="rId2"/>
+          <a:srcRect t="39174"/>
+          <a:stretch/>
+        </p:blipFill>
+        <p:spPr>
+          <a:xfrm>
+            <a:off x="6096000" y="135924"/>
+            <a:ext cx="5424999" cy="2175064"/>
+          </a:xfrm>
+        </p:spPr>
+      </p:pic>
+      <p:sp>
+        <p:nvSpPr>
+          <p:cNvPr id="10" name="TextBox 9">
+            <a:extLst>
+              <a:ext uri="{FF2B5EF4-FFF2-40B4-BE49-F238E27FC236}">
+                <a16:creationId xmlns:a16="http://schemas.microsoft.com/office/drawing/2014/main" id="{CDF2483F-BD28-4F95-9B44-A554C3597EDD}"/>
+              </a:ext>
+            </a:extLst>
+          </p:cNvPr>
+          <p:cNvSpPr txBox="1"/>
+          <p:nvPr/>
+        </p:nvSpPr>
+        <p:spPr>
+          <a:xfrm>
+            <a:off x="711393" y="2293571"/>
+            <a:ext cx="10809606" cy="975828"/>
+          </a:xfrm>
+          <a:prstGeom prst="rect">
+            <a:avLst/>
+          </a:prstGeom>
+        </p:spPr>
+        <p:txBody>
+          <a:bodyPr vert="horz" lIns="91440" tIns="45720" rIns="91440" bIns="45720" rtlCol="0" anchor="t">
+            <a:normAutofit lnSpcReduction="10000"/>
+          </a:bodyPr>
+          <a:lstStyle/>
+          <a:p>
+            <a:pPr marL="114300" defTabSz="914400">
+              <a:lnSpc>
+                <a:spcPct val="120000"/>
+              </a:lnSpc>
+              <a:spcAft>
+                <a:spcPts val="600"/>
+              </a:spcAft>
+              <a:buClr>
+                <a:schemeClr val="accent1"/>
+              </a:buClr>
+              <a:buSzPct val="100000"/>
+            </a:pPr>
+            <a:r>
+              <a:rPr lang="en-US" sz="2800" b="1" dirty="0">
+                <a:latin typeface="Calibri" panose="020F0502020204030204" pitchFamily="34" charset="0"/>
+                <a:cs typeface="Calibri" panose="020F0502020204030204" pitchFamily="34" charset="0"/>
+              </a:rPr>
+              <a:t>PEAS System: </a:t>
+            </a:r>
+            <a:r>
+              <a:rPr lang="en-US" dirty="0">
+                <a:latin typeface="Calibri" panose="020F0502020204030204" pitchFamily="34" charset="0"/>
+                <a:cs typeface="Calibri" panose="020F0502020204030204" pitchFamily="34" charset="0"/>
+              </a:rPr>
+              <a:t>It is used to categorize similar agents together. The PEAS system delivers the performance measure with respect to the environment, actuators and sensors of the respective agent. </a:t>
+            </a:r>
+          </a:p>
+          <a:p>
+            <a:pPr marL="114300" defTabSz="914400">
+              <a:lnSpc>
+                <a:spcPct val="120000"/>
+              </a:lnSpc>
+              <a:spcAft>
+                <a:spcPts val="600"/>
+              </a:spcAft>
+              <a:buClr>
+                <a:schemeClr val="accent1"/>
+              </a:buClr>
+              <a:buSzPct val="100000"/>
+            </a:pPr>
+            <a:endParaRPr lang="en-US" b="1" dirty="0">
+              <a:latin typeface="Calibri" panose="020F0502020204030204" pitchFamily="34" charset="0"/>
+              <a:cs typeface="Calibri" panose="020F0502020204030204" pitchFamily="34" charset="0"/>
+            </a:endParaRPr>
+          </a:p>
+        </p:txBody>
+      </p:sp>
+      <p:sp>
+        <p:nvSpPr>
+          <p:cNvPr id="12" name="TextBox 11">
+            <a:extLst>
+              <a:ext uri="{FF2B5EF4-FFF2-40B4-BE49-F238E27FC236}">
+                <a16:creationId xmlns:a16="http://schemas.microsoft.com/office/drawing/2014/main" id="{C34BF0C2-5743-410C-88D4-CE9678781BC9}"/>
+              </a:ext>
+            </a:extLst>
+          </p:cNvPr>
+          <p:cNvSpPr txBox="1"/>
+          <p:nvPr/>
+        </p:nvSpPr>
+        <p:spPr>
+          <a:xfrm>
+            <a:off x="657337" y="3269399"/>
+            <a:ext cx="4495431" cy="3080202"/>
+          </a:xfrm>
+          <a:prstGeom prst="rect">
+            <a:avLst/>
+          </a:prstGeom>
+          <a:noFill/>
+        </p:spPr>
+        <p:txBody>
+          <a:bodyPr wrap="square">
+            <a:spAutoFit/>
+          </a:bodyPr>
+          <a:lstStyle/>
+          <a:p>
+            <a:pPr marL="114300" defTabSz="914400">
+              <a:lnSpc>
+                <a:spcPct val="120000"/>
+              </a:lnSpc>
+              <a:spcAft>
+                <a:spcPts val="600"/>
+              </a:spcAft>
+              <a:buClr>
+                <a:schemeClr val="accent1"/>
+              </a:buClr>
+              <a:buSzPct val="100000"/>
+            </a:pPr>
+            <a:r>
+              <a:rPr lang="en-US" sz="2400" b="1" dirty="0">
+                <a:latin typeface="Calibri" panose="020F0502020204030204" pitchFamily="34" charset="0"/>
+                <a:cs typeface="Calibri" panose="020F0502020204030204" pitchFamily="34" charset="0"/>
+              </a:rPr>
+              <a:t>P- Performance Measures</a:t>
+            </a:r>
+          </a:p>
+          <a:p>
+            <a:pPr marL="114300" defTabSz="914400">
+              <a:lnSpc>
+                <a:spcPct val="120000"/>
+              </a:lnSpc>
+              <a:spcAft>
+                <a:spcPts val="600"/>
+              </a:spcAft>
+              <a:buClr>
+                <a:schemeClr val="accent1"/>
+              </a:buClr>
+              <a:buSzPct val="100000"/>
+            </a:pPr>
+            <a:r>
+              <a:rPr lang="en-US" dirty="0">
+                <a:latin typeface="Calibri" panose="020F0502020204030204" pitchFamily="34" charset="0"/>
+                <a:cs typeface="Calibri" panose="020F0502020204030204" pitchFamily="34" charset="0"/>
+              </a:rPr>
+              <a:t>The unit to define the success of an agent.</a:t>
+            </a:r>
+          </a:p>
+          <a:p>
+            <a:pPr marL="400050" indent="-285750" defTabSz="914400">
+              <a:lnSpc>
+                <a:spcPct val="120000"/>
+              </a:lnSpc>
+              <a:spcAft>
+                <a:spcPts val="600"/>
+              </a:spcAft>
+              <a:buClr>
+                <a:schemeClr val="accent1"/>
+              </a:buClr>
+              <a:buSzPct val="100000"/>
+              <a:buFont typeface="Arial" panose="020B0604020202020204" pitchFamily="34" charset="0"/>
+              <a:buChar char="•"/>
+            </a:pPr>
+            <a:r>
+              <a:rPr lang="en-US" dirty="0">
+                <a:latin typeface="Calibri" panose="020F0502020204030204" pitchFamily="34" charset="0"/>
+                <a:cs typeface="Calibri" panose="020F0502020204030204" pitchFamily="34" charset="0"/>
+              </a:rPr>
+              <a:t>Less Fire Damage</a:t>
+            </a:r>
+          </a:p>
+          <a:p>
+            <a:pPr marL="400050" indent="-285750" defTabSz="914400">
+              <a:lnSpc>
+                <a:spcPct val="120000"/>
+              </a:lnSpc>
+              <a:spcAft>
+                <a:spcPts val="600"/>
+              </a:spcAft>
+              <a:buClr>
+                <a:schemeClr val="accent1"/>
+              </a:buClr>
+              <a:buSzPct val="100000"/>
+              <a:buFont typeface="Arial" panose="020B0604020202020204" pitchFamily="34" charset="0"/>
+              <a:buChar char="•"/>
+            </a:pPr>
+            <a:r>
+              <a:rPr lang="en-US" dirty="0">
+                <a:solidFill>
+                  <a:srgbClr val="292929"/>
+                </a:solidFill>
+                <a:latin typeface="Calibri" panose="020F0502020204030204" pitchFamily="34" charset="0"/>
+                <a:cs typeface="Calibri" panose="020F0502020204030204" pitchFamily="34" charset="0"/>
+              </a:rPr>
+              <a:t>M</a:t>
+            </a:r>
+            <a:r>
+              <a:rPr lang="en-US" sz="1800" b="0" i="0" dirty="0">
+                <a:solidFill>
+                  <a:srgbClr val="292929"/>
+                </a:solidFill>
+                <a:effectLst/>
+                <a:latin typeface="Calibri" panose="020F0502020204030204" pitchFamily="34" charset="0"/>
+                <a:cs typeface="Calibri" panose="020F0502020204030204" pitchFamily="34" charset="0"/>
+              </a:rPr>
+              <a:t>anaging fire disasters on time</a:t>
+            </a:r>
+            <a:endParaRPr lang="en-US" dirty="0">
+              <a:solidFill>
+                <a:srgbClr val="292929"/>
+              </a:solidFill>
+              <a:latin typeface="Calibri" panose="020F0502020204030204" pitchFamily="34" charset="0"/>
+              <a:cs typeface="Calibri" panose="020F0502020204030204" pitchFamily="34" charset="0"/>
+            </a:endParaRPr>
+          </a:p>
+          <a:p>
+            <a:pPr marL="114300" defTabSz="914400">
+              <a:lnSpc>
+                <a:spcPct val="120000"/>
+              </a:lnSpc>
+              <a:spcAft>
+                <a:spcPts val="600"/>
+              </a:spcAft>
+              <a:buClr>
+                <a:schemeClr val="accent1"/>
+              </a:buClr>
+              <a:buSzPct val="100000"/>
+            </a:pPr>
+            <a:r>
+              <a:rPr lang="en-US" sz="2400" b="1" i="0" dirty="0">
+                <a:solidFill>
+                  <a:srgbClr val="292929"/>
+                </a:solidFill>
+                <a:effectLst/>
+                <a:latin typeface="Calibri" panose="020F0502020204030204" pitchFamily="34" charset="0"/>
+                <a:cs typeface="Calibri" panose="020F0502020204030204" pitchFamily="34" charset="0"/>
+              </a:rPr>
+              <a:t>E- </a:t>
+            </a:r>
+            <a:r>
+              <a:rPr lang="en-US" sz="2400" b="1" dirty="0">
+                <a:solidFill>
+                  <a:srgbClr val="292929"/>
+                </a:solidFill>
+                <a:latin typeface="Calibri" panose="020F0502020204030204" pitchFamily="34" charset="0"/>
+                <a:cs typeface="Calibri" panose="020F0502020204030204" pitchFamily="34" charset="0"/>
+              </a:rPr>
+              <a:t>Task environment</a:t>
+            </a:r>
+          </a:p>
+          <a:p>
+            <a:pPr marL="114300" defTabSz="914400">
+              <a:lnSpc>
+                <a:spcPct val="120000"/>
+              </a:lnSpc>
+              <a:spcAft>
+                <a:spcPts val="600"/>
+              </a:spcAft>
+              <a:buClr>
+                <a:schemeClr val="accent1"/>
+              </a:buClr>
+              <a:buSzPct val="100000"/>
+            </a:pPr>
+            <a:r>
+              <a:rPr lang="en-US" dirty="0">
+                <a:latin typeface="Calibri" panose="020F0502020204030204" pitchFamily="34" charset="0"/>
+                <a:cs typeface="Calibri" panose="020F0502020204030204" pitchFamily="34" charset="0"/>
+              </a:rPr>
+              <a:t>The surrounding of an agent at every instant.</a:t>
+            </a:r>
+          </a:p>
+          <a:p>
+            <a:pPr marL="400050" indent="-285750" defTabSz="914400">
+              <a:lnSpc>
+                <a:spcPct val="120000"/>
+              </a:lnSpc>
+              <a:spcAft>
+                <a:spcPts val="600"/>
+              </a:spcAft>
+              <a:buClr>
+                <a:schemeClr val="accent1"/>
+              </a:buClr>
+              <a:buSzPct val="100000"/>
+              <a:buFont typeface="Arial" panose="020B0604020202020204" pitchFamily="34" charset="0"/>
+              <a:buChar char="•"/>
+            </a:pPr>
+            <a:r>
+              <a:rPr lang="en-US" sz="1800" i="0" dirty="0">
+                <a:solidFill>
+                  <a:srgbClr val="292929"/>
+                </a:solidFill>
+                <a:effectLst/>
+                <a:latin typeface="Calibri" panose="020F0502020204030204" pitchFamily="34" charset="0"/>
+                <a:cs typeface="Calibri" panose="020F0502020204030204" pitchFamily="34" charset="0"/>
+              </a:rPr>
+              <a:t>Any habitual </a:t>
+            </a:r>
+            <a:r>
+              <a:rPr lang="en-US" dirty="0">
+                <a:solidFill>
+                  <a:srgbClr val="292929"/>
+                </a:solidFill>
+                <a:latin typeface="Calibri" panose="020F0502020204030204" pitchFamily="34" charset="0"/>
+                <a:cs typeface="Calibri" panose="020F0502020204030204" pitchFamily="34" charset="0"/>
+              </a:rPr>
+              <a:t>places</a:t>
+            </a:r>
+            <a:endParaRPr lang="en-US" sz="1800" i="0" dirty="0">
+              <a:solidFill>
+                <a:srgbClr val="292929"/>
+              </a:solidFill>
+              <a:effectLst/>
+              <a:latin typeface="Calibri" panose="020F0502020204030204" pitchFamily="34" charset="0"/>
+              <a:cs typeface="Calibri" panose="020F0502020204030204" pitchFamily="34" charset="0"/>
+            </a:endParaRPr>
+          </a:p>
+        </p:txBody>
+      </p:sp>
+      <p:sp>
+        <p:nvSpPr>
+          <p:cNvPr id="13" name="TextBox 12">
+            <a:extLst>
+              <a:ext uri="{FF2B5EF4-FFF2-40B4-BE49-F238E27FC236}">
+                <a16:creationId xmlns:a16="http://schemas.microsoft.com/office/drawing/2014/main" id="{806D939F-BAD8-4BC4-B965-318AA22A9169}"/>
+              </a:ext>
+            </a:extLst>
+          </p:cNvPr>
+          <p:cNvSpPr txBox="1"/>
+          <p:nvPr/>
+        </p:nvSpPr>
+        <p:spPr>
+          <a:xfrm>
+            <a:off x="4996438" y="3296530"/>
+            <a:ext cx="7624121" cy="3080202"/>
+          </a:xfrm>
+          <a:prstGeom prst="rect">
+            <a:avLst/>
+          </a:prstGeom>
+          <a:noFill/>
+        </p:spPr>
+        <p:txBody>
+          <a:bodyPr wrap="square">
+            <a:spAutoFit/>
+          </a:bodyPr>
+          <a:lstStyle/>
+          <a:p>
+            <a:pPr marL="114300" defTabSz="914400">
+              <a:lnSpc>
+                <a:spcPct val="120000"/>
+              </a:lnSpc>
+              <a:spcAft>
+                <a:spcPts val="600"/>
+              </a:spcAft>
+              <a:buClr>
+                <a:schemeClr val="accent1"/>
+              </a:buClr>
+              <a:buSzPct val="100000"/>
+            </a:pPr>
+            <a:r>
+              <a:rPr lang="en-US" sz="2400" b="1" dirty="0">
+                <a:latin typeface="Calibri" panose="020F0502020204030204" pitchFamily="34" charset="0"/>
+                <a:cs typeface="Calibri" panose="020F0502020204030204" pitchFamily="34" charset="0"/>
+              </a:rPr>
+              <a:t>A- Actuator : </a:t>
+            </a:r>
+            <a:r>
+              <a:rPr lang="en-US" dirty="0">
+                <a:latin typeface="Calibri" panose="020F0502020204030204" pitchFamily="34" charset="0"/>
+                <a:cs typeface="Calibri" panose="020F0502020204030204" pitchFamily="34" charset="0"/>
+              </a:rPr>
+              <a:t>Part of the agent that delivers the output of an action</a:t>
+            </a:r>
+          </a:p>
+          <a:p>
+            <a:pPr marL="400050" indent="-285750" defTabSz="914400">
+              <a:lnSpc>
+                <a:spcPct val="120000"/>
+              </a:lnSpc>
+              <a:spcAft>
+                <a:spcPts val="600"/>
+              </a:spcAft>
+              <a:buClr>
+                <a:schemeClr val="accent1"/>
+              </a:buClr>
+              <a:buSzPct val="100000"/>
+              <a:buFont typeface="Arial" panose="020B0604020202020204" pitchFamily="34" charset="0"/>
+              <a:buChar char="•"/>
+            </a:pPr>
+            <a:r>
+              <a:rPr lang="en-US" dirty="0">
+                <a:latin typeface="Calibri" panose="020F0502020204030204" pitchFamily="34" charset="0"/>
+                <a:cs typeface="Calibri" panose="020F0502020204030204" pitchFamily="34" charset="0"/>
+              </a:rPr>
+              <a:t>Immediate Alarming System</a:t>
+            </a:r>
+          </a:p>
+          <a:p>
+            <a:pPr marL="400050" indent="-285750" defTabSz="914400">
+              <a:lnSpc>
+                <a:spcPct val="120000"/>
+              </a:lnSpc>
+              <a:spcAft>
+                <a:spcPts val="600"/>
+              </a:spcAft>
+              <a:buClr>
+                <a:schemeClr val="accent1"/>
+              </a:buClr>
+              <a:buSzPct val="100000"/>
+              <a:buFont typeface="Arial" panose="020B0604020202020204" pitchFamily="34" charset="0"/>
+              <a:buChar char="•"/>
+            </a:pPr>
+            <a:r>
+              <a:rPr lang="en-US" dirty="0">
+                <a:solidFill>
+                  <a:srgbClr val="292929"/>
+                </a:solidFill>
+                <a:latin typeface="Calibri" panose="020F0502020204030204" pitchFamily="34" charset="0"/>
+                <a:cs typeface="Calibri" panose="020F0502020204030204" pitchFamily="34" charset="0"/>
+              </a:rPr>
+              <a:t>Online communication channel: Email notification, Sensor lightening</a:t>
+            </a:r>
+          </a:p>
+          <a:p>
+            <a:pPr marL="114300" defTabSz="914400">
+              <a:lnSpc>
+                <a:spcPct val="120000"/>
+              </a:lnSpc>
+              <a:spcAft>
+                <a:spcPts val="600"/>
+              </a:spcAft>
+              <a:buClr>
+                <a:schemeClr val="accent1"/>
+              </a:buClr>
+              <a:buSzPct val="100000"/>
+            </a:pPr>
+            <a:r>
+              <a:rPr lang="en-US" sz="2400" b="1" dirty="0">
+                <a:solidFill>
+                  <a:srgbClr val="292929"/>
+                </a:solidFill>
+                <a:latin typeface="Calibri" panose="020F0502020204030204" pitchFamily="34" charset="0"/>
+                <a:cs typeface="Calibri" panose="020F0502020204030204" pitchFamily="34" charset="0"/>
+              </a:rPr>
+              <a:t>S</a:t>
+            </a:r>
+            <a:r>
+              <a:rPr lang="en-US" sz="2400" b="1" i="0" dirty="0">
+                <a:solidFill>
+                  <a:srgbClr val="292929"/>
+                </a:solidFill>
+                <a:effectLst/>
+                <a:latin typeface="Calibri" panose="020F0502020204030204" pitchFamily="34" charset="0"/>
+                <a:cs typeface="Calibri" panose="020F0502020204030204" pitchFamily="34" charset="0"/>
+              </a:rPr>
+              <a:t>- </a:t>
+            </a:r>
+            <a:r>
+              <a:rPr lang="en-US" sz="2400" b="1" dirty="0">
+                <a:solidFill>
+                  <a:srgbClr val="292929"/>
+                </a:solidFill>
+                <a:latin typeface="Calibri" panose="020F0502020204030204" pitchFamily="34" charset="0"/>
+                <a:cs typeface="Calibri" panose="020F0502020204030204" pitchFamily="34" charset="0"/>
+              </a:rPr>
+              <a:t>Sensor</a:t>
+            </a:r>
+          </a:p>
+          <a:p>
+            <a:pPr marL="114300" defTabSz="914400">
+              <a:lnSpc>
+                <a:spcPct val="120000"/>
+              </a:lnSpc>
+              <a:spcAft>
+                <a:spcPts val="600"/>
+              </a:spcAft>
+              <a:buClr>
+                <a:schemeClr val="accent1"/>
+              </a:buClr>
+              <a:buSzPct val="100000"/>
+            </a:pPr>
+            <a:r>
+              <a:rPr lang="en-US" dirty="0">
+                <a:latin typeface="Calibri" panose="020F0502020204030204" pitchFamily="34" charset="0"/>
+                <a:cs typeface="Calibri" panose="020F0502020204030204" pitchFamily="34" charset="0"/>
+              </a:rPr>
+              <a:t>The receptive parts of an agent which takes in the input for the agent.</a:t>
+            </a:r>
+          </a:p>
+          <a:p>
+            <a:pPr marL="400050" indent="-285750" defTabSz="914400">
+              <a:lnSpc>
+                <a:spcPct val="120000"/>
+              </a:lnSpc>
+              <a:spcAft>
+                <a:spcPts val="600"/>
+              </a:spcAft>
+              <a:buClr>
+                <a:schemeClr val="accent1"/>
+              </a:buClr>
+              <a:buSzPct val="100000"/>
+              <a:buFont typeface="Arial" panose="020B0604020202020204" pitchFamily="34" charset="0"/>
+              <a:buChar char="•"/>
+            </a:pPr>
+            <a:r>
+              <a:rPr lang="en-US" sz="1800" i="0" dirty="0">
+                <a:solidFill>
+                  <a:srgbClr val="292929"/>
+                </a:solidFill>
+                <a:effectLst/>
+                <a:latin typeface="Calibri" panose="020F0502020204030204" pitchFamily="34" charset="0"/>
+                <a:cs typeface="Calibri" panose="020F0502020204030204" pitchFamily="34" charset="0"/>
+              </a:rPr>
+              <a:t>Surveillance Cameras</a:t>
+            </a:r>
+          </a:p>
+          <a:p>
+            <a:pPr marL="400050" indent="-285750" defTabSz="914400">
+              <a:lnSpc>
+                <a:spcPct val="120000"/>
+              </a:lnSpc>
+              <a:spcAft>
+                <a:spcPts val="600"/>
+              </a:spcAft>
+              <a:buClr>
+                <a:schemeClr val="accent1"/>
+              </a:buClr>
+              <a:buSzPct val="100000"/>
+              <a:buFont typeface="Arial" panose="020B0604020202020204" pitchFamily="34" charset="0"/>
+              <a:buChar char="•"/>
+            </a:pPr>
+            <a:endParaRPr lang="en-US" sz="1800" i="0" dirty="0">
+              <a:solidFill>
+                <a:srgbClr val="292929"/>
+              </a:solidFill>
+              <a:effectLst/>
+              <a:latin typeface="Calibri" panose="020F0502020204030204" pitchFamily="34" charset="0"/>
+              <a:cs typeface="Calibri" panose="020F0502020204030204" pitchFamily="34" charset="0"/>
+            </a:endParaRPr>
+          </a:p>
+        </p:txBody>
+      </p:sp>
+      <p:sp>
+        <p:nvSpPr>
+          <p:cNvPr id="14" name="TextBox 13">
+            <a:extLst>
+              <a:ext uri="{FF2B5EF4-FFF2-40B4-BE49-F238E27FC236}">
+                <a16:creationId xmlns:a16="http://schemas.microsoft.com/office/drawing/2014/main" id="{2582575E-7D3C-4DD0-9E1B-191751BD7912}"/>
+              </a:ext>
+            </a:extLst>
+          </p:cNvPr>
+          <p:cNvSpPr txBox="1"/>
+          <p:nvPr/>
+        </p:nvSpPr>
+        <p:spPr>
+          <a:xfrm>
+            <a:off x="538397" y="1308029"/>
+            <a:ext cx="5424999" cy="1145144"/>
+          </a:xfrm>
+          <a:prstGeom prst="rect">
+            <a:avLst/>
+          </a:prstGeom>
+        </p:spPr>
+        <p:txBody>
+          <a:bodyPr vert="horz" lIns="91440" tIns="45720" rIns="91440" bIns="45720" rtlCol="0" anchor="t">
+            <a:normAutofit fontScale="92500" lnSpcReduction="20000"/>
+          </a:bodyPr>
+          <a:lstStyle/>
+          <a:p>
+            <a:pPr marL="114300" algn="ctr" defTabSz="914400">
+              <a:lnSpc>
+                <a:spcPct val="120000"/>
+              </a:lnSpc>
+              <a:spcAft>
+                <a:spcPts val="600"/>
+              </a:spcAft>
+              <a:buClr>
+                <a:schemeClr val="accent1"/>
+              </a:buClr>
+              <a:buSzPct val="100000"/>
+            </a:pPr>
+            <a:r>
+              <a:rPr lang="en-US" sz="2200" dirty="0">
+                <a:latin typeface="Calibri" panose="020F0502020204030204" pitchFamily="34" charset="0"/>
+                <a:cs typeface="Calibri" panose="020F0502020204030204" pitchFamily="34" charset="0"/>
+              </a:rPr>
+              <a:t>Agent can be viewed anything which perceives its environment through Sensors &amp; act upon the environment through actuators </a:t>
+            </a:r>
+          </a:p>
+          <a:p>
+            <a:pPr marL="114300" defTabSz="914400">
+              <a:lnSpc>
+                <a:spcPct val="120000"/>
+              </a:lnSpc>
+              <a:spcAft>
+                <a:spcPts val="600"/>
+              </a:spcAft>
+              <a:buClr>
+                <a:schemeClr val="accent1"/>
+              </a:buClr>
+              <a:buSzPct val="100000"/>
+            </a:pPr>
+            <a:endParaRPr lang="en-US" b="1" dirty="0">
+              <a:latin typeface="Calibri" panose="020F0502020204030204" pitchFamily="34" charset="0"/>
+              <a:cs typeface="Calibri" panose="020F0502020204030204" pitchFamily="34" charset="0"/>
+            </a:endParaRPr>
+          </a:p>
+        </p:txBody>
+      </p:sp>
+    </p:spTree>
+    <p:extLst>
+      <p:ext uri="{BB962C8B-B14F-4D97-AF65-F5344CB8AC3E}">
+        <p14:creationId xmlns:p14="http://schemas.microsoft.com/office/powerpoint/2010/main" val="652358354"/>
+      </p:ext>
+    </p:extLst>
+  </p:cSld>
+  <p:clrMapOvr>
+    <a:masterClrMapping/>
+  </p:clrMapOvr>
+</p:sld>
+</file>
+
+<file path=ppt/slides/slide3.xml><?xml version="1.0" encoding="utf-8"?>
+<p:sld xmlns:a="http://schemas.openxmlformats.org/drawingml/2006/main" xmlns:r="http://schemas.openxmlformats.org/officeDocument/2006/relationships" xmlns:p="http://schemas.openxmlformats.org/presentationml/2006/main">
+  <p:cSld>
+    <p:spTree>
+      <p:nvGrpSpPr>
+        <p:cNvPr id="1" name=""/>
+        <p:cNvGrpSpPr/>
+        <p:nvPr/>
+      </p:nvGrpSpPr>
+      <p:grpSpPr>
+        <a:xfrm>
+          <a:off x="0" y="0"/>
+          <a:ext cx="0" cy="0"/>
+          <a:chOff x="0" y="0"/>
+          <a:chExt cx="0" cy="0"/>
+        </a:xfrm>
+      </p:grpSpPr>
+      <p:sp>
+        <p:nvSpPr>
           <p:cNvPr id="10" name="Title 1">
             <a:extLst>
               <a:ext uri="{FF2B5EF4-FFF2-40B4-BE49-F238E27FC236}">
@@ -6790,8 +6957,8 @@
         </p:nvSpPr>
         <p:spPr>
           <a:xfrm>
-            <a:off x="1491074" y="1142003"/>
-            <a:ext cx="5877751" cy="316668"/>
+            <a:off x="1178558" y="436459"/>
+            <a:ext cx="5877751" cy="493127"/>
           </a:xfrm>
         </p:spPr>
         <p:txBody>
@@ -6838,7 +7005,7 @@
         </p:blipFill>
         <p:spPr>
           <a:xfrm>
-            <a:off x="5716088" y="2054656"/>
+            <a:off x="4877139" y="929585"/>
             <a:ext cx="781283" cy="781283"/>
           </a:xfrm>
           <a:prstGeom prst="rect">
@@ -6877,7 +7044,7 @@
         </p:blipFill>
         <p:spPr>
           <a:xfrm>
-            <a:off x="5136293" y="1947920"/>
+            <a:off x="4238893" y="929586"/>
             <a:ext cx="781283" cy="781283"/>
           </a:xfrm>
           <a:prstGeom prst="rect">
@@ -6916,7 +7083,7 @@
         </p:blipFill>
         <p:spPr>
           <a:xfrm>
-            <a:off x="7391045" y="1999025"/>
+            <a:off x="6374690" y="929585"/>
             <a:ext cx="781283" cy="781283"/>
           </a:xfrm>
           <a:prstGeom prst="rect">
@@ -6937,13 +7104,13 @@
           <p:nvPr>
             <p:extLst>
               <p:ext uri="{D42A27DB-BD31-4B8C-83A1-F6EECF244321}">
-                <p14:modId xmlns:p14="http://schemas.microsoft.com/office/powerpoint/2010/main" val="2327605214"/>
+                <p14:modId xmlns:p14="http://schemas.microsoft.com/office/powerpoint/2010/main" val="392314757"/>
               </p:ext>
             </p:extLst>
           </p:nvPr>
         </p:nvGraphicFramePr>
         <p:xfrm>
-          <a:off x="1508413" y="2550412"/>
+          <a:off x="473569" y="1461706"/>
           <a:ext cx="8499676" cy="1361673"/>
         </p:xfrm>
         <a:graphic>
@@ -6983,7 +7150,7 @@
         </p:blipFill>
         <p:spPr>
           <a:xfrm>
-            <a:off x="3489685" y="2054655"/>
+            <a:off x="2402291" y="929586"/>
             <a:ext cx="781283" cy="781283"/>
           </a:xfrm>
           <a:prstGeom prst="rect">
@@ -6991,148 +7158,6 @@
           </a:prstGeom>
         </p:spPr>
       </p:pic>
-      <p:sp>
-        <p:nvSpPr>
-          <p:cNvPr id="16" name="Arrow: Down 15">
-            <a:extLst>
-              <a:ext uri="{FF2B5EF4-FFF2-40B4-BE49-F238E27FC236}">
-                <a16:creationId xmlns:a16="http://schemas.microsoft.com/office/drawing/2014/main" id="{8E8ACD6E-5FCF-458A-9F7F-09E37358A2DE}"/>
-              </a:ext>
-            </a:extLst>
-          </p:cNvPr>
-          <p:cNvSpPr/>
-          <p:nvPr/>
-        </p:nvSpPr>
-        <p:spPr>
-          <a:xfrm>
-            <a:off x="11107898" y="4472768"/>
-            <a:ext cx="814813" cy="1246733"/>
-          </a:xfrm>
-          <a:prstGeom prst="downArrow">
-            <a:avLst/>
-          </a:prstGeom>
-          <a:solidFill>
-            <a:srgbClr val="00B0F0"/>
-          </a:solidFill>
-          <a:ln>
-            <a:noFill/>
-          </a:ln>
-          <a:effectLst>
-            <a:outerShdw blurRad="44450" dist="27940" dir="5400000" algn="ctr">
-              <a:srgbClr val="000000">
-                <a:alpha val="32000"/>
-              </a:srgbClr>
-            </a:outerShdw>
-          </a:effectLst>
-          <a:scene3d>
-            <a:camera prst="orthographicFront">
-              <a:rot lat="0" lon="0" rev="0"/>
-            </a:camera>
-            <a:lightRig rig="balanced" dir="t">
-              <a:rot lat="0" lon="0" rev="8700000"/>
-            </a:lightRig>
-          </a:scene3d>
-          <a:sp3d>
-            <a:bevelT w="190500" h="38100"/>
-          </a:sp3d>
-        </p:spPr>
-        <p:style>
-          <a:lnRef idx="2">
-            <a:schemeClr val="accent1">
-              <a:shade val="50000"/>
-            </a:schemeClr>
-          </a:lnRef>
-          <a:fillRef idx="1">
-            <a:schemeClr val="accent1"/>
-          </a:fillRef>
-          <a:effectRef idx="0">
-            <a:schemeClr val="accent1"/>
-          </a:effectRef>
-          <a:fontRef idx="minor">
-            <a:schemeClr val="lt1"/>
-          </a:fontRef>
-        </p:style>
-        <p:txBody>
-          <a:bodyPr rtlCol="0" anchor="ctr"/>
-          <a:lstStyle/>
-          <a:p>
-            <a:pPr algn="ctr"/>
-            <a:endParaRPr lang="en-US"/>
-          </a:p>
-        </p:txBody>
-      </p:sp>
-      <p:sp>
-        <p:nvSpPr>
-          <p:cNvPr id="17" name="Arrow: Down 16">
-            <a:extLst>
-              <a:ext uri="{FF2B5EF4-FFF2-40B4-BE49-F238E27FC236}">
-                <a16:creationId xmlns:a16="http://schemas.microsoft.com/office/drawing/2014/main" id="{D34A431E-EF4F-460F-8245-EC7640F82892}"/>
-              </a:ext>
-            </a:extLst>
-          </p:cNvPr>
-          <p:cNvSpPr/>
-          <p:nvPr/>
-        </p:nvSpPr>
-        <p:spPr>
-          <a:xfrm rot="10800000">
-            <a:off x="11175243" y="2138876"/>
-            <a:ext cx="747468" cy="1246735"/>
-          </a:xfrm>
-          <a:prstGeom prst="downArrow">
-            <a:avLst/>
-          </a:prstGeom>
-          <a:solidFill>
-            <a:srgbClr val="FF0000"/>
-          </a:solidFill>
-          <a:ln>
-            <a:solidFill>
-              <a:srgbClr val="FF0000"/>
-            </a:solidFill>
-          </a:ln>
-          <a:effectLst>
-            <a:outerShdw blurRad="44450" dist="27940" dir="5400000" algn="ctr">
-              <a:srgbClr val="000000">
-                <a:alpha val="32000"/>
-              </a:srgbClr>
-            </a:outerShdw>
-          </a:effectLst>
-          <a:scene3d>
-            <a:camera prst="orthographicFront">
-              <a:rot lat="0" lon="0" rev="0"/>
-            </a:camera>
-            <a:lightRig rig="balanced" dir="t">
-              <a:rot lat="0" lon="0" rev="8700000"/>
-            </a:lightRig>
-          </a:scene3d>
-          <a:sp3d>
-            <a:bevelT w="190500" h="38100"/>
-          </a:sp3d>
-        </p:spPr>
-        <p:style>
-          <a:lnRef idx="2">
-            <a:schemeClr val="accent1">
-              <a:shade val="50000"/>
-            </a:schemeClr>
-          </a:lnRef>
-          <a:fillRef idx="1">
-            <a:schemeClr val="accent1"/>
-          </a:fillRef>
-          <a:effectRef idx="0">
-            <a:schemeClr val="accent1"/>
-          </a:effectRef>
-          <a:fontRef idx="minor">
-            <a:schemeClr val="lt1"/>
-          </a:fontRef>
-        </p:style>
-        <p:txBody>
-          <a:bodyPr rtlCol="0" anchor="ctr"/>
-          <a:lstStyle/>
-          <a:p>
-            <a:pPr algn="ctr"/>
-            <a:endParaRPr lang="en-US"/>
-          </a:p>
-        </p:txBody>
-      </p:sp>
       <p:sp>
         <p:nvSpPr>
           <p:cNvPr id="145" name="TextBox 144">
@@ -7147,8 +7172,8 @@
         </p:nvSpPr>
         <p:spPr>
           <a:xfrm>
-            <a:off x="1429348" y="3872049"/>
-            <a:ext cx="8976456" cy="1323439"/>
+            <a:off x="935078" y="2698157"/>
+            <a:ext cx="11013905" cy="3908762"/>
           </a:xfrm>
           <a:prstGeom prst="rect">
             <a:avLst/>
@@ -7162,22 +7187,155 @@
           <a:lstStyle/>
           <a:p>
             <a:r>
+              <a:rPr lang="en-CA" sz="2800" b="1" i="0" dirty="0">
+                <a:solidFill>
+                  <a:srgbClr val="24292E"/>
+                </a:solidFill>
+                <a:effectLst/>
+                <a:latin typeface="Calibri" panose="020F0502020204030204" pitchFamily="34" charset="0"/>
+                <a:cs typeface="Calibri" panose="020F0502020204030204" pitchFamily="34" charset="0"/>
+              </a:rPr>
+              <a:t>Fire-Flame-Dataset</a:t>
+            </a:r>
+            <a:r>
+              <a:rPr lang="en-CA" sz="2000" b="1" i="0" dirty="0">
+                <a:solidFill>
+                  <a:srgbClr val="24292E"/>
+                </a:solidFill>
+                <a:effectLst/>
+                <a:latin typeface="Calibri" panose="020F0502020204030204" pitchFamily="34" charset="0"/>
+                <a:cs typeface="Calibri" panose="020F0502020204030204" pitchFamily="34" charset="0"/>
+              </a:rPr>
+              <a:t>: </a:t>
+            </a:r>
+          </a:p>
+          <a:p>
+            <a:r>
               <a:rPr lang="en-US" sz="2000" b="0" i="0" dirty="0">
+                <a:solidFill>
+                  <a:srgbClr val="24292E"/>
+                </a:solidFill>
+                <a:effectLst/>
+                <a:latin typeface="Calibri" panose="020F0502020204030204" pitchFamily="34" charset="0"/>
+                <a:cs typeface="Calibri" panose="020F0502020204030204" pitchFamily="34" charset="0"/>
+              </a:rPr>
+              <a:t>An image dataset for training fire and frame detection AI</a:t>
+            </a:r>
+            <a:r>
+              <a:rPr lang="en-US" sz="2000" dirty="0">
+                <a:latin typeface="Calibri" panose="020F0502020204030204" pitchFamily="34" charset="0"/>
+                <a:cs typeface="Calibri" panose="020F0502020204030204" pitchFamily="34" charset="0"/>
+              </a:rPr>
+              <a:t>. It is</a:t>
+            </a:r>
+            <a:r>
+              <a:rPr lang="en-US" sz="2000" b="0" i="0" dirty="0">
+                <a:solidFill>
+                  <a:srgbClr val="24292E"/>
+                </a:solidFill>
+                <a:effectLst/>
+                <a:latin typeface="Calibri" panose="020F0502020204030204" pitchFamily="34" charset="0"/>
+                <a:cs typeface="Calibri" panose="020F0502020204030204" pitchFamily="34" charset="0"/>
+              </a:rPr>
+              <a:t> collected in order to train machine learning model to recognize Fire, smoke, and neutral(images without fire or smoke).This a dataset containing about 3000 images and 3 classes which include:</a:t>
+            </a:r>
+          </a:p>
+          <a:p>
+            <a:pPr algn="l">
+              <a:buFont typeface="Arial" panose="020B0604020202020204" pitchFamily="34" charset="0"/>
+              <a:buChar char="•"/>
+            </a:pPr>
+            <a:r>
+              <a:rPr lang="en-US" sz="2000" b="1" i="0" dirty="0">
+                <a:solidFill>
+                  <a:srgbClr val="24292E"/>
+                </a:solidFill>
+                <a:effectLst/>
+                <a:latin typeface="Calibri" panose="020F0502020204030204" pitchFamily="34" charset="0"/>
+                <a:cs typeface="Calibri" panose="020F0502020204030204" pitchFamily="34" charset="0"/>
+              </a:rPr>
+              <a:t>Fire</a:t>
+            </a:r>
+          </a:p>
+          <a:p>
+            <a:pPr algn="l">
+              <a:buFont typeface="Arial" panose="020B0604020202020204" pitchFamily="34" charset="0"/>
+              <a:buChar char="•"/>
+            </a:pPr>
+            <a:r>
+              <a:rPr lang="en-US" sz="2000" b="1" i="0" dirty="0">
+                <a:solidFill>
+                  <a:srgbClr val="24292E"/>
+                </a:solidFill>
+                <a:effectLst/>
+                <a:latin typeface="Calibri" panose="020F0502020204030204" pitchFamily="34" charset="0"/>
+                <a:cs typeface="Calibri" panose="020F0502020204030204" pitchFamily="34" charset="0"/>
+              </a:rPr>
+              <a:t>Smoke</a:t>
+            </a:r>
+          </a:p>
+          <a:p>
+            <a:pPr algn="l">
+              <a:buFont typeface="Arial" panose="020B0604020202020204" pitchFamily="34" charset="0"/>
+              <a:buChar char="•"/>
+            </a:pPr>
+            <a:r>
+              <a:rPr lang="en-US" sz="2000" b="1" i="0" dirty="0">
+                <a:solidFill>
+                  <a:srgbClr val="24292E"/>
+                </a:solidFill>
+                <a:effectLst/>
+                <a:latin typeface="Calibri" panose="020F0502020204030204" pitchFamily="34" charset="0"/>
+                <a:cs typeface="Calibri" panose="020F0502020204030204" pitchFamily="34" charset="0"/>
+              </a:rPr>
+              <a:t>neutral</a:t>
+            </a:r>
+          </a:p>
+          <a:p>
+            <a:r>
+              <a:rPr lang="en-US" sz="2000" b="0" i="0" dirty="0">
+                <a:solidFill>
+                  <a:srgbClr val="24292E"/>
+                </a:solidFill>
                 <a:effectLst/>
                 <a:latin typeface="-apple-system"/>
               </a:rPr>
-              <a:t>We are going to use an image dataset for training fire and frame detection. We will implement and see its output and limitations and create a customized model. To balance the efficiency and accuracy, the model </a:t>
+              <a:t>There are 1000 images in each category and 900 for train and 100 for testing</a:t>
+            </a:r>
+            <a:endParaRPr lang="en-US" sz="2000" b="0" i="0" dirty="0">
+              <a:effectLst/>
+              <a:latin typeface="Calibri" panose="020F0502020204030204" pitchFamily="34" charset="0"/>
+              <a:cs typeface="Calibri" panose="020F0502020204030204" pitchFamily="34" charset="0"/>
+            </a:endParaRPr>
+          </a:p>
+          <a:p>
+            <a:endParaRPr lang="en-US" sz="2000" b="0" i="0" dirty="0">
+              <a:effectLst/>
+              <a:latin typeface="Calibri" panose="020F0502020204030204" pitchFamily="34" charset="0"/>
+              <a:cs typeface="Calibri" panose="020F0502020204030204" pitchFamily="34" charset="0"/>
+            </a:endParaRPr>
+          </a:p>
+          <a:p>
+            <a:r>
+              <a:rPr lang="en-US" sz="2000" b="0" i="0" dirty="0">
+                <a:effectLst/>
+                <a:latin typeface="Calibri" panose="020F0502020204030204" pitchFamily="34" charset="0"/>
+                <a:cs typeface="Calibri" panose="020F0502020204030204" pitchFamily="34" charset="0"/>
+              </a:rPr>
+              <a:t>We will implement and see its output and limitations and create a customized model. To balance the efficiency and accuracy, the model </a:t>
             </a:r>
             <a:r>
               <a:rPr lang="en-US" sz="2000" dirty="0">
-                <a:latin typeface="-apple-system"/>
+                <a:latin typeface="Calibri" panose="020F0502020204030204" pitchFamily="34" charset="0"/>
+                <a:cs typeface="Calibri" panose="020F0502020204030204" pitchFamily="34" charset="0"/>
               </a:rPr>
               <a:t>would be created</a:t>
             </a:r>
             <a:r>
               <a:rPr lang="en-US" sz="2000" b="0" i="0" dirty="0">
                 <a:effectLst/>
-                <a:latin typeface="-apple-system"/>
+                <a:latin typeface="Calibri" panose="020F0502020204030204" pitchFamily="34" charset="0"/>
+                <a:cs typeface="Calibri" panose="020F0502020204030204" pitchFamily="34" charset="0"/>
               </a:rPr>
               <a:t> to fine-tune the nature of the target problem and fire data. </a:t>
             </a:r>
@@ -7197,7 +7355,7 @@
 </p:sld>
 </file>
 
-<file path=ppt/slides/slide3.xml><?xml version="1.0" encoding="utf-8"?>
+<file path=ppt/slides/slide4.xml><?xml version="1.0" encoding="utf-8"?>
 <p:sld xmlns:a="http://schemas.openxmlformats.org/drawingml/2006/main" xmlns:r="http://schemas.openxmlformats.org/officeDocument/2006/relationships" xmlns:p="http://schemas.openxmlformats.org/presentationml/2006/main">
   <p:cSld>
     <p:bg>
@@ -7238,114 +7396,6 @@
           <a:chExt cx="0" cy="0"/>
         </a:xfrm>
       </p:grpSpPr>
-      <p:sp useBgFill="1">
-        <p:nvSpPr>
-          <p:cNvPr id="39" name="Rectangle 38">
-            <a:extLst>
-              <a:ext uri="{FF2B5EF4-FFF2-40B4-BE49-F238E27FC236}">
-                <a16:creationId xmlns:a16="http://schemas.microsoft.com/office/drawing/2014/main" id="{742C14A9-3617-46DD-9FC4-ED828A7D3E6F}"/>
-              </a:ext>
-              <a:ext uri="{C183D7F6-B498-43B3-948B-1728B52AA6E4}">
-                <adec:decorative xmlns:adec="http://schemas.microsoft.com/office/drawing/2017/decorative" val="1"/>
-              </a:ext>
-            </a:extLst>
-          </p:cNvPr>
-          <p:cNvSpPr>
-            <a:spLocks noGrp="1" noRot="1" noChangeAspect="1" noMove="1" noResize="1" noEditPoints="1" noAdjustHandles="1" noChangeArrowheads="1" noChangeShapeType="1" noTextEdit="1"/>
-          </p:cNvSpPr>
-          <p:nvPr>
-            <p:extLst>
-              <p:ext uri="{386F3935-93C4-4BCD-93E2-E3B085C9AB24}">
-                <p16:designElem xmlns:p16="http://schemas.microsoft.com/office/powerpoint/2015/main" val="1"/>
-              </p:ext>
-            </p:extLst>
-          </p:nvPr>
-        </p:nvSpPr>
-        <p:spPr>
-          <a:xfrm>
-            <a:off x="2" y="0"/>
-            <a:ext cx="12191695" cy="6858000"/>
-          </a:xfrm>
-          <a:prstGeom prst="rect">
-            <a:avLst/>
-          </a:prstGeom>
-          <a:ln>
-            <a:noFill/>
-          </a:ln>
-        </p:spPr>
-        <p:style>
-          <a:lnRef idx="2">
-            <a:schemeClr val="accent1">
-              <a:shade val="50000"/>
-            </a:schemeClr>
-          </a:lnRef>
-          <a:fillRef idx="1">
-            <a:schemeClr val="accent1"/>
-          </a:fillRef>
-          <a:effectRef idx="0">
-            <a:schemeClr val="accent1"/>
-          </a:effectRef>
-          <a:fontRef idx="minor">
-            <a:schemeClr val="lt1"/>
-          </a:fontRef>
-        </p:style>
-        <p:txBody>
-          <a:bodyPr rtlCol="0" anchor="ctr"/>
-          <a:lstStyle/>
-          <a:p>
-            <a:pPr algn="ctr"/>
-            <a:endParaRPr lang="en-US"/>
-          </a:p>
-        </p:txBody>
-      </p:sp>
-      <p:cxnSp>
-        <p:nvCxnSpPr>
-          <p:cNvPr id="41" name="Straight Connector 40">
-            <a:extLst>
-              <a:ext uri="{FF2B5EF4-FFF2-40B4-BE49-F238E27FC236}">
-                <a16:creationId xmlns:a16="http://schemas.microsoft.com/office/drawing/2014/main" id="{19AB0109-1C89-41F0-9EDF-3DE017BE3F27}"/>
-              </a:ext>
-              <a:ext uri="{C183D7F6-B498-43B3-948B-1728B52AA6E4}">
-                <adec:decorative xmlns:adec="http://schemas.microsoft.com/office/drawing/2017/decorative" val="1"/>
-              </a:ext>
-            </a:extLst>
-          </p:cNvPr>
-          <p:cNvCxnSpPr>
-            <a:cxnSpLocks noGrp="1" noRot="1" noChangeAspect="1" noMove="1" noResize="1" noEditPoints="1" noAdjustHandles="1" noChangeArrowheads="1" noChangeShapeType="1"/>
-          </p:cNvCxnSpPr>
-          <p:nvPr>
-            <p:extLst>
-              <p:ext uri="{386F3935-93C4-4BCD-93E2-E3B085C9AB24}">
-                <p16:designElem xmlns:p16="http://schemas.microsoft.com/office/powerpoint/2015/main" val="1"/>
-              </p:ext>
-            </p:extLst>
-          </p:nvPr>
-        </p:nvCxnSpPr>
-        <p:spPr>
-          <a:xfrm>
-            <a:off x="1453897" y="1847088"/>
-            <a:ext cx="5548039" cy="0"/>
-          </a:xfrm>
-          <a:prstGeom prst="line">
-            <a:avLst/>
-          </a:prstGeom>
-          <a:ln w="31750"/>
-        </p:spPr>
-        <p:style>
-          <a:lnRef idx="3">
-            <a:schemeClr val="accent1"/>
-          </a:lnRef>
-          <a:fillRef idx="0">
-            <a:schemeClr val="accent1"/>
-          </a:fillRef>
-          <a:effectRef idx="2">
-            <a:schemeClr val="accent1"/>
-          </a:effectRef>
-          <a:fontRef idx="minor">
-            <a:schemeClr val="tx1"/>
-          </a:fontRef>
-        </p:style>
-      </p:cxnSp>
       <p:sp>
         <p:nvSpPr>
           <p:cNvPr id="13" name="Title 1">
@@ -7364,8 +7414,8 @@
         </p:nvSpPr>
         <p:spPr>
           <a:xfrm>
-            <a:off x="1453897" y="804519"/>
-            <a:ext cx="5548039" cy="1049235"/>
+            <a:off x="1923631" y="233215"/>
+            <a:ext cx="7613439" cy="624321"/>
           </a:xfrm>
         </p:spPr>
         <p:txBody>
@@ -7375,83 +7425,12 @@
           <a:lstStyle/>
           <a:p>
             <a:r>
-              <a:rPr lang="en-US" dirty="0"/>
+              <a:rPr lang="en-US" dirty="0">
+                <a:latin typeface="Calibri" panose="020F0502020204030204" pitchFamily="34" charset="0"/>
+                <a:cs typeface="Calibri" panose="020F0502020204030204" pitchFamily="34" charset="0"/>
+              </a:rPr>
               <a:t>Machine Learning Component</a:t>
             </a:r>
-          </a:p>
-        </p:txBody>
-      </p:sp>
-      <p:sp>
-        <p:nvSpPr>
-          <p:cNvPr id="43" name="Rectangle 42">
-            <a:extLst>
-              <a:ext uri="{FF2B5EF4-FFF2-40B4-BE49-F238E27FC236}">
-                <a16:creationId xmlns:a16="http://schemas.microsoft.com/office/drawing/2014/main" id="{19E5CB6C-D5A1-44AB-BAD0-E76C67ED2802}"/>
-              </a:ext>
-              <a:ext uri="{C183D7F6-B498-43B3-948B-1728B52AA6E4}">
-                <adec:decorative xmlns:adec="http://schemas.microsoft.com/office/drawing/2017/decorative" val="1"/>
-              </a:ext>
-            </a:extLst>
-          </p:cNvPr>
-          <p:cNvSpPr>
-            <a:spLocks noGrp="1" noRot="1" noChangeAspect="1" noMove="1" noResize="1" noEditPoints="1" noAdjustHandles="1" noChangeArrowheads="1" noChangeShapeType="1" noTextEdit="1"/>
-          </p:cNvSpPr>
-          <p:nvPr>
-            <p:extLst>
-              <p:ext uri="{386F3935-93C4-4BCD-93E2-E3B085C9AB24}">
-                <p16:designElem xmlns:p16="http://schemas.microsoft.com/office/powerpoint/2015/main" val="1"/>
-              </p:ext>
-            </p:extLst>
-          </p:nvPr>
-        </p:nvSpPr>
-        <p:spPr>
-          <a:xfrm>
-            <a:off x="0" y="2019476"/>
-            <a:ext cx="12192000" cy="4105941"/>
-          </a:xfrm>
-          <a:prstGeom prst="rect">
-            <a:avLst/>
-          </a:prstGeom>
-          <a:gradFill flip="none" rotWithShape="1">
-            <a:gsLst>
-              <a:gs pos="0">
-                <a:schemeClr val="bg2">
-                  <a:alpha val="0"/>
-                </a:schemeClr>
-              </a:gs>
-              <a:gs pos="100000">
-                <a:schemeClr val="bg2"/>
-              </a:gs>
-            </a:gsLst>
-            <a:lin ang="5400000" scaled="0"/>
-            <a:tileRect/>
-          </a:gradFill>
-          <a:ln>
-            <a:noFill/>
-          </a:ln>
-        </p:spPr>
-        <p:style>
-          <a:lnRef idx="2">
-            <a:schemeClr val="accent1">
-              <a:shade val="50000"/>
-            </a:schemeClr>
-          </a:lnRef>
-          <a:fillRef idx="1">
-            <a:schemeClr val="accent1"/>
-          </a:fillRef>
-          <a:effectRef idx="0">
-            <a:schemeClr val="accent1"/>
-          </a:effectRef>
-          <a:fontRef idx="minor">
-            <a:schemeClr val="lt1"/>
-          </a:fontRef>
-        </p:style>
-        <p:txBody>
-          <a:bodyPr rtlCol="0" anchor="ctr"/>
-          <a:lstStyle/>
-          <a:p>
-            <a:pPr lvl="0" algn="ctr"/>
-            <a:endParaRPr lang="en-US"/>
           </a:p>
         </p:txBody>
       </p:sp>
@@ -7469,8 +7448,8 @@
         </p:nvSpPr>
         <p:spPr>
           <a:xfrm>
-            <a:off x="328333" y="1964727"/>
-            <a:ext cx="7414884" cy="1915408"/>
+            <a:off x="342700" y="951470"/>
+            <a:ext cx="11655711" cy="2360254"/>
           </a:xfrm>
           <a:prstGeom prst="rect">
             <a:avLst/>
@@ -7478,11 +7457,11 @@
         </p:spPr>
         <p:txBody>
           <a:bodyPr vert="horz" lIns="91440" tIns="45720" rIns="91440" bIns="45720" rtlCol="0" anchor="t">
-            <a:normAutofit/>
+            <a:normAutofit fontScale="92500"/>
           </a:bodyPr>
           <a:lstStyle/>
           <a:p>
-            <a:pPr marL="342900" indent="-228600" defTabSz="914400">
+            <a:pPr marL="457200" indent="-342900" defTabSz="914400">
               <a:lnSpc>
                 <a:spcPct val="120000"/>
               </a:lnSpc>
@@ -7497,42 +7476,82 @@
               <a:buChar char="•"/>
             </a:pPr>
             <a:r>
-              <a:rPr lang="en-US" dirty="0"/>
-              <a:t>We will train a Deep Learning model for Detection of fire using Python. We will use the TensorFlow, InceptionV3 model from the KERAS API  and KERAS library in Python. Inceptionv3 is a convolutional neural network for assisting in image analysis. Inception helps classification of objects in the world of computer vision. </a:t>
+              <a:rPr lang="en-US" sz="2400" dirty="0">
+                <a:latin typeface="Calibri" panose="020F0502020204030204" pitchFamily="34" charset="0"/>
+                <a:cs typeface="Calibri" panose="020F0502020204030204" pitchFamily="34" charset="0"/>
+              </a:rPr>
+              <a:t>We will train a Deep Learning model for Detection of fire using Python platform. </a:t>
+            </a:r>
+          </a:p>
+          <a:p>
+            <a:pPr marL="457200" indent="-342900" defTabSz="914400">
+              <a:lnSpc>
+                <a:spcPct val="120000"/>
+              </a:lnSpc>
+              <a:spcAft>
+                <a:spcPts val="600"/>
+              </a:spcAft>
+              <a:buClr>
+                <a:schemeClr val="accent1"/>
+              </a:buClr>
+              <a:buSzPct val="100000"/>
+              <a:buFont typeface="Arial" panose="020B0604020202020204" pitchFamily="34" charset="0"/>
+              <a:buChar char="•"/>
+            </a:pPr>
+            <a:r>
+              <a:rPr lang="en-US" sz="2400" dirty="0">
+                <a:latin typeface="Calibri" panose="020F0502020204030204" pitchFamily="34" charset="0"/>
+                <a:cs typeface="Calibri" panose="020F0502020204030204" pitchFamily="34" charset="0"/>
+              </a:rPr>
+              <a:t>We will use the TensorFlow, and several libraries required from the KERAS API  and libraries.</a:t>
+            </a:r>
+          </a:p>
+          <a:p>
+            <a:pPr marL="457200" indent="-342900" defTabSz="914400">
+              <a:lnSpc>
+                <a:spcPct val="120000"/>
+              </a:lnSpc>
+              <a:spcAft>
+                <a:spcPts val="600"/>
+              </a:spcAft>
+              <a:buClr>
+                <a:schemeClr val="accent1"/>
+              </a:buClr>
+              <a:buSzPct val="100000"/>
+              <a:buFont typeface="Arial" panose="020B0604020202020204" pitchFamily="34" charset="0"/>
+              <a:buChar char="•"/>
+            </a:pPr>
+            <a:r>
+              <a:rPr lang="en-US" sz="3500" b="1" dirty="0">
+                <a:latin typeface="Calibri" panose="020F0502020204030204" pitchFamily="34" charset="0"/>
+                <a:cs typeface="Calibri" panose="020F0502020204030204" pitchFamily="34" charset="0"/>
+              </a:rPr>
+              <a:t>Inceptionv3</a:t>
+            </a:r>
+            <a:r>
+              <a:rPr lang="en-US" sz="2400" dirty="0">
+                <a:latin typeface="Calibri" panose="020F0502020204030204" pitchFamily="34" charset="0"/>
+                <a:cs typeface="Calibri" panose="020F0502020204030204" pitchFamily="34" charset="0"/>
+              </a:rPr>
+              <a:t> is a convolutional neural network (CNN) for assisting in image analysis. And classification of  situation (of Fire in our case) in the world of </a:t>
+            </a:r>
+            <a:r>
+              <a:rPr lang="en-US" sz="3200" b="1" dirty="0">
+                <a:latin typeface="Calibri" panose="020F0502020204030204" pitchFamily="34" charset="0"/>
+                <a:cs typeface="Calibri" panose="020F0502020204030204" pitchFamily="34" charset="0"/>
+              </a:rPr>
+              <a:t>Computer Vision</a:t>
+            </a:r>
+            <a:r>
+              <a:rPr lang="en-US" sz="2400" dirty="0">
+                <a:latin typeface="Calibri" panose="020F0502020204030204" pitchFamily="34" charset="0"/>
+                <a:cs typeface="Calibri" panose="020F0502020204030204" pitchFamily="34" charset="0"/>
+              </a:rPr>
+              <a:t>. </a:t>
             </a:r>
           </a:p>
         </p:txBody>
       </p:sp>
-      <p:pic>
-        <p:nvPicPr>
-          <p:cNvPr id="4" name="Picture 3">
-            <a:extLst>
-              <a:ext uri="{FF2B5EF4-FFF2-40B4-BE49-F238E27FC236}">
-                <a16:creationId xmlns:a16="http://schemas.microsoft.com/office/drawing/2014/main" id="{7002DEFC-A2C4-452A-983C-B5423857CC73}"/>
-              </a:ext>
-            </a:extLst>
-          </p:cNvPr>
-          <p:cNvPicPr>
-            <a:picLocks noChangeAspect="1"/>
-          </p:cNvPicPr>
-          <p:nvPr/>
-        </p:nvPicPr>
-        <p:blipFill>
-          <a:blip r:embed="rId2"/>
-          <a:stretch>
-            <a:fillRect/>
-          </a:stretch>
-        </p:blipFill>
-        <p:spPr>
-          <a:xfrm>
-            <a:off x="8455831" y="247909"/>
-            <a:ext cx="2963274" cy="2162454"/>
-          </a:xfrm>
-          <a:prstGeom prst="rect">
-            <a:avLst/>
-          </a:prstGeom>
-        </p:spPr>
-      </p:pic>
       <p:pic>
         <p:nvPicPr>
           <p:cNvPr id="6" name="Picture 5">
@@ -7546,7 +7565,7 @@
           <p:nvPr/>
         </p:nvPicPr>
         <p:blipFill>
-          <a:blip r:embed="rId3">
+          <a:blip r:embed="rId2">
             <a:extLst>
               <a:ext uri="{28A0092B-C50C-407E-A947-70E740481C1C}">
                 <a14:useLocalDpi xmlns:a14="http://schemas.microsoft.com/office/drawing/2010/main" val="0"/>
@@ -7559,136 +7578,8 @@
         </p:blipFill>
         <p:spPr>
           <a:xfrm>
-            <a:off x="704065" y="3761834"/>
-            <a:ext cx="6692157" cy="2264945"/>
-          </a:xfrm>
-          <a:prstGeom prst="rect">
-            <a:avLst/>
-          </a:prstGeom>
-        </p:spPr>
-      </p:pic>
-      <p:pic>
-        <p:nvPicPr>
-          <p:cNvPr id="45" name="Picture 44">
-            <a:extLst>
-              <a:ext uri="{FF2B5EF4-FFF2-40B4-BE49-F238E27FC236}">
-                <a16:creationId xmlns:a16="http://schemas.microsoft.com/office/drawing/2014/main" id="{D5A16967-5C32-4A48-9F02-4F0228AC8DBA}"/>
-              </a:ext>
-              <a:ext uri="{C183D7F6-B498-43B3-948B-1728B52AA6E4}">
-                <adec:decorative xmlns:adec="http://schemas.microsoft.com/office/drawing/2017/decorative" val="1"/>
-              </a:ext>
-            </a:extLst>
-          </p:cNvPr>
-          <p:cNvPicPr>
-            <a:picLocks noGrp="1" noRot="1" noChangeAspect="1" noMove="1" noResize="1" noEditPoints="1" noAdjustHandles="1" noChangeArrowheads="1" noChangeShapeType="1" noCrop="1"/>
-          </p:cNvPicPr>
-          <p:nvPr>
-            <p:extLst>
-              <p:ext uri="{386F3935-93C4-4BCD-93E2-E3B085C9AB24}">
-                <p16:designElem xmlns:p16="http://schemas.microsoft.com/office/powerpoint/2015/main" val="1"/>
-              </p:ext>
-            </p:extLst>
-          </p:nvPr>
-        </p:nvPicPr>
-        <p:blipFill rotWithShape="1">
-          <a:blip r:embed="rId4">
-            <a:extLst>
-              <a:ext uri="{28A0092B-C50C-407E-A947-70E740481C1C}">
-                <a14:useLocalDpi xmlns:a14="http://schemas.microsoft.com/office/drawing/2010/main" val="0"/>
-              </a:ext>
-            </a:extLst>
-          </a:blip>
-          <a:srcRect t="1538" b="-1538"/>
-          <a:stretch/>
-        </p:blipFill>
-        <p:spPr bwMode="black">
-          <a:xfrm>
-            <a:off x="0" y="6126480"/>
-            <a:ext cx="12192000" cy="742950"/>
-          </a:xfrm>
-          <a:prstGeom prst="rect">
-            <a:avLst/>
-          </a:prstGeom>
-        </p:spPr>
-      </p:pic>
-      <p:cxnSp>
-        <p:nvCxnSpPr>
-          <p:cNvPr id="47" name="Straight Connector 46">
-            <a:extLst>
-              <a:ext uri="{FF2B5EF4-FFF2-40B4-BE49-F238E27FC236}">
-                <a16:creationId xmlns:a16="http://schemas.microsoft.com/office/drawing/2014/main" id="{942D078B-EF20-4DB1-AA1B-87F212C56A9A}"/>
-              </a:ext>
-              <a:ext uri="{C183D7F6-B498-43B3-948B-1728B52AA6E4}">
-                <adec:decorative xmlns:adec="http://schemas.microsoft.com/office/drawing/2017/decorative" val="1"/>
-              </a:ext>
-            </a:extLst>
-          </p:cNvPr>
-          <p:cNvCxnSpPr>
-            <a:cxnSpLocks noGrp="1" noRot="1" noChangeAspect="1" noMove="1" noResize="1" noEditPoints="1" noAdjustHandles="1" noChangeArrowheads="1" noChangeShapeType="1"/>
-          </p:cNvCxnSpPr>
-          <p:nvPr>
-            <p:extLst>
-              <p:ext uri="{386F3935-93C4-4BCD-93E2-E3B085C9AB24}">
-                <p16:designElem xmlns:p16="http://schemas.microsoft.com/office/powerpoint/2015/main" val="1"/>
-              </p:ext>
-            </p:extLst>
-          </p:nvPr>
-        </p:nvCxnSpPr>
-        <p:spPr>
-          <a:xfrm>
-            <a:off x="0" y="6128413"/>
-            <a:ext cx="12192000" cy="0"/>
-          </a:xfrm>
-          <a:prstGeom prst="line">
-            <a:avLst/>
-          </a:prstGeom>
-          <a:ln w="12700">
-            <a:solidFill>
-              <a:srgbClr val="000001">
-                <a:alpha val="20000"/>
-              </a:srgbClr>
-            </a:solidFill>
-          </a:ln>
-        </p:spPr>
-        <p:style>
-          <a:lnRef idx="1">
-            <a:schemeClr val="accent1"/>
-          </a:lnRef>
-          <a:fillRef idx="0">
-            <a:schemeClr val="accent1"/>
-          </a:fillRef>
-          <a:effectRef idx="0">
-            <a:schemeClr val="accent1"/>
-          </a:effectRef>
-          <a:fontRef idx="minor">
-            <a:schemeClr val="tx1"/>
-          </a:fontRef>
-        </p:style>
-      </p:cxnSp>
-      <p:pic>
-        <p:nvPicPr>
-          <p:cNvPr id="7" name="Picture 6">
-            <a:extLst>
-              <a:ext uri="{FF2B5EF4-FFF2-40B4-BE49-F238E27FC236}">
-                <a16:creationId xmlns:a16="http://schemas.microsoft.com/office/drawing/2014/main" id="{15734419-BE16-4DD2-9E86-1FCBF2C929B6}"/>
-              </a:ext>
-            </a:extLst>
-          </p:cNvPr>
-          <p:cNvPicPr>
-            <a:picLocks noChangeAspect="1"/>
-          </p:cNvPicPr>
-          <p:nvPr/>
-        </p:nvPicPr>
-        <p:blipFill>
-          <a:blip r:embed="rId5"/>
-          <a:stretch>
-            <a:fillRect/>
-          </a:stretch>
-        </p:blipFill>
-        <p:spPr>
-          <a:xfrm>
-            <a:off x="7743520" y="2692508"/>
-            <a:ext cx="4448175" cy="3334271"/>
+            <a:off x="74555" y="3313664"/>
+            <a:ext cx="12191999" cy="3334270"/>
           </a:xfrm>
           <a:prstGeom prst="rect">
             <a:avLst/>
@@ -7708,7 +7599,7 @@
 </p:sld>
 </file>
 
-<file path=ppt/slides/slide4.xml><?xml version="1.0" encoding="utf-8"?>
+<file path=ppt/slides/slide5.xml><?xml version="1.0" encoding="utf-8"?>
 <p:sld xmlns:a="http://schemas.openxmlformats.org/drawingml/2006/main" xmlns:r="http://schemas.openxmlformats.org/officeDocument/2006/relationships" xmlns:p="http://schemas.openxmlformats.org/presentationml/2006/main">
   <p:cSld>
     <p:spTree>
@@ -7743,28 +7634,119 @@
         </p:nvSpPr>
         <p:spPr>
           <a:xfrm>
-            <a:off x="1532602" y="1163335"/>
-            <a:ext cx="6650699" cy="572868"/>
+            <a:off x="947321" y="237352"/>
+            <a:ext cx="5774756" cy="572868"/>
           </a:xfrm>
         </p:spPr>
         <p:txBody>
-          <a:bodyPr/>
+          <a:bodyPr>
+            <a:normAutofit fontScale="90000"/>
+          </a:bodyPr>
           <a:lstStyle/>
           <a:p>
             <a:r>
               <a:rPr lang="en-US" dirty="0"/>
-              <a:t>Conclusion</a:t>
+              <a:t>Use Case Scenario</a:t>
             </a:r>
             <a:endParaRPr lang="en-CA" dirty="0"/>
           </a:p>
         </p:txBody>
       </p:sp>
+      <p:pic>
+        <p:nvPicPr>
+          <p:cNvPr id="7" name="Picture 6">
+            <a:extLst>
+              <a:ext uri="{FF2B5EF4-FFF2-40B4-BE49-F238E27FC236}">
+                <a16:creationId xmlns:a16="http://schemas.microsoft.com/office/drawing/2014/main" id="{F88FBC46-F65E-408C-AA7F-B74ADE75FAB5}"/>
+              </a:ext>
+            </a:extLst>
+          </p:cNvPr>
+          <p:cNvPicPr>
+            <a:picLocks noChangeAspect="1"/>
+          </p:cNvPicPr>
+          <p:nvPr/>
+        </p:nvPicPr>
+        <p:blipFill>
+          <a:blip r:embed="rId2"/>
+          <a:stretch>
+            <a:fillRect/>
+          </a:stretch>
+        </p:blipFill>
+        <p:spPr>
+          <a:xfrm>
+            <a:off x="6915507" y="3228658"/>
+            <a:ext cx="5029931" cy="3420241"/>
+          </a:xfrm>
+          <a:prstGeom prst="rect">
+            <a:avLst/>
+          </a:prstGeom>
+        </p:spPr>
+      </p:pic>
+      <p:pic>
+        <p:nvPicPr>
+          <p:cNvPr id="10" name="Picture 9">
+            <a:extLst>
+              <a:ext uri="{FF2B5EF4-FFF2-40B4-BE49-F238E27FC236}">
+                <a16:creationId xmlns:a16="http://schemas.microsoft.com/office/drawing/2014/main" id="{338B42D7-2A19-4ABD-A908-B39EB99F39F9}"/>
+              </a:ext>
+            </a:extLst>
+          </p:cNvPr>
+          <p:cNvPicPr>
+            <a:picLocks noChangeAspect="1"/>
+          </p:cNvPicPr>
+          <p:nvPr/>
+        </p:nvPicPr>
+        <p:blipFill>
+          <a:blip r:embed="rId3"/>
+          <a:stretch>
+            <a:fillRect/>
+          </a:stretch>
+        </p:blipFill>
+        <p:spPr>
+          <a:xfrm>
+            <a:off x="6915508" y="523786"/>
+            <a:ext cx="1752845" cy="2581635"/>
+          </a:xfrm>
+          <a:prstGeom prst="rect">
+            <a:avLst/>
+          </a:prstGeom>
+        </p:spPr>
+      </p:pic>
+      <p:pic>
+        <p:nvPicPr>
+          <p:cNvPr id="12" name="Picture 11">
+            <a:extLst>
+              <a:ext uri="{FF2B5EF4-FFF2-40B4-BE49-F238E27FC236}">
+                <a16:creationId xmlns:a16="http://schemas.microsoft.com/office/drawing/2014/main" id="{8C985897-5B2F-497D-875E-04B5F51DC7B6}"/>
+              </a:ext>
+            </a:extLst>
+          </p:cNvPr>
+          <p:cNvPicPr>
+            <a:picLocks noChangeAspect="1"/>
+          </p:cNvPicPr>
+          <p:nvPr/>
+        </p:nvPicPr>
+        <p:blipFill rotWithShape="1">
+          <a:blip r:embed="rId4"/>
+          <a:srcRect t="5253"/>
+          <a:stretch/>
+        </p:blipFill>
+        <p:spPr>
+          <a:xfrm>
+            <a:off x="8668353" y="519280"/>
+            <a:ext cx="3238952" cy="2581635"/>
+          </a:xfrm>
+          <a:prstGeom prst="rect">
+            <a:avLst/>
+          </a:prstGeom>
+        </p:spPr>
+      </p:pic>
       <p:sp>
         <p:nvSpPr>
-          <p:cNvPr id="8" name="TextBox 7">
+          <p:cNvPr id="13" name="TextBox 12">
             <a:extLst>
               <a:ext uri="{FF2B5EF4-FFF2-40B4-BE49-F238E27FC236}">
-                <a16:creationId xmlns:a16="http://schemas.microsoft.com/office/drawing/2014/main" id="{4B35B423-17BF-4A5D-B0CA-D07C0A04FE2C}"/>
+                <a16:creationId xmlns:a16="http://schemas.microsoft.com/office/drawing/2014/main" id="{B5754900-806B-44FC-B91A-7062AD54D946}"/>
               </a:ext>
             </a:extLst>
           </p:cNvPr>
@@ -7773,8 +7755,8 @@
         </p:nvSpPr>
         <p:spPr>
           <a:xfrm>
-            <a:off x="1420088" y="2025580"/>
-            <a:ext cx="9714757" cy="2246769"/>
+            <a:off x="772893" y="1057870"/>
+            <a:ext cx="6142614" cy="5386090"/>
           </a:xfrm>
           <a:prstGeom prst="rect">
             <a:avLst/>
@@ -7788,16 +7770,71 @@
           <a:lstStyle/>
           <a:p>
             <a:r>
-              <a:rPr lang="en-US" sz="2800" b="0" i="0" dirty="0">
+              <a:rPr lang="en-US" sz="2400" b="1" i="0" dirty="0">
                 <a:solidFill>
                   <a:srgbClr val="292929"/>
                 </a:solidFill>
                 <a:effectLst/>
                 <a:latin typeface="charter"/>
               </a:rPr>
-              <a:t>Inspired by the great potential of Convolutional neural networks (CNNs), we can detect fire from images or videos at an early stage. Considering the fair fire detection accuracy of the CNN model, it can be of assistance to disaster management teams in managing fire disasters on time, thus preventing huge losses.</a:t>
-            </a:r>
-            <a:endParaRPr lang="en-CA" sz="2800" dirty="0"/>
+              <a:t>USE CASE</a:t>
+            </a:r>
+          </a:p>
+          <a:p>
+            <a:r>
+              <a:rPr lang="en-CA" sz="2000" b="1" dirty="0"/>
+              <a:t>Goal in Context:</a:t>
+            </a:r>
+            <a:endParaRPr lang="en-US" sz="2000" b="1" i="0" dirty="0">
+              <a:solidFill>
+                <a:srgbClr val="292929"/>
+              </a:solidFill>
+              <a:effectLst/>
+              <a:latin typeface="charter"/>
+            </a:endParaRPr>
+          </a:p>
+          <a:p>
+            <a:r>
+              <a:rPr lang="en-US" sz="2000" dirty="0"/>
+              <a:t>The remote webcam will notify the fire department authority of the fire detection (the fire department alarms the respective department after evaluation of the fire detection).</a:t>
+            </a:r>
+          </a:p>
+          <a:p>
+            <a:r>
+              <a:rPr lang="en-US" sz="2000" b="1" dirty="0"/>
+              <a:t>Stakeholders:</a:t>
+            </a:r>
+          </a:p>
+          <a:p>
+            <a:r>
+              <a:rPr lang="en-US" sz="2000" dirty="0"/>
+              <a:t>Fire Department – wants notification of the fire detection via the remote fire alarm or online communication channel.</a:t>
+            </a:r>
+          </a:p>
+          <a:p>
+            <a:r>
+              <a:rPr lang="en-CA" sz="2000" b="1" dirty="0"/>
+              <a:t>Precondition:</a:t>
+            </a:r>
+          </a:p>
+          <a:p>
+            <a:r>
+              <a:rPr lang="en-US" sz="2000" dirty="0"/>
+              <a:t>Fire detector(s) (wireless cameras integrated with the home security system) are armed and operable via wireless connection</a:t>
+            </a:r>
+          </a:p>
+          <a:p>
+            <a:r>
+              <a:rPr lang="en-CA" sz="2000" b="1" dirty="0"/>
+              <a:t>Trigger:</a:t>
+            </a:r>
+          </a:p>
+          <a:p>
+            <a:r>
+              <a:rPr lang="en-US" sz="2000" dirty="0"/>
+              <a:t>The remote webcam alarms the fire department of the fire detection.</a:t>
+            </a:r>
+            <a:endParaRPr lang="en-CA" sz="2000" dirty="0"/>
           </a:p>
         </p:txBody>
       </p:sp>
@@ -7814,7 +7851,7 @@
 </p:sld>
 </file>
 
-<file path=ppt/slides/slide5.xml><?xml version="1.0" encoding="utf-8"?>
+<file path=ppt/slides/slide6.xml><?xml version="1.0" encoding="utf-8"?>
 <p:sld xmlns:a="http://schemas.openxmlformats.org/drawingml/2006/main" xmlns:r="http://schemas.openxmlformats.org/officeDocument/2006/relationships" xmlns:p="http://schemas.openxmlformats.org/presentationml/2006/main">
   <p:cSld>
     <p:spTree>
@@ -7836,7 +7873,7 @@
           <p:cNvPr id="2" name="Title 1">
             <a:extLst>
               <a:ext uri="{FF2B5EF4-FFF2-40B4-BE49-F238E27FC236}">
-                <a16:creationId xmlns:a16="http://schemas.microsoft.com/office/drawing/2014/main" id="{10D12C1A-9A93-4282-8D78-DC13F4B0ED8D}"/>
+                <a16:creationId xmlns:a16="http://schemas.microsoft.com/office/drawing/2014/main" id="{7E29A45B-BF4A-4912-B9DA-088BE8432D32}"/>
               </a:ext>
             </a:extLst>
           </p:cNvPr>
@@ -7849,29 +7886,128 @@
         </p:nvSpPr>
         <p:spPr>
           <a:xfrm>
-            <a:off x="1499565" y="816093"/>
-            <a:ext cx="9603275" cy="1163177"/>
+            <a:off x="2854080" y="469767"/>
+            <a:ext cx="4877807" cy="505293"/>
           </a:xfrm>
         </p:spPr>
         <p:txBody>
           <a:bodyPr>
+            <a:normAutofit fontScale="90000"/>
+          </a:bodyPr>
+          <a:lstStyle/>
+          <a:p>
+            <a:r>
+              <a:rPr lang="en-CA" dirty="0"/>
+              <a:t>Open Issue</a:t>
+            </a:r>
+          </a:p>
+        </p:txBody>
+      </p:sp>
+      <p:sp>
+        <p:nvSpPr>
+          <p:cNvPr id="8" name="TextBox 7">
+            <a:extLst>
+              <a:ext uri="{FF2B5EF4-FFF2-40B4-BE49-F238E27FC236}">
+                <a16:creationId xmlns:a16="http://schemas.microsoft.com/office/drawing/2014/main" id="{475D4E98-F8D3-4519-A443-39932C5D92D1}"/>
+              </a:ext>
+            </a:extLst>
+          </p:cNvPr>
+          <p:cNvSpPr txBox="1"/>
+          <p:nvPr/>
+        </p:nvSpPr>
+        <p:spPr>
+          <a:xfrm>
+            <a:off x="1048430" y="1235984"/>
+            <a:ext cx="10225312" cy="523220"/>
+          </a:xfrm>
+          <a:prstGeom prst="rect">
+            <a:avLst/>
+          </a:prstGeom>
+          <a:noFill/>
+        </p:spPr>
+        <p:txBody>
+          <a:bodyPr wrap="square">
+            <a:spAutoFit/>
+          </a:bodyPr>
+          <a:lstStyle/>
+          <a:p>
+            <a:r>
+              <a:rPr lang="en-US" sz="2800" dirty="0"/>
+              <a:t>Do the Fire alarms trigger simultaneously or in sequence?</a:t>
+            </a:r>
+            <a:endParaRPr lang="en-CA" sz="2800" dirty="0"/>
+          </a:p>
+        </p:txBody>
+      </p:sp>
+      <p:sp>
+        <p:nvSpPr>
+          <p:cNvPr id="9" name="Title 1">
+            <a:extLst>
+              <a:ext uri="{FF2B5EF4-FFF2-40B4-BE49-F238E27FC236}">
+                <a16:creationId xmlns:a16="http://schemas.microsoft.com/office/drawing/2014/main" id="{990D9107-1AE6-4469-A3B6-199B1A457803}"/>
+              </a:ext>
+            </a:extLst>
+          </p:cNvPr>
+          <p:cNvSpPr txBox="1">
+            <a:spLocks/>
+          </p:cNvSpPr>
+          <p:nvPr/>
+        </p:nvSpPr>
+        <p:spPr bwMode="black">
+          <a:xfrm>
+            <a:off x="2055427" y="1870691"/>
+            <a:ext cx="6973103" cy="1163177"/>
+          </a:xfrm>
+          <a:prstGeom prst="rect">
+            <a:avLst/>
+          </a:prstGeom>
+          <a:solidFill>
+            <a:srgbClr val="FFFFFF"/>
+          </a:solidFill>
+          <a:ln w="31750" cap="sq">
+            <a:solidFill>
+              <a:srgbClr val="404040"/>
+            </a:solidFill>
+            <a:miter lim="800000"/>
+          </a:ln>
+        </p:spPr>
+        <p:txBody>
+          <a:bodyPr vert="horz" lIns="182880" tIns="182880" rIns="182880" bIns="182880" rtlCol="0" anchor="ctr">
             <a:normAutofit/>
           </a:bodyPr>
-          <a:lstStyle/>
-          <a:p>
-            <a:r>
-              <a:rPr lang="en-US" cap="none" dirty="0"/>
+          <a:lstStyle>
+            <a:lvl1pPr algn="ctr" defTabSz="914400" rtl="0" eaLnBrk="1" latinLnBrk="0" hangingPunct="1">
+              <a:lnSpc>
+                <a:spcPct val="90000"/>
+              </a:lnSpc>
+              <a:spcBef>
+                <a:spcPct val="0"/>
+              </a:spcBef>
+              <a:buNone/>
+              <a:defRPr sz="2800" kern="1200" cap="all" spc="200" baseline="0">
+                <a:solidFill>
+                  <a:srgbClr val="262626"/>
+                </a:solidFill>
+                <a:latin typeface="+mj-lt"/>
+                <a:ea typeface="+mj-ea"/>
+                <a:cs typeface="+mj-cs"/>
+              </a:defRPr>
+            </a:lvl1pPr>
+          </a:lstStyle>
+          <a:p>
+            <a:r>
+              <a:rPr lang="en-US" cap="none"/>
               <a:t>Team Name: Fire </a:t>
             </a:r>
             <a:r>
-              <a:rPr lang="en-CA" cap="none" dirty="0"/>
+              <a:rPr lang="en-CA" cap="none"/>
               <a:t>Rescuers</a:t>
             </a:r>
             <a:br>
-              <a:rPr lang="en-US" cap="none" dirty="0"/>
+              <a:rPr lang="en-US" cap="none"/>
             </a:br>
             <a:r>
-              <a:rPr lang="en-US" cap="none" dirty="0"/>
+              <a:rPr lang="en-US" cap="none"/>
               <a:t>Product Name: Fire Detection System</a:t>
             </a:r>
             <a:endParaRPr lang="en-CA" cap="none" dirty="0"/>
@@ -7880,10 +8016,10 @@
       </p:sp>
       <p:graphicFrame>
         <p:nvGraphicFramePr>
-          <p:cNvPr id="4" name="Table 4">
+          <p:cNvPr id="12" name="Table 4">
             <a:extLst>
               <a:ext uri="{FF2B5EF4-FFF2-40B4-BE49-F238E27FC236}">
-                <a16:creationId xmlns:a16="http://schemas.microsoft.com/office/drawing/2014/main" id="{12E37138-AF91-4323-968B-43A6CFBEC67B}"/>
+                <a16:creationId xmlns:a16="http://schemas.microsoft.com/office/drawing/2014/main" id="{37F8A0AF-1945-4914-80ED-D0FF4338AC2E}"/>
               </a:ext>
             </a:extLst>
           </p:cNvPr>
@@ -7891,16 +8027,17 @@
             <a:graphicFrameLocks noGrp="1"/>
           </p:cNvGraphicFramePr>
           <p:nvPr>
+            <p:ph idx="1"/>
             <p:extLst>
               <p:ext uri="{D42A27DB-BD31-4B8C-83A1-F6EECF244321}">
-                <p14:modId xmlns:p14="http://schemas.microsoft.com/office/powerpoint/2010/main" val="1859051060"/>
+                <p14:modId xmlns:p14="http://schemas.microsoft.com/office/powerpoint/2010/main" val="2819877643"/>
               </p:ext>
             </p:extLst>
           </p:nvPr>
         </p:nvGraphicFramePr>
         <p:xfrm>
-          <a:off x="1499565" y="2270673"/>
-          <a:ext cx="9603276" cy="2225040"/>
+          <a:off x="1048430" y="3321331"/>
+          <a:ext cx="8987098" cy="2225040"/>
         </p:xfrm>
         <a:graphic>
           <a:graphicData uri="http://schemas.openxmlformats.org/drawingml/2006/table">
@@ -7909,24 +8046,17 @@
                 <a:tableStyleId>{5C22544A-7EE6-4342-B048-85BDC9FD1C3A}</a:tableStyleId>
               </a:tblPr>
               <a:tblGrid>
-                <a:gridCol w="3201092">
+                <a:gridCol w="3126679">
                   <a:extLst>
                     <a:ext uri="{9D8B030D-6E8A-4147-A177-3AD203B41FA5}">
                       <a16:colId xmlns:a16="http://schemas.microsoft.com/office/drawing/2014/main" val="3552617078"/>
                     </a:ext>
                   </a:extLst>
                 </a:gridCol>
-                <a:gridCol w="1792740">
+                <a:gridCol w="5860419">
                   <a:extLst>
                     <a:ext uri="{9D8B030D-6E8A-4147-A177-3AD203B41FA5}">
                       <a16:colId xmlns:a16="http://schemas.microsoft.com/office/drawing/2014/main" val="1384885227"/>
-                    </a:ext>
-                  </a:extLst>
-                </a:gridCol>
-                <a:gridCol w="4609444">
-                  <a:extLst>
-                    <a:ext uri="{9D8B030D-6E8A-4147-A177-3AD203B41FA5}">
-                      <a16:colId xmlns:a16="http://schemas.microsoft.com/office/drawing/2014/main" val="4001970158"/>
                     </a:ext>
                   </a:extLst>
                 </a:gridCol>
@@ -7939,21 +8069,7 @@
                     <a:p>
                       <a:r>
                         <a:rPr lang="en-US" dirty="0"/>
-                        <a:t>Name</a:t>
-                      </a:r>
-                      <a:endParaRPr lang="en-CA" dirty="0"/>
-                    </a:p>
-                  </a:txBody>
-                  <a:tcPr/>
-                </a:tc>
-                <a:tc>
-                  <a:txBody>
-                    <a:bodyPr/>
-                    <a:lstStyle/>
-                    <a:p>
-                      <a:r>
-                        <a:rPr lang="en-US" dirty="0" err="1"/>
-                        <a:t>Student_Id</a:t>
+                        <a:t>Team member</a:t>
                       </a:r>
                       <a:endParaRPr lang="en-CA" dirty="0"/>
                     </a:p>
@@ -7967,7 +8083,7 @@
                     <a:p>
                       <a:r>
                         <a:rPr lang="en-US" dirty="0"/>
-                        <a:t>Email</a:t>
+                        <a:t>Task needs to be completed</a:t>
                       </a:r>
                       <a:endParaRPr lang="en-CA" dirty="0"/>
                     </a:p>
@@ -8002,21 +8118,7 @@
                     <a:p>
                       <a:r>
                         <a:rPr lang="en-US" dirty="0"/>
-                        <a:t>100799864</a:t>
-                      </a:r>
-                      <a:endParaRPr lang="en-CA" dirty="0"/>
-                    </a:p>
-                  </a:txBody>
-                  <a:tcPr/>
-                </a:tc>
-                <a:tc>
-                  <a:txBody>
-                    <a:bodyPr/>
-                    <a:lstStyle/>
-                    <a:p>
-                      <a:r>
-                        <a:rPr lang="en-US" dirty="0"/>
-                        <a:t>anurag.sharma2@dcmail.ca</a:t>
+                        <a:t>Studying the several model training CNN architectures</a:t>
                       </a:r>
                       <a:endParaRPr lang="en-CA" dirty="0"/>
                     </a:p>
@@ -8059,20 +8161,7 @@
                     <a:p>
                       <a:r>
                         <a:rPr lang="en-CA" dirty="0"/>
-                        <a:t>100766479</a:t>
-                      </a:r>
-                    </a:p>
-                  </a:txBody>
-                  <a:tcPr/>
-                </a:tc>
-                <a:tc>
-                  <a:txBody>
-                    <a:bodyPr/>
-                    <a:lstStyle/>
-                    <a:p>
-                      <a:r>
-                        <a:rPr lang="en-CA" dirty="0"/>
-                        <a:t>gbemisolabolu.banjoko@dcmail.ca</a:t>
+                        <a:t>Working on the Alarm System Scenarios</a:t>
                       </a:r>
                     </a:p>
                   </a:txBody>
@@ -8110,20 +8199,7 @@
                     <a:p>
                       <a:r>
                         <a:rPr lang="en-CA" dirty="0"/>
-                        <a:t>100723768</a:t>
-                      </a:r>
-                    </a:p>
-                  </a:txBody>
-                  <a:tcPr/>
-                </a:tc>
-                <a:tc>
-                  <a:txBody>
-                    <a:bodyPr/>
-                    <a:lstStyle/>
-                    <a:p>
-                      <a:r>
-                        <a:rPr lang="en-CA" dirty="0"/>
-                        <a:t>kartikjagdish.sojitra@dcmail.ca</a:t>
+                        <a:t>Dataset Study </a:t>
                       </a:r>
                     </a:p>
                   </a:txBody>
@@ -8161,20 +8237,7 @@
                     <a:p>
                       <a:r>
                         <a:rPr lang="en-CA" dirty="0"/>
-                        <a:t>100793713</a:t>
-                      </a:r>
-                    </a:p>
-                  </a:txBody>
-                  <a:tcPr/>
-                </a:tc>
-                <a:tc>
-                  <a:txBody>
-                    <a:bodyPr/>
-                    <a:lstStyle/>
-                    <a:p>
-                      <a:r>
-                        <a:rPr lang="en-CA" dirty="0"/>
-                        <a:t>ramon.vilarins@dcmail.ca</a:t>
+                        <a:t>Handling the online communication channels</a:t>
                       </a:r>
                     </a:p>
                   </a:txBody>
@@ -8202,16 +8265,6 @@
                     <a:bodyPr/>
                     <a:lstStyle/>
                     <a:p>
-                      <a:endParaRPr lang="en-CA"/>
-                    </a:p>
-                  </a:txBody>
-                  <a:tcPr/>
-                </a:tc>
-                <a:tc>
-                  <a:txBody>
-                    <a:bodyPr/>
-                    <a:lstStyle/>
-                    <a:p>
                       <a:endParaRPr lang="en-CA" dirty="0"/>
                     </a:p>
                   </a:txBody>
@@ -8230,6 +8283,191 @@
     </p:spTree>
     <p:extLst>
       <p:ext uri="{BB962C8B-B14F-4D97-AF65-F5344CB8AC3E}">
+        <p14:creationId xmlns:p14="http://schemas.microsoft.com/office/powerpoint/2010/main" val="1749037378"/>
+      </p:ext>
+    </p:extLst>
+  </p:cSld>
+  <p:clrMapOvr>
+    <a:masterClrMapping/>
+  </p:clrMapOvr>
+</p:sld>
+</file>
+
+<file path=ppt/slides/slide7.xml><?xml version="1.0" encoding="utf-8"?>
+<p:sld xmlns:a="http://schemas.openxmlformats.org/drawingml/2006/main" xmlns:r="http://schemas.openxmlformats.org/officeDocument/2006/relationships" xmlns:p="http://schemas.openxmlformats.org/presentationml/2006/main">
+  <p:cSld>
+    <p:spTree>
+      <p:nvGrpSpPr>
+        <p:cNvPr id="1" name=""/>
+        <p:cNvGrpSpPr/>
+        <p:nvPr/>
+      </p:nvGrpSpPr>
+      <p:grpSpPr>
+        <a:xfrm>
+          <a:off x="0" y="0"/>
+          <a:ext cx="0" cy="0"/>
+          <a:chOff x="0" y="0"/>
+          <a:chExt cx="0" cy="0"/>
+        </a:xfrm>
+      </p:grpSpPr>
+      <p:sp>
+        <p:nvSpPr>
+          <p:cNvPr id="5" name="Title 4">
+            <a:extLst>
+              <a:ext uri="{FF2B5EF4-FFF2-40B4-BE49-F238E27FC236}">
+                <a16:creationId xmlns:a16="http://schemas.microsoft.com/office/drawing/2014/main" id="{77C7E983-817D-4723-83A8-FD6866CDFA63}"/>
+              </a:ext>
+            </a:extLst>
+          </p:cNvPr>
+          <p:cNvSpPr>
+            <a:spLocks noGrp="1"/>
+          </p:cNvSpPr>
+          <p:nvPr>
+            <p:ph type="title"/>
+          </p:nvPr>
+        </p:nvSpPr>
+        <p:spPr>
+          <a:xfrm>
+            <a:off x="2115389" y="416688"/>
+            <a:ext cx="7729728" cy="718151"/>
+          </a:xfrm>
+        </p:spPr>
+        <p:txBody>
+          <a:bodyPr>
+            <a:normAutofit fontScale="90000"/>
+          </a:bodyPr>
+          <a:lstStyle/>
+          <a:p>
+            <a:r>
+              <a:rPr lang="en-CA" dirty="0"/>
+              <a:t>Conclusion</a:t>
+            </a:r>
+          </a:p>
+        </p:txBody>
+      </p:sp>
+      <p:sp>
+        <p:nvSpPr>
+          <p:cNvPr id="6" name="Content Placeholder 3">
+            <a:extLst>
+              <a:ext uri="{FF2B5EF4-FFF2-40B4-BE49-F238E27FC236}">
+                <a16:creationId xmlns:a16="http://schemas.microsoft.com/office/drawing/2014/main" id="{1174632B-5FE1-4FC4-82F3-6C6787694B28}"/>
+              </a:ext>
+            </a:extLst>
+          </p:cNvPr>
+          <p:cNvSpPr txBox="1">
+            <a:spLocks noGrp="1"/>
+          </p:cNvSpPr>
+          <p:nvPr>
+            <p:ph idx="1"/>
+          </p:nvPr>
+        </p:nvSpPr>
+        <p:spPr>
+          <a:xfrm>
+            <a:off x="1500243" y="1649053"/>
+            <a:ext cx="9446158" cy="1938992"/>
+          </a:xfrm>
+          <a:prstGeom prst="rect">
+            <a:avLst/>
+          </a:prstGeom>
+          <a:noFill/>
+        </p:spPr>
+        <p:txBody>
+          <a:bodyPr wrap="square">
+            <a:spAutoFit/>
+          </a:bodyPr>
+          <a:lstStyle/>
+          <a:p>
+            <a:pPr marL="0" indent="0">
+              <a:buNone/>
+            </a:pPr>
+            <a:r>
+              <a:rPr lang="en-US" sz="2400" b="0" i="0" dirty="0">
+                <a:solidFill>
+                  <a:srgbClr val="292929"/>
+                </a:solidFill>
+                <a:effectLst/>
+                <a:latin typeface="charter"/>
+              </a:rPr>
+              <a:t>Inspired by the great potential of Convolutional neural networks (CNNs), we can detect fire from images or videos at an early stage. Considering the fair fire detection accuracy of the CNN model, it can be of assistance to disaster management teams in managing fire disasters on time, thus preventing huge losses.</a:t>
+            </a:r>
+            <a:endParaRPr lang="en-CA" sz="2400" dirty="0"/>
+          </a:p>
+        </p:txBody>
+      </p:sp>
+      <p:sp>
+        <p:nvSpPr>
+          <p:cNvPr id="7" name="Title 4">
+            <a:extLst>
+              <a:ext uri="{FF2B5EF4-FFF2-40B4-BE49-F238E27FC236}">
+                <a16:creationId xmlns:a16="http://schemas.microsoft.com/office/drawing/2014/main" id="{B578E859-1773-4927-B3DD-5EA174C0C193}"/>
+              </a:ext>
+            </a:extLst>
+          </p:cNvPr>
+          <p:cNvSpPr txBox="1">
+            <a:spLocks/>
+          </p:cNvSpPr>
+          <p:nvPr/>
+        </p:nvSpPr>
+        <p:spPr bwMode="black">
+          <a:xfrm>
+            <a:off x="3835618" y="4102260"/>
+            <a:ext cx="4289269" cy="2139388"/>
+          </a:xfrm>
+          <a:prstGeom prst="rect">
+            <a:avLst/>
+          </a:prstGeom>
+          <a:solidFill>
+            <a:srgbClr val="FFFFFF"/>
+          </a:solidFill>
+          <a:ln w="31750" cap="sq">
+            <a:solidFill>
+              <a:srgbClr val="404040"/>
+            </a:solidFill>
+            <a:miter lim="800000"/>
+          </a:ln>
+        </p:spPr>
+        <p:txBody>
+          <a:bodyPr vert="horz" lIns="182880" tIns="182880" rIns="182880" bIns="182880" rtlCol="0" anchor="ctr">
+            <a:normAutofit fontScale="97500"/>
+          </a:bodyPr>
+          <a:lstStyle>
+            <a:lvl1pPr algn="ctr" defTabSz="914400" rtl="0" eaLnBrk="1" latinLnBrk="0" hangingPunct="1">
+              <a:lnSpc>
+                <a:spcPct val="90000"/>
+              </a:lnSpc>
+              <a:spcBef>
+                <a:spcPct val="0"/>
+              </a:spcBef>
+              <a:buNone/>
+              <a:defRPr sz="2800" kern="1200" cap="all" spc="200" baseline="0">
+                <a:solidFill>
+                  <a:srgbClr val="262626"/>
+                </a:solidFill>
+                <a:latin typeface="+mj-lt"/>
+                <a:ea typeface="+mj-ea"/>
+                <a:cs typeface="+mj-cs"/>
+              </a:defRPr>
+            </a:lvl1pPr>
+          </a:lstStyle>
+          <a:p>
+            <a:r>
+              <a:rPr lang="en-CA" sz="5500" dirty="0"/>
+              <a:t>THANK</a:t>
+            </a:r>
+            <a:endParaRPr lang="en-CA" dirty="0"/>
+          </a:p>
+          <a:p>
+            <a:r>
+              <a:rPr lang="en-CA" sz="5500" dirty="0"/>
+              <a:t>YOU</a:t>
+            </a:r>
+            <a:endParaRPr lang="en-CA" dirty="0"/>
+          </a:p>
+        </p:txBody>
+      </p:sp>
+    </p:spTree>
+    <p:extLst>
+      <p:ext uri="{BB962C8B-B14F-4D97-AF65-F5344CB8AC3E}">
         <p14:creationId xmlns:p14="http://schemas.microsoft.com/office/powerpoint/2010/main" val="801478594"/>
       </p:ext>
     </p:extLst>
@@ -8241,91 +8479,58 @@
 </file>
 
 <file path=ppt/theme/theme1.xml><?xml version="1.0" encoding="utf-8"?>
-<a:theme xmlns:a="http://schemas.openxmlformats.org/drawingml/2006/main" name="Gallery">
+<a:theme xmlns:a="http://schemas.openxmlformats.org/drawingml/2006/main" name="Parcel">
   <a:themeElements>
-    <a:clrScheme name="Gallery">
+    <a:clrScheme name="Parcel">
       <a:dk1>
-        <a:sysClr val="windowText" lastClr="000000"/>
+        <a:srgbClr val="000000"/>
       </a:dk1>
       <a:lt1>
-        <a:sysClr val="window" lastClr="FFFFFF"/>
+        <a:srgbClr val="FFFFFF"/>
       </a:lt1>
       <a:dk2>
-        <a:srgbClr val="454545"/>
+        <a:srgbClr val="4A5356"/>
       </a:dk2>
       <a:lt2>
-        <a:srgbClr val="DFDBD5"/>
+        <a:srgbClr val="E8E3CE"/>
       </a:lt2>
       <a:accent1>
-        <a:srgbClr val="B71E42"/>
+        <a:srgbClr val="F6A21D"/>
       </a:accent1>
       <a:accent2>
-        <a:srgbClr val="DE478E"/>
+        <a:srgbClr val="9BAFB5"/>
       </a:accent2>
       <a:accent3>
-        <a:srgbClr val="BC72F0"/>
+        <a:srgbClr val="C96731"/>
       </a:accent3>
       <a:accent4>
-        <a:srgbClr val="795FAF"/>
+        <a:srgbClr val="9CA383"/>
       </a:accent4>
       <a:accent5>
-        <a:srgbClr val="586EA6"/>
+        <a:srgbClr val="87795D"/>
       </a:accent5>
       <a:accent6>
-        <a:srgbClr val="6892A0"/>
+        <a:srgbClr val="A0988C"/>
       </a:accent6>
       <a:hlink>
-        <a:srgbClr val="FA2B5C"/>
+        <a:srgbClr val="00B0F0"/>
       </a:hlink>
       <a:folHlink>
-        <a:srgbClr val="BC658E"/>
+        <a:srgbClr val="738F97"/>
       </a:folHlink>
     </a:clrScheme>
-    <a:fontScheme name="Gallery">
+    <a:fontScheme name="Parcel">
       <a:majorFont>
         <a:latin typeface="Gill Sans MT" panose="020B0502020104020203"/>
         <a:ea typeface=""/>
         <a:cs typeface=""/>
-        <a:font script="Jpan" typeface="游ゴシック Light"/>
-        <a:font script="Hang" typeface="맑은 고딕"/>
-        <a:font script="Hans" typeface="等线 Light"/>
-        <a:font script="Hant" typeface="新細明體"/>
-        <a:font script="Arab" typeface="Times New Roman"/>
-        <a:font script="Hebr" typeface="Times New Roman"/>
-        <a:font script="Thai" typeface="Angsana New"/>
-        <a:font script="Ethi" typeface="Nyala"/>
-        <a:font script="Beng" typeface="Vrinda"/>
-        <a:font script="Gujr" typeface="Shruti"/>
-        <a:font script="Khmr" typeface="MoolBoran"/>
-        <a:font script="Knda" typeface="Tunga"/>
-        <a:font script="Guru" typeface="Raavi"/>
-        <a:font script="Cans" typeface="Euphemia"/>
-        <a:font script="Cher" typeface="Plantagenet Cherokee"/>
-        <a:font script="Yiii" typeface="Microsoft Yi Baiti"/>
-        <a:font script="Tibt" typeface="Microsoft Himalaya"/>
-        <a:font script="Thaa" typeface="MV Boli"/>
-        <a:font script="Deva" typeface="Mangal"/>
-        <a:font script="Telu" typeface="Gautami"/>
-        <a:font script="Taml" typeface="Latha"/>
-        <a:font script="Syrc" typeface="Estrangelo Edessa"/>
-        <a:font script="Orya" typeface="Kalinga"/>
-        <a:font script="Mlym" typeface="Kartika"/>
-        <a:font script="Laoo" typeface="DokChampa"/>
-        <a:font script="Sinh" typeface="Iskoola Pota"/>
-        <a:font script="Mong" typeface="Mongolian Baiti"/>
-        <a:font script="Viet" typeface="Times New Roman"/>
-        <a:font script="Uigh" typeface="Microsoft Uighur"/>
-        <a:font script="Geor" typeface="Sylfaen"/>
-      </a:majorFont>
-      <a:minorFont>
-        <a:latin typeface="Gill Sans MT" panose="020B0502020104020203"/>
-        <a:ea typeface=""/>
-        <a:cs typeface=""/>
-        <a:font script="Jpan" typeface="游ゴシック"/>
-        <a:font script="Hang" typeface="맑은 고딕"/>
-        <a:font script="Hans" typeface="等线"/>
-        <a:font script="Hant" typeface="新細明體"/>
-        <a:font script="Arab" typeface="Arial"/>
+        <a:font script="Grek" typeface="Corbel"/>
+        <a:font script="Cyrl" typeface="Corbel"/>
+        <a:font script="Jpan" typeface="HGｺﾞｼｯｸE"/>
+        <a:font script="Hang" typeface="휴먼매직체"/>
+        <a:font script="Hans" typeface="华文中宋"/>
+        <a:font script="Hant" typeface="微軟正黑體"/>
+        <a:font script="Arab" typeface="Majalla UI"/>
         <a:font script="Hebr" typeface="Arial"/>
         <a:font script="Thai" typeface="Cordia New"/>
         <a:font script="Ethi" typeface="Nyala"/>
@@ -8348,12 +8553,49 @@
         <a:font script="Laoo" typeface="DokChampa"/>
         <a:font script="Sinh" typeface="Iskoola Pota"/>
         <a:font script="Mong" typeface="Mongolian Baiti"/>
-        <a:font script="Viet" typeface="Arial"/>
+        <a:font script="Viet" typeface="Tahoma"/>
+        <a:font script="Uigh" typeface="Microsoft Uighur"/>
+        <a:font script="Geor" typeface="Sylfaen"/>
+      </a:majorFont>
+      <a:minorFont>
+        <a:latin typeface="Gill Sans MT" panose="020B0502020104020203"/>
+        <a:ea typeface=""/>
+        <a:cs typeface=""/>
+        <a:font script="Grek" typeface="Corbel"/>
+        <a:font script="Cyrl" typeface="Corbel"/>
+        <a:font script="Jpan" typeface="HGｺﾞｼｯｸE"/>
+        <a:font script="Hang" typeface="휴먼매직체"/>
+        <a:font script="Hans" typeface="华文中宋"/>
+        <a:font script="Hant" typeface="微軟正黑體"/>
+        <a:font script="Arab" typeface="Majalla UI"/>
+        <a:font script="Hebr" typeface="Arial"/>
+        <a:font script="Thai" typeface="Cordia New"/>
+        <a:font script="Ethi" typeface="Nyala"/>
+        <a:font script="Beng" typeface="Vrinda"/>
+        <a:font script="Gujr" typeface="Shruti"/>
+        <a:font script="Khmr" typeface="DaunPenh"/>
+        <a:font script="Knda" typeface="Tunga"/>
+        <a:font script="Guru" typeface="Raavi"/>
+        <a:font script="Cans" typeface="Euphemia"/>
+        <a:font script="Cher" typeface="Plantagenet Cherokee"/>
+        <a:font script="Yiii" typeface="Microsoft Yi Baiti"/>
+        <a:font script="Tibt" typeface="Microsoft Himalaya"/>
+        <a:font script="Thaa" typeface="MV Boli"/>
+        <a:font script="Deva" typeface="Mangal"/>
+        <a:font script="Telu" typeface="Gautami"/>
+        <a:font script="Taml" typeface="Latha"/>
+        <a:font script="Syrc" typeface="Estrangelo Edessa"/>
+        <a:font script="Orya" typeface="Kalinga"/>
+        <a:font script="Mlym" typeface="Kartika"/>
+        <a:font script="Laoo" typeface="DokChampa"/>
+        <a:font script="Sinh" typeface="Iskoola Pota"/>
+        <a:font script="Mong" typeface="Mongolian Baiti"/>
+        <a:font script="Viet" typeface="Tahoma"/>
         <a:font script="Uigh" typeface="Microsoft Uighur"/>
         <a:font script="Geor" typeface="Sylfaen"/>
       </a:minorFont>
     </a:fontScheme>
-    <a:fmtScheme name="Gallery">
+    <a:fmtScheme name="Parcel">
       <a:fillStyleLst>
         <a:solidFill>
           <a:schemeClr val="phClr"/>
@@ -8362,18 +8604,16 @@
           <a:gsLst>
             <a:gs pos="0">
               <a:schemeClr val="phClr">
-                <a:tint val="54000"/>
-                <a:alpha val="100000"/>
-                <a:satMod val="105000"/>
-                <a:lumMod val="110000"/>
+                <a:tint val="80000"/>
+                <a:satMod val="107000"/>
+                <a:lumMod val="103000"/>
               </a:schemeClr>
             </a:gs>
             <a:gs pos="100000">
               <a:schemeClr val="phClr">
-                <a:tint val="78000"/>
-                <a:alpha val="92000"/>
+                <a:tint val="82000"/>
                 <a:satMod val="109000"/>
-                <a:lumMod val="100000"/>
+                <a:lumMod val="103000"/>
               </a:schemeClr>
             </a:gs>
           </a:gsLst>
@@ -8383,23 +8623,23 @@
           <a:gsLst>
             <a:gs pos="0">
               <a:schemeClr val="phClr">
-                <a:tint val="98000"/>
-                <a:satMod val="110000"/>
-                <a:lumMod val="104000"/>
+                <a:tint val="97000"/>
+                <a:satMod val="100000"/>
+                <a:lumMod val="102000"/>
               </a:schemeClr>
             </a:gs>
-            <a:gs pos="69000">
+            <a:gs pos="50000">
               <a:schemeClr val="phClr">
-                <a:shade val="88000"/>
-                <a:satMod val="130000"/>
-                <a:lumMod val="92000"/>
+                <a:shade val="100000"/>
+                <a:satMod val="103000"/>
+                <a:lumMod val="100000"/>
               </a:schemeClr>
             </a:gs>
             <a:gs pos="100000">
               <a:schemeClr val="phClr">
-                <a:shade val="78000"/>
-                <a:satMod val="130000"/>
-                <a:lumMod val="92000"/>
+                <a:shade val="93000"/>
+                <a:satMod val="110000"/>
+                <a:lumMod val="99000"/>
               </a:schemeClr>
             </a:gs>
           </a:gsLst>
@@ -8407,19 +8647,19 @@
         </a:gradFill>
       </a:fillStyleLst>
       <a:lnStyleLst>
-        <a:ln w="9525" cap="flat" cmpd="sng" algn="ctr">
+        <a:ln w="6350" cap="flat" cmpd="sng" algn="ctr">
           <a:solidFill>
             <a:schemeClr val="phClr"/>
           </a:solidFill>
           <a:prstDash val="solid"/>
         </a:ln>
-        <a:ln w="15875" cap="flat" cmpd="sng" algn="ctr">
+        <a:ln w="12700" cap="flat" cmpd="sng" algn="ctr">
           <a:solidFill>
             <a:schemeClr val="phClr"/>
           </a:solidFill>
           <a:prstDash val="solid"/>
         </a:ln>
-        <a:ln w="22225" cap="flat" cmpd="sng" algn="ctr">
+        <a:ln w="31750" cap="flat" cmpd="sng" algn="ctr">
           <a:solidFill>
             <a:schemeClr val="phClr"/>
           </a:solidFill>
@@ -8435,9 +8675,9 @@
         </a:effectStyle>
         <a:effectStyle>
           <a:effectLst>
-            <a:outerShdw blurRad="50800" dist="50800" dir="5400000" sx="96000" sy="96000" rotWithShape="0">
+            <a:outerShdw blurRad="55880" dist="15240" dir="5400000" algn="ctr" rotWithShape="0">
               <a:srgbClr val="000000">
-                <a:alpha val="48000"/>
+                <a:alpha val="45000"/>
               </a:srgbClr>
             </a:outerShdw>
           </a:effectLst>
@@ -8445,12 +8685,10 @@
             <a:camera prst="orthographicFront">
               <a:rot lat="0" lon="0" rev="0"/>
             </a:camera>
-            <a:lightRig rig="balanced" dir="t">
-              <a:rot lat="0" lon="0" rev="1080000"/>
-            </a:lightRig>
+            <a:lightRig rig="brightRoom" dir="tl"/>
           </a:scene3d>
-          <a:sp3d>
-            <a:bevelT w="38100" h="12700" prst="softRound"/>
+          <a:sp3d prstMaterial="dkEdge">
+            <a:bevelT w="0" h="0"/>
           </a:sp3d>
         </a:effectStyle>
       </a:effectStyleLst>
@@ -8459,25 +8697,32 @@
           <a:schemeClr val="phClr"/>
         </a:solidFill>
         <a:solidFill>
-          <a:schemeClr val="phClr"/>
+          <a:schemeClr val="phClr">
+            <a:tint val="95000"/>
+            <a:satMod val="170000"/>
+          </a:schemeClr>
         </a:solidFill>
         <a:gradFill rotWithShape="1">
           <a:gsLst>
             <a:gs pos="0">
               <a:schemeClr val="phClr">
-                <a:tint val="94000"/>
-                <a:satMod val="80000"/>
-                <a:lumMod val="106000"/>
+                <a:tint val="97000"/>
+                <a:shade val="100000"/>
+                <a:satMod val="185000"/>
+                <a:lumMod val="120000"/>
               </a:schemeClr>
             </a:gs>
             <a:gs pos="100000">
               <a:schemeClr val="phClr">
-                <a:shade val="80000"/>
+                <a:tint val="96000"/>
+                <a:shade val="95000"/>
+                <a:satMod val="215000"/>
+                <a:lumMod val="80000"/>
               </a:schemeClr>
             </a:gs>
           </a:gsLst>
           <a:path path="circle">
-            <a:fillToRect l="50000" t="50000" r="50000" b="50000"/>
+            <a:fillToRect l="50000" t="55000" r="125000" b="100000"/>
           </a:path>
         </a:gradFill>
       </a:bgFillStyleLst>
@@ -8487,7 +8732,7 @@
   <a:extraClrSchemeLst/>
   <a:extLst>
     <a:ext uri="{05A4C25C-085E-4340-85A3-A5531E510DB2}">
-      <thm15:themeFamily xmlns:thm15="http://schemas.microsoft.com/office/thememl/2012/main" name="Gallery" id="{BBFCD31E-59A1-489D-B089-A3EAD7CAE12E}" vid="{F5E91637-A7B6-4E27-B710-77DA7014EE1E}"/>
+      <thm15:themeFamily xmlns:thm15="http://schemas.microsoft.com/office/thememl/2012/main" name="Parcel" id="{8BEC4385-4EB9-4D53-BFB5-0EA123736B6D}" vid="{4DB32801-28C0-48B0-8C1D-A9A58613615A}"/>
     </a:ext>
   </a:extLst>
 </a:theme>
